--- a/GitPres.pptx
+++ b/GitPres.pptx
@@ -16,22 +16,25 @@
     <p:sldId id="264" r:id="rId10"/>
     <p:sldId id="265" r:id="rId11"/>
     <p:sldId id="266" r:id="rId12"/>
-    <p:sldId id="267" r:id="rId13"/>
-    <p:sldId id="268" r:id="rId14"/>
-    <p:sldId id="269" r:id="rId15"/>
-    <p:sldId id="270" r:id="rId16"/>
-    <p:sldId id="271" r:id="rId17"/>
-    <p:sldId id="272" r:id="rId18"/>
-    <p:sldId id="273" r:id="rId19"/>
-    <p:sldId id="274" r:id="rId20"/>
-    <p:sldId id="275" r:id="rId21"/>
-    <p:sldId id="276" r:id="rId22"/>
-    <p:sldId id="277" r:id="rId23"/>
-    <p:sldId id="278" r:id="rId24"/>
-    <p:sldId id="279" r:id="rId25"/>
-    <p:sldId id="280" r:id="rId26"/>
-    <p:sldId id="281" r:id="rId27"/>
-    <p:sldId id="282" r:id="rId28"/>
+    <p:sldId id="285" r:id="rId13"/>
+    <p:sldId id="267" r:id="rId14"/>
+    <p:sldId id="268" r:id="rId15"/>
+    <p:sldId id="269" r:id="rId16"/>
+    <p:sldId id="270" r:id="rId17"/>
+    <p:sldId id="271" r:id="rId18"/>
+    <p:sldId id="272" r:id="rId19"/>
+    <p:sldId id="283" r:id="rId20"/>
+    <p:sldId id="273" r:id="rId21"/>
+    <p:sldId id="274" r:id="rId22"/>
+    <p:sldId id="275" r:id="rId23"/>
+    <p:sldId id="276" r:id="rId24"/>
+    <p:sldId id="277" r:id="rId25"/>
+    <p:sldId id="284" r:id="rId26"/>
+    <p:sldId id="278" r:id="rId27"/>
+    <p:sldId id="279" r:id="rId28"/>
+    <p:sldId id="280" r:id="rId29"/>
+    <p:sldId id="281" r:id="rId30"/>
+    <p:sldId id="282" r:id="rId31"/>
   </p:sldIdLst>
   <p:sldSz cx="12192000" cy="6858000"/>
   <p:notesSz cx="6858000" cy="9144000"/>
@@ -130,6 +133,11 @@
       </a:defRPr>
     </a:lvl9pPr>
   </p:defaultTextStyle>
+  <p:extLst>
+    <p:ext uri="{EFAFB233-063F-42B5-8137-9DF3F51BA10A}">
+      <p15:sldGuideLst xmlns:p15="http://schemas.microsoft.com/office/powerpoint/2012/main"/>
+    </p:ext>
+  </p:extLst>
 </p:presentation>
 </file>
 
@@ -264,7 +272,7 @@
           <a:p>
             <a:fld id="{A6456BB0-305C-7940-BA61-D9F36D8B50C4}" type="datetimeFigureOut">
               <a:rPr lang="en-US" smtClean="0"/>
-              <a:t>6/6/16</a:t>
+              <a:t>6/7/2016</a:t>
             </a:fld>
             <a:endParaRPr lang="en-US"/>
           </a:p>
@@ -434,7 +442,7 @@
           <a:p>
             <a:fld id="{A6456BB0-305C-7940-BA61-D9F36D8B50C4}" type="datetimeFigureOut">
               <a:rPr lang="en-US" smtClean="0"/>
-              <a:t>6/6/16</a:t>
+              <a:t>6/7/2016</a:t>
             </a:fld>
             <a:endParaRPr lang="en-US"/>
           </a:p>
@@ -614,7 +622,7 @@
           <a:p>
             <a:fld id="{A6456BB0-305C-7940-BA61-D9F36D8B50C4}" type="datetimeFigureOut">
               <a:rPr lang="en-US" smtClean="0"/>
-              <a:t>6/6/16</a:t>
+              <a:t>6/7/2016</a:t>
             </a:fld>
             <a:endParaRPr lang="en-US"/>
           </a:p>
@@ -784,7 +792,7 @@
           <a:p>
             <a:fld id="{A6456BB0-305C-7940-BA61-D9F36D8B50C4}" type="datetimeFigureOut">
               <a:rPr lang="en-US" smtClean="0"/>
-              <a:t>6/6/16</a:t>
+              <a:t>6/7/2016</a:t>
             </a:fld>
             <a:endParaRPr lang="en-US"/>
           </a:p>
@@ -1030,7 +1038,7 @@
           <a:p>
             <a:fld id="{A6456BB0-305C-7940-BA61-D9F36D8B50C4}" type="datetimeFigureOut">
               <a:rPr lang="en-US" smtClean="0"/>
-              <a:t>6/6/16</a:t>
+              <a:t>6/7/2016</a:t>
             </a:fld>
             <a:endParaRPr lang="en-US"/>
           </a:p>
@@ -1262,7 +1270,7 @@
           <a:p>
             <a:fld id="{A6456BB0-305C-7940-BA61-D9F36D8B50C4}" type="datetimeFigureOut">
               <a:rPr lang="en-US" smtClean="0"/>
-              <a:t>6/6/16</a:t>
+              <a:t>6/7/2016</a:t>
             </a:fld>
             <a:endParaRPr lang="en-US"/>
           </a:p>
@@ -1629,7 +1637,7 @@
           <a:p>
             <a:fld id="{A6456BB0-305C-7940-BA61-D9F36D8B50C4}" type="datetimeFigureOut">
               <a:rPr lang="en-US" smtClean="0"/>
-              <a:t>6/6/16</a:t>
+              <a:t>6/7/2016</a:t>
             </a:fld>
             <a:endParaRPr lang="en-US"/>
           </a:p>
@@ -1747,7 +1755,7 @@
           <a:p>
             <a:fld id="{A6456BB0-305C-7940-BA61-D9F36D8B50C4}" type="datetimeFigureOut">
               <a:rPr lang="en-US" smtClean="0"/>
-              <a:t>6/6/16</a:t>
+              <a:t>6/7/2016</a:t>
             </a:fld>
             <a:endParaRPr lang="en-US"/>
           </a:p>
@@ -1842,7 +1850,7 @@
           <a:p>
             <a:fld id="{A6456BB0-305C-7940-BA61-D9F36D8B50C4}" type="datetimeFigureOut">
               <a:rPr lang="en-US" smtClean="0"/>
-              <a:t>6/6/16</a:t>
+              <a:t>6/7/2016</a:t>
             </a:fld>
             <a:endParaRPr lang="en-US"/>
           </a:p>
@@ -2119,7 +2127,7 @@
           <a:p>
             <a:fld id="{A6456BB0-305C-7940-BA61-D9F36D8B50C4}" type="datetimeFigureOut">
               <a:rPr lang="en-US" smtClean="0"/>
-              <a:t>6/6/16</a:t>
+              <a:t>6/7/2016</a:t>
             </a:fld>
             <a:endParaRPr lang="en-US"/>
           </a:p>
@@ -2372,7 +2380,7 @@
           <a:p>
             <a:fld id="{A6456BB0-305C-7940-BA61-D9F36D8B50C4}" type="datetimeFigureOut">
               <a:rPr lang="en-US" smtClean="0"/>
-              <a:t>6/6/16</a:t>
+              <a:t>6/7/2016</a:t>
             </a:fld>
             <a:endParaRPr lang="en-US"/>
           </a:p>
@@ -2585,7 +2593,7 @@
           <a:p>
             <a:fld id="{A6456BB0-305C-7940-BA61-D9F36D8B50C4}" type="datetimeFigureOut">
               <a:rPr lang="en-US" smtClean="0"/>
-              <a:t>6/6/16</a:t>
+              <a:t>6/7/2016</a:t>
             </a:fld>
             <a:endParaRPr lang="en-US"/>
           </a:p>
@@ -3036,11 +3044,7 @@
             </a:br>
             <a:r>
               <a:rPr lang="en-US" sz="7200" b="1" dirty="0" smtClean="0"/>
-              <a:t>Collaboration with </a:t>
-            </a:r>
-            <a:r>
-              <a:rPr lang="en-US" sz="7200" b="1" dirty="0" smtClean="0"/>
-              <a:t>GitHub</a:t>
+              <a:t>Collaboration with GitHub</a:t>
             </a:r>
             <a:endParaRPr lang="en-US" sz="7200" dirty="0"/>
           </a:p>
@@ -3390,6 +3394,196 @@
           <a:lstStyle/>
           <a:p>
             <a:r>
+              <a:rPr lang="en-US" dirty="0" smtClean="0"/>
+              <a:t>Check that </a:t>
+            </a:r>
+            <a:r>
+              <a:rPr lang="en-US" dirty="0" smtClean="0"/>
+              <a:t>Sublime works </a:t>
+            </a:r>
+            <a:br>
+              <a:rPr lang="en-US" dirty="0" smtClean="0"/>
+            </a:br>
+            <a:r>
+              <a:rPr lang="en-US" dirty="0" smtClean="0"/>
+              <a:t>from the Command Line</a:t>
+            </a:r>
+            <a:endParaRPr lang="en-US" dirty="0"/>
+          </a:p>
+        </p:txBody>
+      </p:sp>
+      <p:sp>
+        <p:nvSpPr>
+          <p:cNvPr id="3" name="Content Placeholder 2"/>
+          <p:cNvSpPr>
+            <a:spLocks noGrp="1"/>
+          </p:cNvSpPr>
+          <p:nvPr>
+            <p:ph idx="1"/>
+          </p:nvPr>
+        </p:nvSpPr>
+        <p:spPr/>
+        <p:txBody>
+          <a:bodyPr/>
+          <a:lstStyle/>
+          <a:p>
+            <a:r>
+              <a:rPr lang="en-US" dirty="0" smtClean="0"/>
+              <a:t>Type </a:t>
+            </a:r>
+            <a:r>
+              <a:rPr lang="en-US" b="1" dirty="0" err="1" smtClean="0">
+                <a:latin typeface="Courier" charset="0"/>
+              </a:rPr>
+              <a:t>subl</a:t>
+            </a:r>
+            <a:endParaRPr lang="en-US" b="1" dirty="0" smtClean="0">
+              <a:latin typeface="Courier" charset="0"/>
+              <a:ea typeface="Courier" charset="0"/>
+              <a:cs typeface="Courier" charset="0"/>
+            </a:endParaRPr>
+          </a:p>
+          <a:p>
+            <a:r>
+              <a:rPr lang="en-US" dirty="0" smtClean="0"/>
+              <a:t>Press enter</a:t>
+            </a:r>
+          </a:p>
+          <a:p>
+            <a:endParaRPr lang="en-US" dirty="0" smtClean="0"/>
+          </a:p>
+          <a:p>
+            <a:r>
+              <a:rPr lang="en-US" dirty="0" smtClean="0"/>
+              <a:t>If </a:t>
+            </a:r>
+            <a:r>
+              <a:rPr lang="en-US" dirty="0" smtClean="0"/>
+              <a:t>Sublime Text pops up, </a:t>
+            </a:r>
+            <a:r>
+              <a:rPr lang="en-US" dirty="0" smtClean="0"/>
+              <a:t>you’re good to go</a:t>
+            </a:r>
+          </a:p>
+          <a:p>
+            <a:r>
+              <a:rPr lang="en-US" dirty="0" smtClean="0"/>
+              <a:t>If </a:t>
+            </a:r>
+            <a:r>
+              <a:rPr lang="en-US" dirty="0" smtClean="0"/>
+              <a:t>it doesn’t</a:t>
+            </a:r>
+            <a:r>
+              <a:rPr lang="en-US" dirty="0" smtClean="0"/>
+              <a:t>, </a:t>
+            </a:r>
+            <a:r>
+              <a:rPr lang="en-US" dirty="0" smtClean="0"/>
+              <a:t>put up a </a:t>
+            </a:r>
+            <a:r>
+              <a:rPr lang="en-US" b="1" dirty="0" smtClean="0">
+                <a:solidFill>
+                  <a:srgbClr val="FF2F92"/>
+                </a:solidFill>
+              </a:rPr>
+              <a:t>sticky </a:t>
+            </a:r>
+            <a:r>
+              <a:rPr lang="en-US" dirty="0" smtClean="0"/>
+              <a:t>and ask your neighbors </a:t>
+            </a:r>
+            <a:r>
+              <a:rPr lang="en-US" dirty="0" smtClean="0"/>
+              <a:t>for help</a:t>
+            </a:r>
+          </a:p>
+          <a:p>
+            <a:r>
+              <a:rPr lang="en-US" dirty="0" smtClean="0"/>
+              <a:t>Go to the “If Sublime isn’t” </a:t>
+            </a:r>
+            <a:r>
+              <a:rPr lang="en-US" dirty="0" smtClean="0">
+                <a:hlinkClick r:id="rId2"/>
+              </a:rPr>
+              <a:t>section</a:t>
+            </a:r>
+            <a:r>
+              <a:rPr lang="en-US" dirty="0" smtClean="0"/>
+              <a:t> on Configure </a:t>
+            </a:r>
+            <a:r>
+              <a:rPr lang="en-US" dirty="0" err="1" smtClean="0"/>
+              <a:t>Git</a:t>
+            </a:r>
+            <a:endParaRPr lang="en-US" dirty="0" smtClean="0"/>
+          </a:p>
+          <a:p>
+            <a:pPr lvl="1"/>
+            <a:r>
+              <a:rPr lang="en-US" dirty="0" smtClean="0"/>
+              <a:t>(aka gitconfig.md)</a:t>
+            </a:r>
+            <a:endParaRPr lang="en-US" dirty="0"/>
+          </a:p>
+        </p:txBody>
+      </p:sp>
+    </p:spTree>
+    <p:extLst>
+      <p:ext uri="{BB962C8B-B14F-4D97-AF65-F5344CB8AC3E}">
+        <p14:creationId xmlns:p14="http://schemas.microsoft.com/office/powerpoint/2010/main" val="1533202035"/>
+      </p:ext>
+    </p:extLst>
+  </p:cSld>
+  <p:clrMapOvr>
+    <a:masterClrMapping/>
+  </p:clrMapOvr>
+  <p:timing>
+    <p:tnLst>
+      <p:par>
+        <p:cTn id="1" dur="indefinite" restart="never" nodeType="tmRoot"/>
+      </p:par>
+    </p:tnLst>
+  </p:timing>
+</p:sld>
+</file>
+
+<file path=ppt/slides/slide13.xml><?xml version="1.0" encoding="utf-8"?>
+<p:sld xmlns:a="http://schemas.openxmlformats.org/drawingml/2006/main" xmlns:r="http://schemas.openxmlformats.org/officeDocument/2006/relationships" xmlns:p="http://schemas.openxmlformats.org/presentationml/2006/main">
+  <p:cSld>
+    <p:spTree>
+      <p:nvGrpSpPr>
+        <p:cNvPr id="1" name=""/>
+        <p:cNvGrpSpPr/>
+        <p:nvPr/>
+      </p:nvGrpSpPr>
+      <p:grpSpPr>
+        <a:xfrm>
+          <a:off x="0" y="0"/>
+          <a:ext cx="0" cy="0"/>
+          <a:chOff x="0" y="0"/>
+          <a:chExt cx="0" cy="0"/>
+        </a:xfrm>
+      </p:grpSpPr>
+      <p:sp>
+        <p:nvSpPr>
+          <p:cNvPr id="2" name="Title 1"/>
+          <p:cNvSpPr>
+            <a:spLocks noGrp="1"/>
+          </p:cNvSpPr>
+          <p:nvPr>
+            <p:ph type="title"/>
+          </p:nvPr>
+        </p:nvSpPr>
+        <p:spPr/>
+        <p:txBody>
+          <a:bodyPr/>
+          <a:lstStyle/>
+          <a:p>
+            <a:r>
               <a:rPr lang="en-US" b="1" dirty="0" smtClean="0"/>
               <a:t>Configuring </a:t>
             </a:r>
@@ -3885,11 +4079,7 @@
             </a:pPr>
             <a:r>
               <a:rPr lang="en-US" sz="2800" dirty="0" smtClean="0"/>
-              <a:t>This info is</a:t>
-            </a:r>
-            <a:r>
-              <a:rPr lang="en-US" sz="2800" dirty="0" smtClean="0"/>
-              <a:t> in your </a:t>
+              <a:t>This info is in your </a:t>
             </a:r>
             <a:r>
               <a:rPr lang="en-US" sz="2800" dirty="0" err="1" smtClean="0"/>
@@ -4464,7 +4654,7 @@
 </p:sld>
 </file>
 
-<file path=ppt/slides/slide13.xml><?xml version="1.0" encoding="utf-8"?>
+<file path=ppt/slides/slide14.xml><?xml version="1.0" encoding="utf-8"?>
 <p:sld xmlns:a="http://schemas.openxmlformats.org/drawingml/2006/main" xmlns:r="http://schemas.openxmlformats.org/officeDocument/2006/relationships" xmlns:p="http://schemas.openxmlformats.org/presentationml/2006/main">
   <p:cSld>
     <p:spTree>
@@ -4635,14 +4825,6 @@
               </a:rPr>
               <a:t>/</a:t>
             </a:r>
-            <a:endParaRPr lang="en-US" sz="2100" dirty="0" smtClean="0">
-              <a:solidFill>
-                <a:schemeClr val="bg1"/>
-              </a:solidFill>
-              <a:latin typeface="Courier" charset="0"/>
-              <a:ea typeface="Courier" charset="0"/>
-              <a:cs typeface="Courier" charset="0"/>
-            </a:endParaRPr>
           </a:p>
         </p:txBody>
       </p:sp>
@@ -4796,7 +4978,7 @@
 </p:sld>
 </file>
 
-<file path=ppt/slides/slide14.xml><?xml version="1.0" encoding="utf-8"?>
+<file path=ppt/slides/slide15.xml><?xml version="1.0" encoding="utf-8"?>
 <p:sld xmlns:a="http://schemas.openxmlformats.org/drawingml/2006/main" xmlns:r="http://schemas.openxmlformats.org/officeDocument/2006/relationships" xmlns:p="http://schemas.openxmlformats.org/presentationml/2006/main">
   <p:cSld>
     <p:spTree>
@@ -4930,26 +5112,29 @@
               <a:t>	</a:t>
             </a:r>
             <a:r>
+              <a:rPr lang="en-US" b="1" dirty="0" err="1" smtClean="0">
+                <a:latin typeface="Courier" charset="0"/>
+                <a:ea typeface="Courier" charset="0"/>
+                <a:cs typeface="Courier" charset="0"/>
+              </a:rPr>
+              <a:t>subl</a:t>
+            </a:r>
+            <a:r>
               <a:rPr lang="en-US" b="1" dirty="0" smtClean="0">
                 <a:latin typeface="Courier" charset="0"/>
                 <a:ea typeface="Courier" charset="0"/>
                 <a:cs typeface="Courier" charset="0"/>
               </a:rPr>
-              <a:t>open </a:t>
-            </a:r>
-            <a:r>
-              <a:rPr lang="en-US" b="1" dirty="0" err="1" smtClean="0">
+              <a:t> </a:t>
+            </a:r>
+            <a:r>
+              <a:rPr lang="en-US" b="1" dirty="0" smtClean="0">
                 <a:latin typeface="Courier" charset="0"/>
                 <a:ea typeface="Courier" charset="0"/>
                 <a:cs typeface="Courier" charset="0"/>
               </a:rPr>
               <a:t>gitcheat.md</a:t>
             </a:r>
-            <a:endParaRPr lang="en-US" b="1" dirty="0" smtClean="0">
-              <a:latin typeface="Courier" charset="0"/>
-              <a:ea typeface="Courier" charset="0"/>
-              <a:cs typeface="Courier" charset="0"/>
-            </a:endParaRPr>
           </a:p>
           <a:p>
             <a:r>
@@ -5288,7 +5473,7 @@
 </p:sld>
 </file>
 
-<file path=ppt/slides/slide15.xml><?xml version="1.0" encoding="utf-8"?>
+<file path=ppt/slides/slide16.xml><?xml version="1.0" encoding="utf-8"?>
 <p:sld xmlns:a="http://schemas.openxmlformats.org/drawingml/2006/main" xmlns:r="http://schemas.openxmlformats.org/officeDocument/2006/relationships" xmlns:p="http://schemas.openxmlformats.org/presentationml/2006/main">
   <p:cSld>
     <p:spTree>
@@ -5411,7 +5596,7 @@
 </p:sld>
 </file>
 
-<file path=ppt/slides/slide16.xml><?xml version="1.0" encoding="utf-8"?>
+<file path=ppt/slides/slide17.xml><?xml version="1.0" encoding="utf-8"?>
 <p:sld xmlns:a="http://schemas.openxmlformats.org/drawingml/2006/main" xmlns:r="http://schemas.openxmlformats.org/officeDocument/2006/relationships" xmlns:p="http://schemas.openxmlformats.org/presentationml/2006/main">
   <p:cSld>
     <p:spTree>
@@ -5530,7 +5715,7 @@
 </p:sld>
 </file>
 
-<file path=ppt/slides/slide17.xml><?xml version="1.0" encoding="utf-8"?>
+<file path=ppt/slides/slide18.xml><?xml version="1.0" encoding="utf-8"?>
 <p:sld xmlns:a="http://schemas.openxmlformats.org/drawingml/2006/main" xmlns:r="http://schemas.openxmlformats.org/officeDocument/2006/relationships" xmlns:p="http://schemas.openxmlformats.org/presentationml/2006/main">
   <p:cSld>
     <p:spTree>
@@ -5651,13 +5836,281 @@
       </p:sp>
       <p:sp>
         <p:nvSpPr>
+          <p:cNvPr id="5" name="Content Placeholder 2"/>
+          <p:cNvSpPr txBox="1">
+            <a:spLocks/>
+          </p:cNvSpPr>
+          <p:nvPr/>
+        </p:nvSpPr>
+        <p:spPr>
+          <a:xfrm>
+            <a:off x="296565" y="4003590"/>
+            <a:ext cx="11491784" cy="975197"/>
+          </a:xfrm>
+          <a:prstGeom prst="rect">
+            <a:avLst/>
+          </a:prstGeom>
+          <a:solidFill>
+            <a:schemeClr val="tx1"/>
+          </a:solidFill>
+        </p:spPr>
+        <p:txBody>
+          <a:bodyPr vert="horz" lIns="91440" tIns="45720" rIns="91440" bIns="45720" rtlCol="0">
+            <a:normAutofit/>
+          </a:bodyPr>
+          <a:lstStyle>
+            <a:lvl1pPr marL="228600" indent="-228600" algn="l" defTabSz="914400" rtl="0" eaLnBrk="1" latinLnBrk="0" hangingPunct="1">
+              <a:lnSpc>
+                <a:spcPct val="90000"/>
+              </a:lnSpc>
+              <a:spcBef>
+                <a:spcPts val="1000"/>
+              </a:spcBef>
+              <a:buFont typeface="Arial"/>
+              <a:buChar char="•"/>
+              <a:defRPr sz="2800" kern="1200">
+                <a:solidFill>
+                  <a:schemeClr val="tx1"/>
+                </a:solidFill>
+                <a:latin typeface="+mn-lt"/>
+                <a:ea typeface="+mn-ea"/>
+                <a:cs typeface="+mn-cs"/>
+              </a:defRPr>
+            </a:lvl1pPr>
+            <a:lvl2pPr marL="685800" indent="-228600" algn="l" defTabSz="914400" rtl="0" eaLnBrk="1" latinLnBrk="0" hangingPunct="1">
+              <a:lnSpc>
+                <a:spcPct val="90000"/>
+              </a:lnSpc>
+              <a:spcBef>
+                <a:spcPts val="500"/>
+              </a:spcBef>
+              <a:buFont typeface="Arial"/>
+              <a:buChar char="•"/>
+              <a:defRPr sz="2400" kern="1200">
+                <a:solidFill>
+                  <a:schemeClr val="tx1"/>
+                </a:solidFill>
+                <a:latin typeface="+mn-lt"/>
+                <a:ea typeface="+mn-ea"/>
+                <a:cs typeface="+mn-cs"/>
+              </a:defRPr>
+            </a:lvl2pPr>
+            <a:lvl3pPr marL="1143000" indent="-228600" algn="l" defTabSz="914400" rtl="0" eaLnBrk="1" latinLnBrk="0" hangingPunct="1">
+              <a:lnSpc>
+                <a:spcPct val="90000"/>
+              </a:lnSpc>
+              <a:spcBef>
+                <a:spcPts val="500"/>
+              </a:spcBef>
+              <a:buFont typeface="Arial"/>
+              <a:buChar char="•"/>
+              <a:defRPr sz="2000" kern="1200">
+                <a:solidFill>
+                  <a:schemeClr val="tx1"/>
+                </a:solidFill>
+                <a:latin typeface="+mn-lt"/>
+                <a:ea typeface="+mn-ea"/>
+                <a:cs typeface="+mn-cs"/>
+              </a:defRPr>
+            </a:lvl3pPr>
+            <a:lvl4pPr marL="1600200" indent="-228600" algn="l" defTabSz="914400" rtl="0" eaLnBrk="1" latinLnBrk="0" hangingPunct="1">
+              <a:lnSpc>
+                <a:spcPct val="90000"/>
+              </a:lnSpc>
+              <a:spcBef>
+                <a:spcPts val="500"/>
+              </a:spcBef>
+              <a:buFont typeface="Arial"/>
+              <a:buChar char="•"/>
+              <a:defRPr sz="1800" kern="1200">
+                <a:solidFill>
+                  <a:schemeClr val="tx1"/>
+                </a:solidFill>
+                <a:latin typeface="+mn-lt"/>
+                <a:ea typeface="+mn-ea"/>
+                <a:cs typeface="+mn-cs"/>
+              </a:defRPr>
+            </a:lvl4pPr>
+            <a:lvl5pPr marL="2057400" indent="-228600" algn="l" defTabSz="914400" rtl="0" eaLnBrk="1" latinLnBrk="0" hangingPunct="1">
+              <a:lnSpc>
+                <a:spcPct val="90000"/>
+              </a:lnSpc>
+              <a:spcBef>
+                <a:spcPts val="500"/>
+              </a:spcBef>
+              <a:buFont typeface="Arial"/>
+              <a:buChar char="•"/>
+              <a:defRPr sz="1800" kern="1200">
+                <a:solidFill>
+                  <a:schemeClr val="tx1"/>
+                </a:solidFill>
+                <a:latin typeface="+mn-lt"/>
+                <a:ea typeface="+mn-ea"/>
+                <a:cs typeface="+mn-cs"/>
+              </a:defRPr>
+            </a:lvl5pPr>
+            <a:lvl6pPr marL="2514600" indent="-228600" algn="l" defTabSz="914400" rtl="0" eaLnBrk="1" latinLnBrk="0" hangingPunct="1">
+              <a:lnSpc>
+                <a:spcPct val="90000"/>
+              </a:lnSpc>
+              <a:spcBef>
+                <a:spcPts val="500"/>
+              </a:spcBef>
+              <a:buFont typeface="Arial"/>
+              <a:buChar char="•"/>
+              <a:defRPr sz="1800" kern="1200">
+                <a:solidFill>
+                  <a:schemeClr val="tx1"/>
+                </a:solidFill>
+                <a:latin typeface="+mn-lt"/>
+                <a:ea typeface="+mn-ea"/>
+                <a:cs typeface="+mn-cs"/>
+              </a:defRPr>
+            </a:lvl6pPr>
+            <a:lvl7pPr marL="2971800" indent="-228600" algn="l" defTabSz="914400" rtl="0" eaLnBrk="1" latinLnBrk="0" hangingPunct="1">
+              <a:lnSpc>
+                <a:spcPct val="90000"/>
+              </a:lnSpc>
+              <a:spcBef>
+                <a:spcPts val="500"/>
+              </a:spcBef>
+              <a:buFont typeface="Arial"/>
+              <a:buChar char="•"/>
+              <a:defRPr sz="1800" kern="1200">
+                <a:solidFill>
+                  <a:schemeClr val="tx1"/>
+                </a:solidFill>
+                <a:latin typeface="+mn-lt"/>
+                <a:ea typeface="+mn-ea"/>
+                <a:cs typeface="+mn-cs"/>
+              </a:defRPr>
+            </a:lvl7pPr>
+            <a:lvl8pPr marL="3429000" indent="-228600" algn="l" defTabSz="914400" rtl="0" eaLnBrk="1" latinLnBrk="0" hangingPunct="1">
+              <a:lnSpc>
+                <a:spcPct val="90000"/>
+              </a:lnSpc>
+              <a:spcBef>
+                <a:spcPts val="500"/>
+              </a:spcBef>
+              <a:buFont typeface="Arial"/>
+              <a:buChar char="•"/>
+              <a:defRPr sz="1800" kern="1200">
+                <a:solidFill>
+                  <a:schemeClr val="tx1"/>
+                </a:solidFill>
+                <a:latin typeface="+mn-lt"/>
+                <a:ea typeface="+mn-ea"/>
+                <a:cs typeface="+mn-cs"/>
+              </a:defRPr>
+            </a:lvl8pPr>
+            <a:lvl9pPr marL="3886200" indent="-228600" algn="l" defTabSz="914400" rtl="0" eaLnBrk="1" latinLnBrk="0" hangingPunct="1">
+              <a:lnSpc>
+                <a:spcPct val="90000"/>
+              </a:lnSpc>
+              <a:spcBef>
+                <a:spcPts val="500"/>
+              </a:spcBef>
+              <a:buFont typeface="Arial"/>
+              <a:buChar char="•"/>
+              <a:defRPr sz="1800" kern="1200">
+                <a:solidFill>
+                  <a:schemeClr val="tx1"/>
+                </a:solidFill>
+                <a:latin typeface="+mn-lt"/>
+                <a:ea typeface="+mn-ea"/>
+                <a:cs typeface="+mn-cs"/>
+              </a:defRPr>
+            </a:lvl9pPr>
+          </a:lstStyle>
+          <a:p>
+            <a:pPr marL="0" indent="0">
+              <a:buNone/>
+            </a:pPr>
+            <a:r>
+              <a:rPr lang="en-US" dirty="0" smtClean="0">
+                <a:solidFill>
+                  <a:schemeClr val="bg1"/>
+                </a:solidFill>
+                <a:latin typeface="Courier" charset="0"/>
+                <a:ea typeface="Courier" charset="0"/>
+                <a:cs typeface="Courier" charset="0"/>
+              </a:rPr>
+              <a:t>Origin https://github.com/jentang/GitPractice (fetch)</a:t>
+            </a:r>
+            <a:br>
+              <a:rPr lang="en-US" dirty="0" smtClean="0">
+                <a:solidFill>
+                  <a:schemeClr val="bg1"/>
+                </a:solidFill>
+                <a:latin typeface="Courier" charset="0"/>
+                <a:ea typeface="Courier" charset="0"/>
+                <a:cs typeface="Courier" charset="0"/>
+              </a:rPr>
+            </a:br>
+            <a:r>
+              <a:rPr lang="en-US" dirty="0" smtClean="0">
+                <a:solidFill>
+                  <a:schemeClr val="bg1"/>
+                </a:solidFill>
+                <a:latin typeface="Courier" charset="0"/>
+                <a:ea typeface="Courier" charset="0"/>
+                <a:cs typeface="Courier" charset="0"/>
+              </a:rPr>
+              <a:t>Origin </a:t>
+            </a:r>
+            <a:r>
+              <a:rPr lang="en-US" dirty="0" smtClean="0">
+                <a:solidFill>
+                  <a:schemeClr val="bg1"/>
+                </a:solidFill>
+                <a:latin typeface="Courier" charset="0"/>
+                <a:ea typeface="Courier" charset="0"/>
+                <a:cs typeface="Courier" charset="0"/>
+              </a:rPr>
+              <a:t>https</a:t>
+            </a:r>
+            <a:r>
+              <a:rPr lang="en-US" dirty="0">
+                <a:solidFill>
+                  <a:schemeClr val="bg1"/>
+                </a:solidFill>
+                <a:latin typeface="Courier" charset="0"/>
+                <a:ea typeface="Courier" charset="0"/>
+                <a:cs typeface="Courier" charset="0"/>
+              </a:rPr>
+              <a:t>://</a:t>
+            </a:r>
+            <a:r>
+              <a:rPr lang="en-US" dirty="0" smtClean="0">
+                <a:solidFill>
+                  <a:schemeClr val="bg1"/>
+                </a:solidFill>
+                <a:latin typeface="Courier" charset="0"/>
+                <a:ea typeface="Courier" charset="0"/>
+                <a:cs typeface="Courier" charset="0"/>
+              </a:rPr>
+              <a:t>github.com/jentang/GitPractice (push)</a:t>
+            </a:r>
+            <a:endParaRPr lang="en-US" dirty="0" smtClean="0">
+              <a:solidFill>
+                <a:schemeClr val="bg1"/>
+              </a:solidFill>
+              <a:latin typeface="Courier" charset="0"/>
+              <a:ea typeface="Courier" charset="0"/>
+              <a:cs typeface="Courier" charset="0"/>
+            </a:endParaRPr>
+          </a:p>
+        </p:txBody>
+      </p:sp>
+      <p:sp>
+        <p:nvSpPr>
           <p:cNvPr id="4" name="TextBox 3"/>
           <p:cNvSpPr txBox="1"/>
           <p:nvPr/>
         </p:nvSpPr>
         <p:spPr>
           <a:xfrm rot="899788">
-            <a:off x="7477875" y="3744964"/>
+            <a:off x="6909465" y="5190704"/>
             <a:ext cx="2531857" cy="1186944"/>
           </a:xfrm>
           <a:prstGeom prst="rect">
@@ -5789,7 +6242,7 @@
 </p:sld>
 </file>
 
-<file path=ppt/slides/slide18.xml><?xml version="1.0" encoding="utf-8"?>
+<file path=ppt/slides/slide19.xml><?xml version="1.0" encoding="utf-8"?>
 <p:sld xmlns:a="http://schemas.openxmlformats.org/drawingml/2006/main" xmlns:r="http://schemas.openxmlformats.org/officeDocument/2006/relationships" xmlns:p="http://schemas.openxmlformats.org/presentationml/2006/main">
   <p:cSld>
     <p:spTree>
@@ -5822,11 +6275,547 @@
           <a:lstStyle/>
           <a:p>
             <a:r>
-              <a:rPr lang="en-US" b="1" dirty="0" err="1" smtClean="0"/>
+              <a:rPr lang="en-US" dirty="0" smtClean="0"/>
+              <a:t>Agenda (after break)</a:t>
+            </a:r>
+            <a:endParaRPr lang="en-US" dirty="0"/>
+          </a:p>
+        </p:txBody>
+      </p:sp>
+      <p:sp>
+        <p:nvSpPr>
+          <p:cNvPr id="3" name="Content Placeholder 2"/>
+          <p:cNvSpPr>
+            <a:spLocks noGrp="1"/>
+          </p:cNvSpPr>
+          <p:nvPr>
+            <p:ph idx="1"/>
+          </p:nvPr>
+        </p:nvSpPr>
+        <p:spPr/>
+        <p:txBody>
+          <a:bodyPr/>
+          <a:lstStyle/>
+          <a:p>
+            <a:pPr>
+              <a:buFont typeface="Wingdings" panose="05000000000000000000" pitchFamily="2" charset="2"/>
+              <a:buChar char="ü"/>
+            </a:pPr>
+            <a:r>
+              <a:rPr lang="en-US" dirty="0" smtClean="0"/>
+              <a:t>Reviewing the Command Line</a:t>
+            </a:r>
+          </a:p>
+          <a:p>
+            <a:pPr>
+              <a:buFont typeface="Wingdings" panose="05000000000000000000" pitchFamily="2" charset="2"/>
+              <a:buChar char="ü"/>
+            </a:pPr>
+            <a:r>
+              <a:rPr lang="en-US" dirty="0" smtClean="0"/>
+              <a:t>What is </a:t>
+            </a:r>
+            <a:r>
+              <a:rPr lang="en-US" dirty="0" err="1" smtClean="0"/>
               <a:t>Git</a:t>
             </a:r>
             <a:r>
+              <a:rPr lang="en-US" dirty="0" smtClean="0"/>
+              <a:t>, GitHub and Markdown?</a:t>
+            </a:r>
+          </a:p>
+          <a:p>
+            <a:pPr>
+              <a:buFont typeface="Wingdings" panose="05000000000000000000" pitchFamily="2" charset="2"/>
+              <a:buChar char="ü"/>
+            </a:pPr>
+            <a:r>
+              <a:rPr lang="en-US" dirty="0" smtClean="0"/>
+              <a:t>Configuring </a:t>
+            </a:r>
+            <a:r>
+              <a:rPr lang="en-US" dirty="0" err="1" smtClean="0"/>
+              <a:t>Git</a:t>
+            </a:r>
+            <a:endParaRPr lang="en-US" dirty="0" smtClean="0"/>
+          </a:p>
+          <a:p>
+            <a:pPr>
+              <a:buFont typeface="Wingdings" panose="05000000000000000000" pitchFamily="2" charset="2"/>
+              <a:buChar char="ü"/>
+            </a:pPr>
+            <a:r>
+              <a:rPr lang="en-US" dirty="0" smtClean="0"/>
+              <a:t>Initialize </a:t>
+            </a:r>
+            <a:r>
+              <a:rPr lang="en-US" dirty="0" err="1" smtClean="0"/>
+              <a:t>Git</a:t>
+            </a:r>
+            <a:endParaRPr lang="en-US" dirty="0" smtClean="0"/>
+          </a:p>
+          <a:p>
+            <a:pPr>
+              <a:buFont typeface="Wingdings" panose="05000000000000000000" pitchFamily="2" charset="2"/>
+              <a:buChar char="ü"/>
+            </a:pPr>
+            <a:r>
+              <a:rPr lang="en-US" dirty="0" smtClean="0"/>
+              <a:t>Connect to GitHub</a:t>
+            </a:r>
+          </a:p>
+          <a:p>
+            <a:pPr>
+              <a:buFont typeface="Wingdings" panose="05000000000000000000" pitchFamily="2" charset="2"/>
+              <a:buChar char="ü"/>
+            </a:pPr>
+            <a:r>
+              <a:rPr lang="en-US" i="1" dirty="0" smtClean="0"/>
+              <a:t>Break</a:t>
+            </a:r>
+            <a:r>
+              <a:rPr lang="en-US" dirty="0" smtClean="0"/>
+              <a:t> </a:t>
+            </a:r>
+          </a:p>
+          <a:p>
+            <a:r>
+              <a:rPr lang="en-US" dirty="0" err="1" smtClean="0"/>
+              <a:t>Git</a:t>
+            </a:r>
+            <a:r>
+              <a:rPr lang="en-US" dirty="0" smtClean="0"/>
+              <a:t> Add, </a:t>
+            </a:r>
+            <a:r>
+              <a:rPr lang="en-US" dirty="0" err="1" smtClean="0"/>
+              <a:t>Git</a:t>
+            </a:r>
+            <a:r>
+              <a:rPr lang="en-US" dirty="0" smtClean="0"/>
+              <a:t> Commit, </a:t>
+            </a:r>
+            <a:r>
+              <a:rPr lang="en-US" dirty="0" err="1" smtClean="0"/>
+              <a:t>Git</a:t>
+            </a:r>
+            <a:r>
+              <a:rPr lang="en-US" dirty="0" smtClean="0"/>
+              <a:t> Push</a:t>
+            </a:r>
+          </a:p>
+          <a:p>
+            <a:r>
+              <a:rPr lang="en-US" dirty="0" err="1" smtClean="0"/>
+              <a:t>Git</a:t>
+            </a:r>
+            <a:r>
+              <a:rPr lang="en-US" dirty="0" smtClean="0"/>
+              <a:t> for Collaboration</a:t>
+            </a:r>
+          </a:p>
+          <a:p>
+            <a:endParaRPr lang="en-US" dirty="0"/>
+          </a:p>
+        </p:txBody>
+      </p:sp>
+    </p:spTree>
+    <p:extLst>
+      <p:ext uri="{BB962C8B-B14F-4D97-AF65-F5344CB8AC3E}">
+        <p14:creationId xmlns:p14="http://schemas.microsoft.com/office/powerpoint/2010/main" val="25311883"/>
+      </p:ext>
+    </p:extLst>
+  </p:cSld>
+  <p:clrMapOvr>
+    <a:masterClrMapping/>
+  </p:clrMapOvr>
+  <p:timing>
+    <p:tnLst>
+      <p:par>
+        <p:cTn id="1" dur="indefinite" restart="never" nodeType="tmRoot"/>
+      </p:par>
+    </p:tnLst>
+  </p:timing>
+</p:sld>
+</file>
+
+<file path=ppt/slides/slide2.xml><?xml version="1.0" encoding="utf-8"?>
+<p:sld xmlns:a="http://schemas.openxmlformats.org/drawingml/2006/main" xmlns:r="http://schemas.openxmlformats.org/officeDocument/2006/relationships" xmlns:p="http://schemas.openxmlformats.org/presentationml/2006/main">
+  <p:cSld>
+    <p:spTree>
+      <p:nvGrpSpPr>
+        <p:cNvPr id="1" name=""/>
+        <p:cNvGrpSpPr/>
+        <p:nvPr/>
+      </p:nvGrpSpPr>
+      <p:grpSpPr>
+        <a:xfrm>
+          <a:off x="0" y="0"/>
+          <a:ext cx="0" cy="0"/>
+          <a:chOff x="0" y="0"/>
+          <a:chExt cx="0" cy="0"/>
+        </a:xfrm>
+      </p:grpSpPr>
+      <p:sp>
+        <p:nvSpPr>
+          <p:cNvPr id="2" name="Title 1"/>
+          <p:cNvSpPr>
+            <a:spLocks noGrp="1"/>
+          </p:cNvSpPr>
+          <p:nvPr>
+            <p:ph type="title"/>
+          </p:nvPr>
+        </p:nvSpPr>
+        <p:spPr/>
+        <p:txBody>
+          <a:bodyPr/>
+          <a:lstStyle/>
+          <a:p>
+            <a:r>
+              <a:rPr lang="en-US" dirty="0" smtClean="0"/>
+              <a:t>Tracking Workflows with </a:t>
+            </a:r>
+            <a:r>
+              <a:rPr lang="en-US" dirty="0" err="1" smtClean="0"/>
+              <a:t>Git</a:t>
+            </a:r>
+            <a:r>
+              <a:rPr lang="en-US" dirty="0" smtClean="0"/>
+              <a:t> and Collaboration with GitHub</a:t>
+            </a:r>
+            <a:endParaRPr lang="en-US" dirty="0"/>
+          </a:p>
+        </p:txBody>
+      </p:sp>
+      <p:sp>
+        <p:nvSpPr>
+          <p:cNvPr id="3" name="Content Placeholder 2"/>
+          <p:cNvSpPr>
+            <a:spLocks noGrp="1"/>
+          </p:cNvSpPr>
+          <p:nvPr>
+            <p:ph idx="1"/>
+          </p:nvPr>
+        </p:nvSpPr>
+        <p:spPr>
+          <a:xfrm>
+            <a:off x="838200" y="1825625"/>
+            <a:ext cx="10515600" cy="4780658"/>
+          </a:xfrm>
+        </p:spPr>
+        <p:txBody>
+          <a:bodyPr>
+            <a:normAutofit/>
+          </a:bodyPr>
+          <a:lstStyle/>
+          <a:p>
+            <a:r>
               <a:rPr lang="en-US" b="1" dirty="0" smtClean="0"/>
+              <a:t>Workshop Goal</a:t>
+            </a:r>
+            <a:r>
+              <a:rPr lang="en-US" dirty="0" smtClean="0"/>
+              <a:t>: Create a </a:t>
+            </a:r>
+            <a:r>
+              <a:rPr lang="en-US" dirty="0" err="1" smtClean="0"/>
+              <a:t>Git</a:t>
+            </a:r>
+            <a:r>
+              <a:rPr lang="en-US" dirty="0" smtClean="0"/>
+              <a:t> repository on your computer, add files, and push this repository to your GitHub.</a:t>
+            </a:r>
+          </a:p>
+          <a:p>
+            <a:r>
+              <a:rPr lang="en-US" dirty="0" smtClean="0"/>
+              <a:t>Follow this workshop at </a:t>
+            </a:r>
+            <a:r>
+              <a:rPr lang="en-US" dirty="0" smtClean="0">
+                <a:hlinkClick r:id="rId2"/>
+              </a:rPr>
+              <a:t>http://github.com/jentang/GitDRI</a:t>
+            </a:r>
+            <a:endParaRPr lang="en-US" dirty="0"/>
+          </a:p>
+          <a:p>
+            <a:pPr marL="0" indent="0">
+              <a:buNone/>
+            </a:pPr>
+            <a:r>
+              <a:rPr lang="en-US" dirty="0" smtClean="0"/>
+              <a:t>If you have yet to do so:</a:t>
+            </a:r>
+          </a:p>
+          <a:p>
+            <a:r>
+              <a:rPr lang="en-US" dirty="0" smtClean="0"/>
+              <a:t>Register for a GitHub: </a:t>
+            </a:r>
+            <a:r>
+              <a:rPr lang="en-US" dirty="0" smtClean="0">
+                <a:hlinkClick r:id="rId3"/>
+              </a:rPr>
+              <a:t>http://github.com/</a:t>
+            </a:r>
+            <a:r>
+              <a:rPr lang="en-US" dirty="0" smtClean="0"/>
+              <a:t> </a:t>
+            </a:r>
+          </a:p>
+          <a:p>
+            <a:r>
+              <a:rPr lang="en-US" dirty="0" smtClean="0"/>
+              <a:t>Record your </a:t>
+            </a:r>
+            <a:r>
+              <a:rPr lang="en-US" dirty="0" smtClean="0">
+                <a:solidFill>
+                  <a:schemeClr val="accent2"/>
+                </a:solidFill>
+              </a:rPr>
+              <a:t>username</a:t>
+            </a:r>
+            <a:r>
+              <a:rPr lang="en-US" dirty="0" smtClean="0"/>
+              <a:t>, </a:t>
+            </a:r>
+            <a:r>
+              <a:rPr lang="en-US" dirty="0" smtClean="0">
+                <a:solidFill>
+                  <a:schemeClr val="accent2"/>
+                </a:solidFill>
+              </a:rPr>
+              <a:t>email</a:t>
+            </a:r>
+            <a:r>
+              <a:rPr lang="en-US" dirty="0" smtClean="0"/>
+              <a:t>, </a:t>
+            </a:r>
+            <a:br>
+              <a:rPr lang="en-US" dirty="0" smtClean="0"/>
+            </a:br>
+            <a:r>
+              <a:rPr lang="en-US" dirty="0" smtClean="0"/>
+              <a:t>and </a:t>
+            </a:r>
+            <a:r>
+              <a:rPr lang="en-US" dirty="0" smtClean="0">
+                <a:solidFill>
+                  <a:schemeClr val="accent2"/>
+                </a:solidFill>
+              </a:rPr>
+              <a:t>password </a:t>
+            </a:r>
+            <a:r>
+              <a:rPr lang="en-US" dirty="0" smtClean="0"/>
+              <a:t>in the projects </a:t>
+            </a:r>
+            <a:br>
+              <a:rPr lang="en-US" dirty="0" smtClean="0"/>
+            </a:br>
+            <a:r>
+              <a:rPr lang="en-US" dirty="0" smtClean="0"/>
+              <a:t>folder you created on your </a:t>
+            </a:r>
+            <a:br>
+              <a:rPr lang="en-US" dirty="0" smtClean="0"/>
+            </a:br>
+            <a:r>
+              <a:rPr lang="en-US" dirty="0" smtClean="0"/>
+              <a:t>Desktop yesterday</a:t>
+            </a:r>
+          </a:p>
+        </p:txBody>
+      </p:sp>
+      <p:pic>
+        <p:nvPicPr>
+          <p:cNvPr id="4" name="Picture 3"/>
+          <p:cNvPicPr>
+            <a:picLocks noChangeAspect="1"/>
+          </p:cNvPicPr>
+          <p:nvPr/>
+        </p:nvPicPr>
+        <p:blipFill>
+          <a:blip r:embed="rId4">
+            <a:extLst>
+              <a:ext uri="{28A0092B-C50C-407E-A947-70E740481C1C}">
+                <a14:useLocalDpi xmlns:a14="http://schemas.microsoft.com/office/drawing/2010/main" val="0"/>
+              </a:ext>
+            </a:extLst>
+          </a:blip>
+          <a:stretch>
+            <a:fillRect/>
+          </a:stretch>
+        </p:blipFill>
+        <p:spPr>
+          <a:xfrm>
+            <a:off x="7323302" y="3451877"/>
+            <a:ext cx="4737100" cy="2870200"/>
+          </a:xfrm>
+          <a:prstGeom prst="rect">
+            <a:avLst/>
+          </a:prstGeom>
+        </p:spPr>
+      </p:pic>
+    </p:spTree>
+    <p:extLst>
+      <p:ext uri="{BB962C8B-B14F-4D97-AF65-F5344CB8AC3E}">
+        <p14:creationId xmlns:p14="http://schemas.microsoft.com/office/powerpoint/2010/main" val="693495964"/>
+      </p:ext>
+    </p:extLst>
+  </p:cSld>
+  <p:clrMapOvr>
+    <a:masterClrMapping/>
+  </p:clrMapOvr>
+  <p:timing>
+    <p:tnLst>
+      <p:par>
+        <p:cTn id="1" dur="indefinite" restart="never" nodeType="tmRoot">
+          <p:childTnLst>
+            <p:seq concurrent="1" nextAc="seek">
+              <p:cTn id="2" dur="indefinite" nodeType="mainSeq">
+                <p:childTnLst>
+                  <p:par>
+                    <p:cTn id="3" fill="hold">
+                      <p:stCondLst>
+                        <p:cond delay="indefinite"/>
+                      </p:stCondLst>
+                      <p:childTnLst>
+                        <p:par>
+                          <p:cTn id="4" fill="hold">
+                            <p:stCondLst>
+                              <p:cond delay="0"/>
+                            </p:stCondLst>
+                            <p:childTnLst>
+                              <p:par>
+                                <p:cTn id="5" presetID="1" presetClass="entr" presetSubtype="0" fill="hold" nodeType="clickEffect">
+                                  <p:stCondLst>
+                                    <p:cond delay="0"/>
+                                  </p:stCondLst>
+                                  <p:childTnLst>
+                                    <p:set>
+                                      <p:cBhvr>
+                                        <p:cTn id="6" dur="1" fill="hold">
+                                          <p:stCondLst>
+                                            <p:cond delay="0"/>
+                                          </p:stCondLst>
+                                        </p:cTn>
+                                        <p:tgtEl>
+                                          <p:spTgt spid="3">
+                                            <p:txEl>
+                                              <p:pRg st="4" end="4"/>
+                                            </p:txEl>
+                                          </p:spTgt>
+                                        </p:tgtEl>
+                                        <p:attrNameLst>
+                                          <p:attrName>style.visibility</p:attrName>
+                                        </p:attrNameLst>
+                                      </p:cBhvr>
+                                      <p:to>
+                                        <p:strVal val="visible"/>
+                                      </p:to>
+                                    </p:set>
+                                  </p:childTnLst>
+                                </p:cTn>
+                              </p:par>
+                              <p:par>
+                                <p:cTn id="7" presetID="1" presetClass="entr" presetSubtype="0" fill="hold" nodeType="withEffect">
+                                  <p:stCondLst>
+                                    <p:cond delay="0"/>
+                                  </p:stCondLst>
+                                  <p:childTnLst>
+                                    <p:set>
+                                      <p:cBhvr>
+                                        <p:cTn id="8" dur="1" fill="hold">
+                                          <p:stCondLst>
+                                            <p:cond delay="0"/>
+                                          </p:stCondLst>
+                                        </p:cTn>
+                                        <p:tgtEl>
+                                          <p:spTgt spid="4"/>
+                                        </p:tgtEl>
+                                        <p:attrNameLst>
+                                          <p:attrName>style.visibility</p:attrName>
+                                        </p:attrNameLst>
+                                      </p:cBhvr>
+                                      <p:to>
+                                        <p:strVal val="visible"/>
+                                      </p:to>
+                                    </p:set>
+                                  </p:childTnLst>
+                                </p:cTn>
+                              </p:par>
+                            </p:childTnLst>
+                          </p:cTn>
+                        </p:par>
+                      </p:childTnLst>
+                    </p:cTn>
+                  </p:par>
+                </p:childTnLst>
+              </p:cTn>
+              <p:prevCondLst>
+                <p:cond evt="onPrev" delay="0">
+                  <p:tgtEl>
+                    <p:sldTgt/>
+                  </p:tgtEl>
+                </p:cond>
+              </p:prevCondLst>
+              <p:nextCondLst>
+                <p:cond evt="onNext" delay="0">
+                  <p:tgtEl>
+                    <p:sldTgt/>
+                  </p:tgtEl>
+                </p:cond>
+              </p:nextCondLst>
+            </p:seq>
+          </p:childTnLst>
+        </p:cTn>
+      </p:par>
+    </p:tnLst>
+  </p:timing>
+</p:sld>
+</file>
+
+<file path=ppt/slides/slide20.xml><?xml version="1.0" encoding="utf-8"?>
+<p:sld xmlns:a="http://schemas.openxmlformats.org/drawingml/2006/main" xmlns:r="http://schemas.openxmlformats.org/officeDocument/2006/relationships" xmlns:p="http://schemas.openxmlformats.org/presentationml/2006/main">
+  <p:cSld>
+    <p:spTree>
+      <p:nvGrpSpPr>
+        <p:cNvPr id="1" name=""/>
+        <p:cNvGrpSpPr/>
+        <p:nvPr/>
+      </p:nvGrpSpPr>
+      <p:grpSpPr>
+        <a:xfrm>
+          <a:off x="0" y="0"/>
+          <a:ext cx="0" cy="0"/>
+          <a:chOff x="0" y="0"/>
+          <a:chExt cx="0" cy="0"/>
+        </a:xfrm>
+      </p:grpSpPr>
+      <p:sp>
+        <p:nvSpPr>
+          <p:cNvPr id="2" name="Title 1"/>
+          <p:cNvSpPr>
+            <a:spLocks noGrp="1"/>
+          </p:cNvSpPr>
+          <p:nvPr>
+            <p:ph type="title"/>
+          </p:nvPr>
+        </p:nvSpPr>
+        <p:spPr/>
+        <p:txBody>
+          <a:bodyPr/>
+          <a:lstStyle/>
+          <a:p>
+            <a:r>
+              <a:rPr lang="en-US" dirty="0" err="1" smtClean="0"/>
+              <a:t>Git</a:t>
+            </a:r>
+            <a:r>
+              <a:rPr lang="en-US" dirty="0" smtClean="0"/>
               <a:t> Add, Commit, and Push</a:t>
             </a:r>
             <a:endParaRPr lang="en-US" dirty="0"/>
@@ -6047,765 +7036,6 @@
 </p:sld>
 </file>
 
-<file path=ppt/slides/slide19.xml><?xml version="1.0" encoding="utf-8"?>
-<p:sld xmlns:a="http://schemas.openxmlformats.org/drawingml/2006/main" xmlns:r="http://schemas.openxmlformats.org/officeDocument/2006/relationships" xmlns:p="http://schemas.openxmlformats.org/presentationml/2006/main">
-  <p:cSld>
-    <p:spTree>
-      <p:nvGrpSpPr>
-        <p:cNvPr id="1" name=""/>
-        <p:cNvGrpSpPr/>
-        <p:nvPr/>
-      </p:nvGrpSpPr>
-      <p:grpSpPr>
-        <a:xfrm>
-          <a:off x="0" y="0"/>
-          <a:ext cx="0" cy="0"/>
-          <a:chOff x="0" y="0"/>
-          <a:chExt cx="0" cy="0"/>
-        </a:xfrm>
-      </p:grpSpPr>
-      <p:sp>
-        <p:nvSpPr>
-          <p:cNvPr id="2" name="Title 1"/>
-          <p:cNvSpPr>
-            <a:spLocks noGrp="1"/>
-          </p:cNvSpPr>
-          <p:nvPr>
-            <p:ph type="title"/>
-          </p:nvPr>
-        </p:nvSpPr>
-        <p:spPr/>
-        <p:txBody>
-          <a:bodyPr/>
-          <a:lstStyle/>
-          <a:p>
-            <a:r>
-              <a:rPr lang="en-US" dirty="0" smtClean="0"/>
-              <a:t>Let’s update our file</a:t>
-            </a:r>
-            <a:endParaRPr lang="en-US" dirty="0"/>
-          </a:p>
-        </p:txBody>
-      </p:sp>
-      <p:sp>
-        <p:nvSpPr>
-          <p:cNvPr id="3" name="Content Placeholder 2"/>
-          <p:cNvSpPr>
-            <a:spLocks noGrp="1"/>
-          </p:cNvSpPr>
-          <p:nvPr>
-            <p:ph idx="1"/>
-          </p:nvPr>
-        </p:nvSpPr>
-        <p:spPr/>
-        <p:txBody>
-          <a:bodyPr/>
-          <a:lstStyle/>
-          <a:p>
-            <a:r>
-              <a:rPr lang="en-US" dirty="0" smtClean="0"/>
-              <a:t>Always check what’s going on: </a:t>
-            </a:r>
-            <a:r>
-              <a:rPr lang="en-US" b="1" dirty="0" err="1" smtClean="0">
-                <a:latin typeface="Courier" charset="0"/>
-                <a:ea typeface="Courier" charset="0"/>
-                <a:cs typeface="Courier" charset="0"/>
-              </a:rPr>
-              <a:t>git</a:t>
-            </a:r>
-            <a:r>
-              <a:rPr lang="en-US" b="1" dirty="0" smtClean="0">
-                <a:latin typeface="Courier" charset="0"/>
-                <a:ea typeface="Courier" charset="0"/>
-                <a:cs typeface="Courier" charset="0"/>
-              </a:rPr>
-              <a:t> status</a:t>
-            </a:r>
-          </a:p>
-          <a:p>
-            <a:endParaRPr lang="en-US" b="1" dirty="0">
-              <a:latin typeface="Courier" charset="0"/>
-              <a:ea typeface="Courier" charset="0"/>
-              <a:cs typeface="Courier" charset="0"/>
-            </a:endParaRPr>
-          </a:p>
-          <a:p>
-            <a:endParaRPr lang="en-US" b="1" dirty="0" smtClean="0">
-              <a:latin typeface="Courier" charset="0"/>
-              <a:ea typeface="Courier" charset="0"/>
-              <a:cs typeface="Courier" charset="0"/>
-            </a:endParaRPr>
-          </a:p>
-          <a:p>
-            <a:endParaRPr lang="en-US" b="1" dirty="0">
-              <a:latin typeface="Courier" charset="0"/>
-              <a:ea typeface="Courier" charset="0"/>
-              <a:cs typeface="Courier" charset="0"/>
-            </a:endParaRPr>
-          </a:p>
-          <a:p>
-            <a:endParaRPr lang="en-US" b="1" dirty="0" smtClean="0">
-              <a:latin typeface="Courier" charset="0"/>
-              <a:ea typeface="Courier" charset="0"/>
-              <a:cs typeface="Courier" charset="0"/>
-            </a:endParaRPr>
-          </a:p>
-          <a:p>
-            <a:endParaRPr lang="en-US" b="1" dirty="0">
-              <a:latin typeface="Courier" charset="0"/>
-              <a:ea typeface="Courier" charset="0"/>
-              <a:cs typeface="Courier" charset="0"/>
-            </a:endParaRPr>
-          </a:p>
-          <a:p>
-            <a:r>
-              <a:rPr lang="en-US" dirty="0" smtClean="0"/>
-              <a:t>Let’s add our configuration commands</a:t>
-            </a:r>
-          </a:p>
-          <a:p>
-            <a:endParaRPr lang="en-US" b="1" dirty="0" smtClean="0">
-              <a:latin typeface="Courier" charset="0"/>
-              <a:ea typeface="Courier" charset="0"/>
-              <a:cs typeface="Courier" charset="0"/>
-            </a:endParaRPr>
-          </a:p>
-        </p:txBody>
-      </p:sp>
-      <p:sp>
-        <p:nvSpPr>
-          <p:cNvPr id="4" name="Content Placeholder 2"/>
-          <p:cNvSpPr txBox="1">
-            <a:spLocks/>
-          </p:cNvSpPr>
-          <p:nvPr/>
-        </p:nvSpPr>
-        <p:spPr>
-          <a:xfrm>
-            <a:off x="838200" y="2493769"/>
-            <a:ext cx="10122243" cy="1680519"/>
-          </a:xfrm>
-          <a:prstGeom prst="rect">
-            <a:avLst/>
-          </a:prstGeom>
-          <a:solidFill>
-            <a:schemeClr val="tx1"/>
-          </a:solidFill>
-        </p:spPr>
-        <p:txBody>
-          <a:bodyPr vert="horz" lIns="91440" tIns="45720" rIns="91440" bIns="45720" rtlCol="0">
-            <a:normAutofit fontScale="92500"/>
-          </a:bodyPr>
-          <a:lstStyle>
-            <a:lvl1pPr marL="228600" indent="-228600" algn="l" defTabSz="914400" rtl="0" eaLnBrk="1" latinLnBrk="0" hangingPunct="1">
-              <a:lnSpc>
-                <a:spcPct val="90000"/>
-              </a:lnSpc>
-              <a:spcBef>
-                <a:spcPts val="1000"/>
-              </a:spcBef>
-              <a:buFont typeface="Arial"/>
-              <a:buChar char="•"/>
-              <a:defRPr sz="2800" kern="1200">
-                <a:solidFill>
-                  <a:schemeClr val="tx1"/>
-                </a:solidFill>
-                <a:latin typeface="+mn-lt"/>
-                <a:ea typeface="+mn-ea"/>
-                <a:cs typeface="+mn-cs"/>
-              </a:defRPr>
-            </a:lvl1pPr>
-            <a:lvl2pPr marL="685800" indent="-228600" algn="l" defTabSz="914400" rtl="0" eaLnBrk="1" latinLnBrk="0" hangingPunct="1">
-              <a:lnSpc>
-                <a:spcPct val="90000"/>
-              </a:lnSpc>
-              <a:spcBef>
-                <a:spcPts val="500"/>
-              </a:spcBef>
-              <a:buFont typeface="Arial"/>
-              <a:buChar char="•"/>
-              <a:defRPr sz="2400" kern="1200">
-                <a:solidFill>
-                  <a:schemeClr val="tx1"/>
-                </a:solidFill>
-                <a:latin typeface="+mn-lt"/>
-                <a:ea typeface="+mn-ea"/>
-                <a:cs typeface="+mn-cs"/>
-              </a:defRPr>
-            </a:lvl2pPr>
-            <a:lvl3pPr marL="1143000" indent="-228600" algn="l" defTabSz="914400" rtl="0" eaLnBrk="1" latinLnBrk="0" hangingPunct="1">
-              <a:lnSpc>
-                <a:spcPct val="90000"/>
-              </a:lnSpc>
-              <a:spcBef>
-                <a:spcPts val="500"/>
-              </a:spcBef>
-              <a:buFont typeface="Arial"/>
-              <a:buChar char="•"/>
-              <a:defRPr sz="2000" kern="1200">
-                <a:solidFill>
-                  <a:schemeClr val="tx1"/>
-                </a:solidFill>
-                <a:latin typeface="+mn-lt"/>
-                <a:ea typeface="+mn-ea"/>
-                <a:cs typeface="+mn-cs"/>
-              </a:defRPr>
-            </a:lvl3pPr>
-            <a:lvl4pPr marL="1600200" indent="-228600" algn="l" defTabSz="914400" rtl="0" eaLnBrk="1" latinLnBrk="0" hangingPunct="1">
-              <a:lnSpc>
-                <a:spcPct val="90000"/>
-              </a:lnSpc>
-              <a:spcBef>
-                <a:spcPts val="500"/>
-              </a:spcBef>
-              <a:buFont typeface="Arial"/>
-              <a:buChar char="•"/>
-              <a:defRPr sz="1800" kern="1200">
-                <a:solidFill>
-                  <a:schemeClr val="tx1"/>
-                </a:solidFill>
-                <a:latin typeface="+mn-lt"/>
-                <a:ea typeface="+mn-ea"/>
-                <a:cs typeface="+mn-cs"/>
-              </a:defRPr>
-            </a:lvl4pPr>
-            <a:lvl5pPr marL="2057400" indent="-228600" algn="l" defTabSz="914400" rtl="0" eaLnBrk="1" latinLnBrk="0" hangingPunct="1">
-              <a:lnSpc>
-                <a:spcPct val="90000"/>
-              </a:lnSpc>
-              <a:spcBef>
-                <a:spcPts val="500"/>
-              </a:spcBef>
-              <a:buFont typeface="Arial"/>
-              <a:buChar char="•"/>
-              <a:defRPr sz="1800" kern="1200">
-                <a:solidFill>
-                  <a:schemeClr val="tx1"/>
-                </a:solidFill>
-                <a:latin typeface="+mn-lt"/>
-                <a:ea typeface="+mn-ea"/>
-                <a:cs typeface="+mn-cs"/>
-              </a:defRPr>
-            </a:lvl5pPr>
-            <a:lvl6pPr marL="2514600" indent="-228600" algn="l" defTabSz="914400" rtl="0" eaLnBrk="1" latinLnBrk="0" hangingPunct="1">
-              <a:lnSpc>
-                <a:spcPct val="90000"/>
-              </a:lnSpc>
-              <a:spcBef>
-                <a:spcPts val="500"/>
-              </a:spcBef>
-              <a:buFont typeface="Arial"/>
-              <a:buChar char="•"/>
-              <a:defRPr sz="1800" kern="1200">
-                <a:solidFill>
-                  <a:schemeClr val="tx1"/>
-                </a:solidFill>
-                <a:latin typeface="+mn-lt"/>
-                <a:ea typeface="+mn-ea"/>
-                <a:cs typeface="+mn-cs"/>
-              </a:defRPr>
-            </a:lvl6pPr>
-            <a:lvl7pPr marL="2971800" indent="-228600" algn="l" defTabSz="914400" rtl="0" eaLnBrk="1" latinLnBrk="0" hangingPunct="1">
-              <a:lnSpc>
-                <a:spcPct val="90000"/>
-              </a:lnSpc>
-              <a:spcBef>
-                <a:spcPts val="500"/>
-              </a:spcBef>
-              <a:buFont typeface="Arial"/>
-              <a:buChar char="•"/>
-              <a:defRPr sz="1800" kern="1200">
-                <a:solidFill>
-                  <a:schemeClr val="tx1"/>
-                </a:solidFill>
-                <a:latin typeface="+mn-lt"/>
-                <a:ea typeface="+mn-ea"/>
-                <a:cs typeface="+mn-cs"/>
-              </a:defRPr>
-            </a:lvl7pPr>
-            <a:lvl8pPr marL="3429000" indent="-228600" algn="l" defTabSz="914400" rtl="0" eaLnBrk="1" latinLnBrk="0" hangingPunct="1">
-              <a:lnSpc>
-                <a:spcPct val="90000"/>
-              </a:lnSpc>
-              <a:spcBef>
-                <a:spcPts val="500"/>
-              </a:spcBef>
-              <a:buFont typeface="Arial"/>
-              <a:buChar char="•"/>
-              <a:defRPr sz="1800" kern="1200">
-                <a:solidFill>
-                  <a:schemeClr val="tx1"/>
-                </a:solidFill>
-                <a:latin typeface="+mn-lt"/>
-                <a:ea typeface="+mn-ea"/>
-                <a:cs typeface="+mn-cs"/>
-              </a:defRPr>
-            </a:lvl8pPr>
-            <a:lvl9pPr marL="3886200" indent="-228600" algn="l" defTabSz="914400" rtl="0" eaLnBrk="1" latinLnBrk="0" hangingPunct="1">
-              <a:lnSpc>
-                <a:spcPct val="90000"/>
-              </a:lnSpc>
-              <a:spcBef>
-                <a:spcPts val="500"/>
-              </a:spcBef>
-              <a:buFont typeface="Arial"/>
-              <a:buChar char="•"/>
-              <a:defRPr sz="1800" kern="1200">
-                <a:solidFill>
-                  <a:schemeClr val="tx1"/>
-                </a:solidFill>
-                <a:latin typeface="+mn-lt"/>
-                <a:ea typeface="+mn-ea"/>
-                <a:cs typeface="+mn-cs"/>
-              </a:defRPr>
-            </a:lvl9pPr>
-          </a:lstStyle>
-          <a:p>
-            <a:pPr marL="0" indent="0">
-              <a:buNone/>
-            </a:pPr>
-            <a:r>
-              <a:rPr lang="en-US" dirty="0">
-                <a:solidFill>
-                  <a:schemeClr val="bg1"/>
-                </a:solidFill>
-                <a:latin typeface="Courier" charset="0"/>
-                <a:ea typeface="Courier" charset="0"/>
-                <a:cs typeface="Courier" charset="0"/>
-              </a:rPr>
-              <a:t>On branch master</a:t>
-            </a:r>
-          </a:p>
-          <a:p>
-            <a:pPr marL="0" indent="0">
-              <a:buNone/>
-            </a:pPr>
-            <a:r>
-              <a:rPr lang="en-US" dirty="0">
-                <a:solidFill>
-                  <a:schemeClr val="bg1"/>
-                </a:solidFill>
-                <a:latin typeface="Courier" charset="0"/>
-                <a:ea typeface="Courier" charset="0"/>
-                <a:cs typeface="Courier" charset="0"/>
-              </a:rPr>
-              <a:t>Your branch is up-to-date with 'origin/master'.</a:t>
-            </a:r>
-          </a:p>
-          <a:p>
-            <a:pPr marL="0" indent="0">
-              <a:buNone/>
-            </a:pPr>
-            <a:r>
-              <a:rPr lang="en-US" dirty="0">
-                <a:solidFill>
-                  <a:schemeClr val="bg1"/>
-                </a:solidFill>
-                <a:latin typeface="Courier" charset="0"/>
-                <a:ea typeface="Courier" charset="0"/>
-                <a:cs typeface="Courier" charset="0"/>
-              </a:rPr>
-              <a:t>nothing to commit, working directory clean</a:t>
-            </a:r>
-            <a:endParaRPr lang="en-US" dirty="0" smtClean="0">
-              <a:solidFill>
-                <a:schemeClr val="bg1"/>
-              </a:solidFill>
-              <a:latin typeface="Courier" charset="0"/>
-              <a:ea typeface="Courier" charset="0"/>
-              <a:cs typeface="Courier" charset="0"/>
-            </a:endParaRPr>
-          </a:p>
-        </p:txBody>
-      </p:sp>
-    </p:spTree>
-    <p:extLst>
-      <p:ext uri="{BB962C8B-B14F-4D97-AF65-F5344CB8AC3E}">
-        <p14:creationId xmlns:p14="http://schemas.microsoft.com/office/powerpoint/2010/main" val="141884747"/>
-      </p:ext>
-    </p:extLst>
-  </p:cSld>
-  <p:clrMapOvr>
-    <a:masterClrMapping/>
-  </p:clrMapOvr>
-  <p:timing>
-    <p:tnLst>
-      <p:par>
-        <p:cTn id="1" dur="indefinite" restart="never" nodeType="tmRoot"/>
-      </p:par>
-    </p:tnLst>
-  </p:timing>
-</p:sld>
-</file>
-
-<file path=ppt/slides/slide2.xml><?xml version="1.0" encoding="utf-8"?>
-<p:sld xmlns:a="http://schemas.openxmlformats.org/drawingml/2006/main" xmlns:r="http://schemas.openxmlformats.org/officeDocument/2006/relationships" xmlns:p="http://schemas.openxmlformats.org/presentationml/2006/main">
-  <p:cSld>
-    <p:spTree>
-      <p:nvGrpSpPr>
-        <p:cNvPr id="1" name=""/>
-        <p:cNvGrpSpPr/>
-        <p:nvPr/>
-      </p:nvGrpSpPr>
-      <p:grpSpPr>
-        <a:xfrm>
-          <a:off x="0" y="0"/>
-          <a:ext cx="0" cy="0"/>
-          <a:chOff x="0" y="0"/>
-          <a:chExt cx="0" cy="0"/>
-        </a:xfrm>
-      </p:grpSpPr>
-      <p:sp>
-        <p:nvSpPr>
-          <p:cNvPr id="2" name="Title 1"/>
-          <p:cNvSpPr>
-            <a:spLocks noGrp="1"/>
-          </p:cNvSpPr>
-          <p:nvPr>
-            <p:ph type="title"/>
-          </p:nvPr>
-        </p:nvSpPr>
-        <p:spPr/>
-        <p:txBody>
-          <a:bodyPr/>
-          <a:lstStyle/>
-          <a:p>
-            <a:r>
-              <a:rPr lang="en-US" dirty="0" smtClean="0"/>
-              <a:t>Tracking Workflows with </a:t>
-            </a:r>
-            <a:r>
-              <a:rPr lang="en-US" dirty="0" err="1" smtClean="0"/>
-              <a:t>Git</a:t>
-            </a:r>
-            <a:r>
-              <a:rPr lang="en-US" dirty="0" smtClean="0"/>
-              <a:t> and Collaboration with GitHub</a:t>
-            </a:r>
-            <a:endParaRPr lang="en-US" dirty="0"/>
-          </a:p>
-        </p:txBody>
-      </p:sp>
-      <p:sp>
-        <p:nvSpPr>
-          <p:cNvPr id="3" name="Content Placeholder 2"/>
-          <p:cNvSpPr>
-            <a:spLocks noGrp="1"/>
-          </p:cNvSpPr>
-          <p:nvPr>
-            <p:ph idx="1"/>
-          </p:nvPr>
-        </p:nvSpPr>
-        <p:spPr>
-          <a:xfrm>
-            <a:off x="838200" y="1825625"/>
-            <a:ext cx="10515600" cy="4780658"/>
-          </a:xfrm>
-        </p:spPr>
-        <p:txBody>
-          <a:bodyPr>
-            <a:normAutofit/>
-          </a:bodyPr>
-          <a:lstStyle/>
-          <a:p>
-            <a:r>
-              <a:rPr lang="en-US" b="1" dirty="0" smtClean="0"/>
-              <a:t>Workshop Goal</a:t>
-            </a:r>
-            <a:r>
-              <a:rPr lang="en-US" dirty="0" smtClean="0"/>
-              <a:t>: Create a </a:t>
-            </a:r>
-            <a:r>
-              <a:rPr lang="en-US" dirty="0" err="1" smtClean="0"/>
-              <a:t>Git</a:t>
-            </a:r>
-            <a:r>
-              <a:rPr lang="en-US" dirty="0" smtClean="0"/>
-              <a:t> repository on your computer, add files, and push this repository to your GitHub.</a:t>
-            </a:r>
-          </a:p>
-          <a:p>
-            <a:r>
-              <a:rPr lang="en-US" dirty="0" smtClean="0"/>
-              <a:t>Follow this workshop at </a:t>
-            </a:r>
-            <a:r>
-              <a:rPr lang="en-US" dirty="0" smtClean="0">
-                <a:hlinkClick r:id="rId2"/>
-              </a:rPr>
-              <a:t>http://github.com/jentang/GitDRI</a:t>
-            </a:r>
-            <a:endParaRPr lang="en-US" dirty="0"/>
-          </a:p>
-          <a:p>
-            <a:pPr marL="0" indent="0">
-              <a:buNone/>
-            </a:pPr>
-            <a:r>
-              <a:rPr lang="en-US" dirty="0" smtClean="0"/>
-              <a:t>If you have yet to do so:</a:t>
-            </a:r>
-          </a:p>
-          <a:p>
-            <a:r>
-              <a:rPr lang="en-US" dirty="0" smtClean="0"/>
-              <a:t>Register for a GitHub: </a:t>
-            </a:r>
-            <a:r>
-              <a:rPr lang="en-US" dirty="0" smtClean="0">
-                <a:hlinkClick r:id="rId3"/>
-              </a:rPr>
-              <a:t>http://github.com/</a:t>
-            </a:r>
-            <a:r>
-              <a:rPr lang="en-US" dirty="0" smtClean="0"/>
-              <a:t> </a:t>
-            </a:r>
-          </a:p>
-          <a:p>
-            <a:r>
-              <a:rPr lang="en-US" dirty="0" smtClean="0"/>
-              <a:t>Record your </a:t>
-            </a:r>
-            <a:r>
-              <a:rPr lang="en-US" dirty="0" smtClean="0">
-                <a:solidFill>
-                  <a:schemeClr val="accent2"/>
-                </a:solidFill>
-              </a:rPr>
-              <a:t>username</a:t>
-            </a:r>
-            <a:r>
-              <a:rPr lang="en-US" dirty="0" smtClean="0"/>
-              <a:t>, </a:t>
-            </a:r>
-            <a:r>
-              <a:rPr lang="en-US" dirty="0" smtClean="0">
-                <a:solidFill>
-                  <a:schemeClr val="accent2"/>
-                </a:solidFill>
-              </a:rPr>
-              <a:t>email</a:t>
-            </a:r>
-            <a:r>
-              <a:rPr lang="en-US" dirty="0" smtClean="0"/>
-              <a:t>, </a:t>
-            </a:r>
-            <a:br>
-              <a:rPr lang="en-US" dirty="0" smtClean="0"/>
-            </a:br>
-            <a:r>
-              <a:rPr lang="en-US" dirty="0" smtClean="0"/>
-              <a:t>and </a:t>
-            </a:r>
-            <a:r>
-              <a:rPr lang="en-US" dirty="0" smtClean="0">
-                <a:solidFill>
-                  <a:schemeClr val="accent2"/>
-                </a:solidFill>
-              </a:rPr>
-              <a:t>password </a:t>
-            </a:r>
-            <a:r>
-              <a:rPr lang="en-US" dirty="0" smtClean="0"/>
-              <a:t>in the projects </a:t>
-            </a:r>
-            <a:br>
-              <a:rPr lang="en-US" dirty="0" smtClean="0"/>
-            </a:br>
-            <a:r>
-              <a:rPr lang="en-US" dirty="0" smtClean="0"/>
-              <a:t>folder you created on your </a:t>
-            </a:r>
-            <a:br>
-              <a:rPr lang="en-US" dirty="0" smtClean="0"/>
-            </a:br>
-            <a:r>
-              <a:rPr lang="en-US" dirty="0" smtClean="0"/>
-              <a:t>Desktop yesterday</a:t>
-            </a:r>
-          </a:p>
-        </p:txBody>
-      </p:sp>
-      <p:pic>
-        <p:nvPicPr>
-          <p:cNvPr id="4" name="Picture 3"/>
-          <p:cNvPicPr>
-            <a:picLocks noChangeAspect="1"/>
-          </p:cNvPicPr>
-          <p:nvPr/>
-        </p:nvPicPr>
-        <p:blipFill>
-          <a:blip r:embed="rId4">
-            <a:extLst>
-              <a:ext uri="{28A0092B-C50C-407E-A947-70E740481C1C}">
-                <a14:useLocalDpi xmlns:a14="http://schemas.microsoft.com/office/drawing/2010/main" val="0"/>
-              </a:ext>
-            </a:extLst>
-          </a:blip>
-          <a:stretch>
-            <a:fillRect/>
-          </a:stretch>
-        </p:blipFill>
-        <p:spPr>
-          <a:xfrm>
-            <a:off x="7323302" y="3451877"/>
-            <a:ext cx="4737100" cy="2870200"/>
-          </a:xfrm>
-          <a:prstGeom prst="rect">
-            <a:avLst/>
-          </a:prstGeom>
-        </p:spPr>
-      </p:pic>
-    </p:spTree>
-    <p:extLst>
-      <p:ext uri="{BB962C8B-B14F-4D97-AF65-F5344CB8AC3E}">
-        <p14:creationId xmlns:p14="http://schemas.microsoft.com/office/powerpoint/2010/main" val="693495964"/>
-      </p:ext>
-    </p:extLst>
-  </p:cSld>
-  <p:clrMapOvr>
-    <a:masterClrMapping/>
-  </p:clrMapOvr>
-  <p:timing>
-    <p:tnLst>
-      <p:par>
-        <p:cTn id="1" dur="indefinite" restart="never" nodeType="tmRoot"/>
-      </p:par>
-    </p:tnLst>
-  </p:timing>
-</p:sld>
-</file>
-
-<file path=ppt/slides/slide20.xml><?xml version="1.0" encoding="utf-8"?>
-<p:sld xmlns:a="http://schemas.openxmlformats.org/drawingml/2006/main" xmlns:r="http://schemas.openxmlformats.org/officeDocument/2006/relationships" xmlns:p="http://schemas.openxmlformats.org/presentationml/2006/main">
-  <p:cSld>
-    <p:spTree>
-      <p:nvGrpSpPr>
-        <p:cNvPr id="1" name=""/>
-        <p:cNvGrpSpPr/>
-        <p:nvPr/>
-      </p:nvGrpSpPr>
-      <p:grpSpPr>
-        <a:xfrm>
-          <a:off x="0" y="0"/>
-          <a:ext cx="0" cy="0"/>
-          <a:chOff x="0" y="0"/>
-          <a:chExt cx="0" cy="0"/>
-        </a:xfrm>
-      </p:grpSpPr>
-      <p:sp>
-        <p:nvSpPr>
-          <p:cNvPr id="2" name="Title 1"/>
-          <p:cNvSpPr>
-            <a:spLocks noGrp="1"/>
-          </p:cNvSpPr>
-          <p:nvPr>
-            <p:ph type="title"/>
-          </p:nvPr>
-        </p:nvSpPr>
-        <p:spPr/>
-        <p:txBody>
-          <a:bodyPr/>
-          <a:lstStyle/>
-          <a:p>
-            <a:r>
-              <a:rPr lang="en-US" dirty="0" err="1" smtClean="0"/>
-              <a:t>Git</a:t>
-            </a:r>
-            <a:r>
-              <a:rPr lang="en-US" dirty="0" smtClean="0"/>
-              <a:t> add</a:t>
-            </a:r>
-            <a:endParaRPr lang="en-US" dirty="0"/>
-          </a:p>
-        </p:txBody>
-      </p:sp>
-      <p:sp>
-        <p:nvSpPr>
-          <p:cNvPr id="3" name="Content Placeholder 2"/>
-          <p:cNvSpPr>
-            <a:spLocks noGrp="1"/>
-          </p:cNvSpPr>
-          <p:nvPr>
-            <p:ph idx="1"/>
-          </p:nvPr>
-        </p:nvSpPr>
-        <p:spPr/>
-        <p:txBody>
-          <a:bodyPr/>
-          <a:lstStyle/>
-          <a:p>
-            <a:r>
-              <a:rPr lang="en-US" dirty="0" smtClean="0"/>
-              <a:t>Back in our command line, type: </a:t>
-            </a:r>
-            <a:r>
-              <a:rPr lang="en-US" b="1" dirty="0" err="1" smtClean="0">
-                <a:latin typeface="Courier" charset="0"/>
-                <a:ea typeface="Courier" charset="0"/>
-                <a:cs typeface="Courier" charset="0"/>
-              </a:rPr>
-              <a:t>git</a:t>
-            </a:r>
-            <a:r>
-              <a:rPr lang="en-US" b="1" dirty="0" smtClean="0">
-                <a:latin typeface="Courier" charset="0"/>
-                <a:ea typeface="Courier" charset="0"/>
-                <a:cs typeface="Courier" charset="0"/>
-              </a:rPr>
-              <a:t> add </a:t>
-            </a:r>
-            <a:r>
-              <a:rPr lang="en-US" b="1" dirty="0" err="1" smtClean="0">
-                <a:latin typeface="Courier" charset="0"/>
-                <a:ea typeface="Courier" charset="0"/>
-                <a:cs typeface="Courier" charset="0"/>
-              </a:rPr>
-              <a:t>gitcheat.md</a:t>
-            </a:r>
-            <a:endParaRPr lang="en-US" b="1" dirty="0" smtClean="0">
-              <a:latin typeface="Courier" charset="0"/>
-              <a:ea typeface="Courier" charset="0"/>
-              <a:cs typeface="Courier" charset="0"/>
-            </a:endParaRPr>
-          </a:p>
-          <a:p>
-            <a:r>
-              <a:rPr lang="en-US" dirty="0" smtClean="0"/>
-              <a:t>This stages the file to be tracked, and prepares it to be committed</a:t>
-            </a:r>
-          </a:p>
-          <a:p>
-            <a:r>
-              <a:rPr lang="en-US" dirty="0" smtClean="0"/>
-              <a:t>The command line will look like nothing in particular happened</a:t>
-            </a:r>
-          </a:p>
-        </p:txBody>
-      </p:sp>
-    </p:spTree>
-    <p:extLst>
-      <p:ext uri="{BB962C8B-B14F-4D97-AF65-F5344CB8AC3E}">
-        <p14:creationId xmlns:p14="http://schemas.microsoft.com/office/powerpoint/2010/main" val="321355391"/>
-      </p:ext>
-    </p:extLst>
-  </p:cSld>
-  <p:clrMapOvr>
-    <a:masterClrMapping/>
-  </p:clrMapOvr>
-  <p:timing>
-    <p:tnLst>
-      <p:par>
-        <p:cTn id="1" dur="indefinite" restart="never" nodeType="tmRoot"/>
-      </p:par>
-    </p:tnLst>
-  </p:timing>
-</p:sld>
-</file>
-
 <file path=ppt/slides/slide21.xml><?xml version="1.0" encoding="utf-8"?>
 <p:sld xmlns:a="http://schemas.openxmlformats.org/drawingml/2006/main" xmlns:r="http://schemas.openxmlformats.org/officeDocument/2006/relationships" xmlns:p="http://schemas.openxmlformats.org/presentationml/2006/main">
   <p:cSld>
@@ -6839,12 +7069,12 @@
           <a:lstStyle/>
           <a:p>
             <a:r>
-              <a:rPr lang="en-US" dirty="0" err="1" smtClean="0"/>
-              <a:t>Git</a:t>
-            </a:r>
-            <a:r>
-              <a:rPr lang="en-US" dirty="0" smtClean="0"/>
-              <a:t> commit</a:t>
+              <a:rPr lang="en-US" dirty="0" smtClean="0"/>
+              <a:t>Let’s </a:t>
+            </a:r>
+            <a:r>
+              <a:rPr lang="en-US" dirty="0" smtClean="0"/>
+              <a:t>go through an add-commit cycle</a:t>
             </a:r>
             <a:endParaRPr lang="en-US" dirty="0"/>
           </a:p>
@@ -6867,282 +7097,309 @@
           <a:p>
             <a:r>
               <a:rPr lang="en-US" dirty="0" smtClean="0"/>
-              <a:t>Committing tells </a:t>
-            </a:r>
-            <a:r>
-              <a:rPr lang="en-US" dirty="0" err="1" smtClean="0"/>
+              <a:t>Whenever we come back for a break, it’s a good idea to check </a:t>
+            </a:r>
+            <a:r>
+              <a:rPr lang="en-US" dirty="0" smtClean="0"/>
+              <a:t>what’s going on: </a:t>
+            </a:r>
+            <a:r>
+              <a:rPr lang="en-US" b="1" dirty="0" err="1" smtClean="0">
+                <a:latin typeface="Courier" charset="0"/>
+                <a:ea typeface="Courier" charset="0"/>
+                <a:cs typeface="Courier" charset="0"/>
+              </a:rPr>
+              <a:t>git</a:t>
+            </a:r>
+            <a:r>
+              <a:rPr lang="en-US" b="1" dirty="0" smtClean="0">
+                <a:latin typeface="Courier" charset="0"/>
+                <a:ea typeface="Courier" charset="0"/>
+                <a:cs typeface="Courier" charset="0"/>
+              </a:rPr>
+              <a:t> status</a:t>
+            </a:r>
+          </a:p>
+          <a:p>
+            <a:endParaRPr lang="en-US" b="1" dirty="0">
+              <a:latin typeface="Courier" charset="0"/>
+              <a:ea typeface="Courier" charset="0"/>
+              <a:cs typeface="Courier" charset="0"/>
+            </a:endParaRPr>
+          </a:p>
+          <a:p>
+            <a:endParaRPr lang="en-US" b="1" dirty="0" smtClean="0">
+              <a:latin typeface="Courier" charset="0"/>
+              <a:ea typeface="Courier" charset="0"/>
+              <a:cs typeface="Courier" charset="0"/>
+            </a:endParaRPr>
+          </a:p>
+          <a:p>
+            <a:endParaRPr lang="en-US" b="1" dirty="0">
+              <a:latin typeface="Courier" charset="0"/>
+              <a:ea typeface="Courier" charset="0"/>
+              <a:cs typeface="Courier" charset="0"/>
+            </a:endParaRPr>
+          </a:p>
+          <a:p>
+            <a:r>
+              <a:rPr lang="en-US" dirty="0" err="1" smtClean="0">
+                <a:ea typeface="Courier" charset="0"/>
+                <a:cs typeface="Courier" charset="0"/>
+              </a:rPr>
               <a:t>Git</a:t>
             </a:r>
             <a:r>
-              <a:rPr lang="en-US" dirty="0" smtClean="0"/>
-              <a:t> </a:t>
-            </a:r>
-            <a:r>
-              <a:rPr lang="en-US" i="1" dirty="0" smtClean="0"/>
-              <a:t>this</a:t>
-            </a:r>
-            <a:r>
-              <a:rPr lang="en-US" dirty="0" smtClean="0"/>
-              <a:t> is the version you want to log</a:t>
-            </a:r>
-          </a:p>
-          <a:p>
-            <a:pPr marL="514350" indent="-514350">
-              <a:buFont typeface="+mj-lt"/>
-              <a:buAutoNum type="arabicPeriod"/>
+              <a:rPr lang="en-US" dirty="0" smtClean="0">
+                <a:ea typeface="Courier" charset="0"/>
+                <a:cs typeface="Courier" charset="0"/>
+              </a:rPr>
+              <a:t> tells us that a file has been modified, but not logged</a:t>
+            </a:r>
+            <a:endParaRPr lang="en-US" dirty="0" smtClean="0">
+              <a:ea typeface="Courier" charset="0"/>
+              <a:cs typeface="Courier" charset="0"/>
+            </a:endParaRPr>
+          </a:p>
+        </p:txBody>
+      </p:sp>
+      <p:sp>
+        <p:nvSpPr>
+          <p:cNvPr id="4" name="Content Placeholder 2"/>
+          <p:cNvSpPr txBox="1">
+            <a:spLocks/>
+          </p:cNvSpPr>
+          <p:nvPr/>
+        </p:nvSpPr>
+        <p:spPr>
+          <a:xfrm>
+            <a:off x="838200" y="2808569"/>
+            <a:ext cx="10122243" cy="1253766"/>
+          </a:xfrm>
+          <a:prstGeom prst="rect">
+            <a:avLst/>
+          </a:prstGeom>
+          <a:solidFill>
+            <a:schemeClr val="tx1"/>
+          </a:solidFill>
+        </p:spPr>
+        <p:txBody>
+          <a:bodyPr vert="horz" lIns="91440" tIns="45720" rIns="91440" bIns="45720" rtlCol="0">
+            <a:normAutofit/>
+          </a:bodyPr>
+          <a:lstStyle>
+            <a:lvl1pPr marL="228600" indent="-228600" algn="l" defTabSz="914400" rtl="0" eaLnBrk="1" latinLnBrk="0" hangingPunct="1">
+              <a:lnSpc>
+                <a:spcPct val="90000"/>
+              </a:lnSpc>
+              <a:spcBef>
+                <a:spcPts val="1000"/>
+              </a:spcBef>
+              <a:buFont typeface="Arial"/>
+              <a:buChar char="•"/>
+              <a:defRPr sz="2800" kern="1200">
+                <a:solidFill>
+                  <a:schemeClr val="tx1"/>
+                </a:solidFill>
+                <a:latin typeface="+mn-lt"/>
+                <a:ea typeface="+mn-ea"/>
+                <a:cs typeface="+mn-cs"/>
+              </a:defRPr>
+            </a:lvl1pPr>
+            <a:lvl2pPr marL="685800" indent="-228600" algn="l" defTabSz="914400" rtl="0" eaLnBrk="1" latinLnBrk="0" hangingPunct="1">
+              <a:lnSpc>
+                <a:spcPct val="90000"/>
+              </a:lnSpc>
+              <a:spcBef>
+                <a:spcPts val="500"/>
+              </a:spcBef>
+              <a:buFont typeface="Arial"/>
+              <a:buChar char="•"/>
+              <a:defRPr sz="2400" kern="1200">
+                <a:solidFill>
+                  <a:schemeClr val="tx1"/>
+                </a:solidFill>
+                <a:latin typeface="+mn-lt"/>
+                <a:ea typeface="+mn-ea"/>
+                <a:cs typeface="+mn-cs"/>
+              </a:defRPr>
+            </a:lvl2pPr>
+            <a:lvl3pPr marL="1143000" indent="-228600" algn="l" defTabSz="914400" rtl="0" eaLnBrk="1" latinLnBrk="0" hangingPunct="1">
+              <a:lnSpc>
+                <a:spcPct val="90000"/>
+              </a:lnSpc>
+              <a:spcBef>
+                <a:spcPts val="500"/>
+              </a:spcBef>
+              <a:buFont typeface="Arial"/>
+              <a:buChar char="•"/>
+              <a:defRPr sz="2000" kern="1200">
+                <a:solidFill>
+                  <a:schemeClr val="tx1"/>
+                </a:solidFill>
+                <a:latin typeface="+mn-lt"/>
+                <a:ea typeface="+mn-ea"/>
+                <a:cs typeface="+mn-cs"/>
+              </a:defRPr>
+            </a:lvl3pPr>
+            <a:lvl4pPr marL="1600200" indent="-228600" algn="l" defTabSz="914400" rtl="0" eaLnBrk="1" latinLnBrk="0" hangingPunct="1">
+              <a:lnSpc>
+                <a:spcPct val="90000"/>
+              </a:lnSpc>
+              <a:spcBef>
+                <a:spcPts val="500"/>
+              </a:spcBef>
+              <a:buFont typeface="Arial"/>
+              <a:buChar char="•"/>
+              <a:defRPr sz="1800" kern="1200">
+                <a:solidFill>
+                  <a:schemeClr val="tx1"/>
+                </a:solidFill>
+                <a:latin typeface="+mn-lt"/>
+                <a:ea typeface="+mn-ea"/>
+                <a:cs typeface="+mn-cs"/>
+              </a:defRPr>
+            </a:lvl4pPr>
+            <a:lvl5pPr marL="2057400" indent="-228600" algn="l" defTabSz="914400" rtl="0" eaLnBrk="1" latinLnBrk="0" hangingPunct="1">
+              <a:lnSpc>
+                <a:spcPct val="90000"/>
+              </a:lnSpc>
+              <a:spcBef>
+                <a:spcPts val="500"/>
+              </a:spcBef>
+              <a:buFont typeface="Arial"/>
+              <a:buChar char="•"/>
+              <a:defRPr sz="1800" kern="1200">
+                <a:solidFill>
+                  <a:schemeClr val="tx1"/>
+                </a:solidFill>
+                <a:latin typeface="+mn-lt"/>
+                <a:ea typeface="+mn-ea"/>
+                <a:cs typeface="+mn-cs"/>
+              </a:defRPr>
+            </a:lvl5pPr>
+            <a:lvl6pPr marL="2514600" indent="-228600" algn="l" defTabSz="914400" rtl="0" eaLnBrk="1" latinLnBrk="0" hangingPunct="1">
+              <a:lnSpc>
+                <a:spcPct val="90000"/>
+              </a:lnSpc>
+              <a:spcBef>
+                <a:spcPts val="500"/>
+              </a:spcBef>
+              <a:buFont typeface="Arial"/>
+              <a:buChar char="•"/>
+              <a:defRPr sz="1800" kern="1200">
+                <a:solidFill>
+                  <a:schemeClr val="tx1"/>
+                </a:solidFill>
+                <a:latin typeface="+mn-lt"/>
+                <a:ea typeface="+mn-ea"/>
+                <a:cs typeface="+mn-cs"/>
+              </a:defRPr>
+            </a:lvl6pPr>
+            <a:lvl7pPr marL="2971800" indent="-228600" algn="l" defTabSz="914400" rtl="0" eaLnBrk="1" latinLnBrk="0" hangingPunct="1">
+              <a:lnSpc>
+                <a:spcPct val="90000"/>
+              </a:lnSpc>
+              <a:spcBef>
+                <a:spcPts val="500"/>
+              </a:spcBef>
+              <a:buFont typeface="Arial"/>
+              <a:buChar char="•"/>
+              <a:defRPr sz="1800" kern="1200">
+                <a:solidFill>
+                  <a:schemeClr val="tx1"/>
+                </a:solidFill>
+                <a:latin typeface="+mn-lt"/>
+                <a:ea typeface="+mn-ea"/>
+                <a:cs typeface="+mn-cs"/>
+              </a:defRPr>
+            </a:lvl7pPr>
+            <a:lvl8pPr marL="3429000" indent="-228600" algn="l" defTabSz="914400" rtl="0" eaLnBrk="1" latinLnBrk="0" hangingPunct="1">
+              <a:lnSpc>
+                <a:spcPct val="90000"/>
+              </a:lnSpc>
+              <a:spcBef>
+                <a:spcPts val="500"/>
+              </a:spcBef>
+              <a:buFont typeface="Arial"/>
+              <a:buChar char="•"/>
+              <a:defRPr sz="1800" kern="1200">
+                <a:solidFill>
+                  <a:schemeClr val="tx1"/>
+                </a:solidFill>
+                <a:latin typeface="+mn-lt"/>
+                <a:ea typeface="+mn-ea"/>
+                <a:cs typeface="+mn-cs"/>
+              </a:defRPr>
+            </a:lvl8pPr>
+            <a:lvl9pPr marL="3886200" indent="-228600" algn="l" defTabSz="914400" rtl="0" eaLnBrk="1" latinLnBrk="0" hangingPunct="1">
+              <a:lnSpc>
+                <a:spcPct val="90000"/>
+              </a:lnSpc>
+              <a:spcBef>
+                <a:spcPts val="500"/>
+              </a:spcBef>
+              <a:buFont typeface="Arial"/>
+              <a:buChar char="•"/>
+              <a:defRPr sz="1800" kern="1200">
+                <a:solidFill>
+                  <a:schemeClr val="tx1"/>
+                </a:solidFill>
+                <a:latin typeface="+mn-lt"/>
+                <a:ea typeface="+mn-ea"/>
+                <a:cs typeface="+mn-cs"/>
+              </a:defRPr>
+            </a:lvl9pPr>
+          </a:lstStyle>
+          <a:p>
+            <a:pPr marL="0" indent="0">
+              <a:buNone/>
             </a:pPr>
             <a:r>
-              <a:rPr lang="en-US" dirty="0" smtClean="0"/>
-              <a:t>Type: </a:t>
-            </a:r>
-            <a:r>
-              <a:rPr lang="en-US" b="1" dirty="0" err="1" smtClean="0">
-                <a:latin typeface="Courier" charset="0"/>
-                <a:ea typeface="Courier" charset="0"/>
-                <a:cs typeface="Courier" charset="0"/>
-              </a:rPr>
-              <a:t>git</a:t>
-            </a:r>
-            <a:r>
-              <a:rPr lang="en-US" b="1" dirty="0" smtClean="0">
-                <a:latin typeface="Courier" charset="0"/>
-                <a:ea typeface="Courier" charset="0"/>
-                <a:cs typeface="Courier" charset="0"/>
-              </a:rPr>
-              <a:t> commit </a:t>
-            </a:r>
-          </a:p>
-          <a:p>
-            <a:pPr lvl="1"/>
-            <a:r>
-              <a:rPr lang="en-US" dirty="0"/>
-              <a:t>Y</a:t>
-            </a:r>
-            <a:r>
-              <a:rPr lang="en-US" dirty="0" smtClean="0"/>
-              <a:t>our text editor should pop up for you to make a note about this version</a:t>
-            </a:r>
-          </a:p>
-          <a:p>
-            <a:pPr lvl="1"/>
-            <a:r>
-              <a:rPr lang="en-US" dirty="0" smtClean="0"/>
-              <a:t>Remember to save it!</a:t>
-            </a:r>
-          </a:p>
-          <a:p>
-            <a:pPr marL="514350" indent="-514350">
-              <a:buFont typeface="+mj-lt"/>
-              <a:buAutoNum type="arabicPeriod"/>
+              <a:rPr lang="en-US" dirty="0">
+                <a:solidFill>
+                  <a:schemeClr val="bg1"/>
+                </a:solidFill>
+                <a:latin typeface="Courier" charset="0"/>
+                <a:ea typeface="Courier" charset="0"/>
+                <a:cs typeface="Courier" charset="0"/>
+              </a:rPr>
+              <a:t>On branch master</a:t>
+            </a:r>
+          </a:p>
+          <a:p>
+            <a:pPr marL="0" indent="0">
+              <a:buNone/>
             </a:pPr>
             <a:r>
-              <a:rPr lang="en-US" dirty="0"/>
-              <a:t>T</a:t>
-            </a:r>
-            <a:r>
-              <a:rPr lang="en-US" dirty="0" smtClean="0"/>
-              <a:t>ype: </a:t>
-            </a:r>
-            <a:r>
-              <a:rPr lang="en-US" b="1" dirty="0" err="1" smtClean="0">
-                <a:latin typeface="Courier" charset="0"/>
-                <a:ea typeface="Courier" charset="0"/>
-                <a:cs typeface="Courier" charset="0"/>
-              </a:rPr>
-              <a:t>git</a:t>
-            </a:r>
-            <a:r>
-              <a:rPr lang="en-US" b="1" dirty="0" smtClean="0">
-                <a:latin typeface="Courier" charset="0"/>
-                <a:ea typeface="Courier" charset="0"/>
-                <a:cs typeface="Courier" charset="0"/>
-              </a:rPr>
-              <a:t> commit -m "(add a message here about the commits you're making)" </a:t>
-            </a:r>
-          </a:p>
-          <a:p>
-            <a:pPr lvl="1"/>
-            <a:r>
-              <a:rPr lang="en-US" dirty="0" smtClean="0"/>
-              <a:t>Insert a note about this version directly in the command line</a:t>
-            </a:r>
-          </a:p>
-          <a:p>
-            <a:pPr lvl="1"/>
-            <a:endParaRPr lang="en-US" dirty="0"/>
-          </a:p>
-          <a:p>
-            <a:r>
-              <a:rPr lang="en-US" dirty="0" smtClean="0"/>
-              <a:t>Be brief but descriptive so other collaborators can understand different versions</a:t>
-            </a:r>
-            <a:endParaRPr lang="en-US" dirty="0"/>
+              <a:rPr lang="en-US" dirty="0">
+                <a:solidFill>
+                  <a:schemeClr val="bg1"/>
+                </a:solidFill>
+                <a:latin typeface="Courier" charset="0"/>
+                <a:ea typeface="Courier" charset="0"/>
+                <a:cs typeface="Courier" charset="0"/>
+              </a:rPr>
+              <a:t>	</a:t>
+            </a:r>
+            <a:r>
+              <a:rPr lang="en-US" dirty="0" smtClean="0">
+                <a:solidFill>
+                  <a:srgbClr val="FF0000"/>
+                </a:solidFill>
+                <a:latin typeface="Courier" charset="0"/>
+                <a:ea typeface="Courier" charset="0"/>
+                <a:cs typeface="Courier" charset="0"/>
+              </a:rPr>
+              <a:t>modified: gitcheat.md</a:t>
+            </a:r>
           </a:p>
         </p:txBody>
       </p:sp>
     </p:spTree>
     <p:extLst>
       <p:ext uri="{BB962C8B-B14F-4D97-AF65-F5344CB8AC3E}">
-        <p14:creationId xmlns:p14="http://schemas.microsoft.com/office/powerpoint/2010/main" val="2050108479"/>
-      </p:ext>
-    </p:extLst>
-  </p:cSld>
-  <p:clrMapOvr>
-    <a:masterClrMapping/>
-  </p:clrMapOvr>
-  <p:timing>
-    <p:tnLst>
-      <p:par>
-        <p:cTn id="1" dur="indefinite" restart="never" nodeType="tmRoot"/>
-      </p:par>
-    </p:tnLst>
-  </p:timing>
-</p:sld>
-</file>
-
-<file path=ppt/slides/slide22.xml><?xml version="1.0" encoding="utf-8"?>
-<p:sld xmlns:a="http://schemas.openxmlformats.org/drawingml/2006/main" xmlns:r="http://schemas.openxmlformats.org/officeDocument/2006/relationships" xmlns:p="http://schemas.openxmlformats.org/presentationml/2006/main">
-  <p:cSld>
-    <p:spTree>
-      <p:nvGrpSpPr>
-        <p:cNvPr id="1" name=""/>
-        <p:cNvGrpSpPr/>
-        <p:nvPr/>
-      </p:nvGrpSpPr>
-      <p:grpSpPr>
-        <a:xfrm>
-          <a:off x="0" y="0"/>
-          <a:ext cx="0" cy="0"/>
-          <a:chOff x="0" y="0"/>
-          <a:chExt cx="0" cy="0"/>
-        </a:xfrm>
-      </p:grpSpPr>
-      <p:sp>
-        <p:nvSpPr>
-          <p:cNvPr id="2" name="Title 1"/>
-          <p:cNvSpPr>
-            <a:spLocks noGrp="1"/>
-          </p:cNvSpPr>
-          <p:nvPr>
-            <p:ph type="title"/>
-          </p:nvPr>
-        </p:nvSpPr>
-        <p:spPr/>
-        <p:txBody>
-          <a:bodyPr/>
-          <a:lstStyle/>
-          <a:p>
-            <a:r>
-              <a:rPr lang="en-US" dirty="0" smtClean="0"/>
-              <a:t>Commit some changes to </a:t>
-            </a:r>
-            <a:r>
-              <a:rPr lang="en-US" dirty="0" err="1" smtClean="0"/>
-              <a:t>gitcheat.md</a:t>
-            </a:r>
-            <a:endParaRPr lang="en-US" dirty="0"/>
-          </a:p>
-        </p:txBody>
-      </p:sp>
-      <p:sp>
-        <p:nvSpPr>
-          <p:cNvPr id="3" name="Content Placeholder 2"/>
-          <p:cNvSpPr>
-            <a:spLocks noGrp="1"/>
-          </p:cNvSpPr>
-          <p:nvPr>
-            <p:ph idx="1"/>
-          </p:nvPr>
-        </p:nvSpPr>
-        <p:spPr/>
-        <p:txBody>
-          <a:bodyPr/>
-          <a:lstStyle/>
-          <a:p>
-            <a:pPr marL="0" indent="0">
-              <a:buNone/>
-            </a:pPr>
-            <a:r>
-              <a:rPr lang="en-US" dirty="0" smtClean="0"/>
-              <a:t>Some additions:</a:t>
-            </a:r>
-          </a:p>
-          <a:p>
-            <a:pPr lvl="1"/>
-            <a:r>
-              <a:rPr lang="en-US" dirty="0" err="1" smtClean="0"/>
-              <a:t>git</a:t>
-            </a:r>
-            <a:r>
-              <a:rPr lang="en-US" dirty="0" smtClean="0"/>
-              <a:t> status</a:t>
-            </a:r>
-          </a:p>
-          <a:p>
-            <a:pPr lvl="1"/>
-            <a:r>
-              <a:rPr lang="en-US" dirty="0" err="1" smtClean="0"/>
-              <a:t>git</a:t>
-            </a:r>
-            <a:r>
-              <a:rPr lang="en-US" dirty="0" smtClean="0"/>
-              <a:t> add</a:t>
-            </a:r>
-          </a:p>
-          <a:p>
-            <a:pPr lvl="1"/>
-            <a:r>
-              <a:rPr lang="en-US" dirty="0" err="1" smtClean="0"/>
-              <a:t>git</a:t>
-            </a:r>
-            <a:r>
-              <a:rPr lang="en-US" dirty="0" smtClean="0"/>
-              <a:t> commit -m "(message)"</a:t>
-            </a:r>
-          </a:p>
-          <a:p>
-            <a:pPr lvl="1"/>
-            <a:r>
-              <a:rPr lang="en-US" dirty="0" err="1" smtClean="0"/>
-              <a:t>git</a:t>
-            </a:r>
-            <a:r>
-              <a:rPr lang="en-US" dirty="0" smtClean="0"/>
-              <a:t> push -u origin master     </a:t>
-            </a:r>
-            <a:r>
-              <a:rPr lang="en-US" dirty="0" smtClean="0">
-                <a:solidFill>
-                  <a:schemeClr val="accent2"/>
-                </a:solidFill>
-                <a:sym typeface="Wingdings"/>
-              </a:rPr>
-              <a:t> forthcoming</a:t>
-            </a:r>
-            <a:endParaRPr lang="en-US" dirty="0" smtClean="0">
-              <a:solidFill>
-                <a:schemeClr val="accent2"/>
-              </a:solidFill>
-            </a:endParaRPr>
-          </a:p>
-          <a:p>
-            <a:endParaRPr lang="en-US" dirty="0" smtClean="0"/>
-          </a:p>
-          <a:p>
-            <a:r>
-              <a:rPr lang="en-US" dirty="0" smtClean="0"/>
-              <a:t>Now, how do you get these changes onto a shared GitHub so that others can see your good work?</a:t>
-            </a:r>
-          </a:p>
-          <a:p>
-            <a:endParaRPr lang="en-US" dirty="0"/>
-          </a:p>
-        </p:txBody>
-      </p:sp>
-    </p:spTree>
-    <p:extLst>
-      <p:ext uri="{BB962C8B-B14F-4D97-AF65-F5344CB8AC3E}">
-        <p14:creationId xmlns:p14="http://schemas.microsoft.com/office/powerpoint/2010/main" val="1545015064"/>
+        <p14:creationId xmlns:p14="http://schemas.microsoft.com/office/powerpoint/2010/main" val="141884747"/>
       </p:ext>
     </p:extLst>
   </p:cSld>
@@ -7170,7 +7427,7 @@
                             </p:stCondLst>
                             <p:childTnLst>
                               <p:par>
-                                <p:cTn id="5" presetID="1" presetClass="entr" presetSubtype="0" fill="hold" nodeType="clickEffect">
+                                <p:cTn id="5" presetID="1" presetClass="entr" presetSubtype="0" fill="hold" grpId="0" nodeType="clickEffect">
                                   <p:stCondLst>
                                     <p:cond delay="0"/>
                                   </p:stCondLst>
@@ -7183,9 +7440,36 @@
                                           </p:stCondLst>
                                         </p:cTn>
                                         <p:tgtEl>
+                                          <p:spTgt spid="4"/>
+                                        </p:tgtEl>
+                                        <p:attrNameLst>
+                                          <p:attrName>style.visibility</p:attrName>
+                                        </p:attrNameLst>
+                                      </p:cBhvr>
+                                      <p:to>
+                                        <p:strVal val="visible"/>
+                                      </p:to>
+                                    </p:set>
+                                  </p:childTnLst>
+                                </p:cTn>
+                              </p:par>
+                              <p:par>
+                                <p:cTn id="7" presetID="1" presetClass="entr" presetSubtype="0" fill="hold" nodeType="withEffect">
+                                  <p:stCondLst>
+                                    <p:cond delay="0"/>
+                                  </p:stCondLst>
+                                  <p:childTnLst>
+                                    <p:set>
+                                      <p:cBhvr>
+                                        <p:cTn id="8" dur="1" fill="hold">
+                                          <p:stCondLst>
+                                            <p:cond delay="0"/>
+                                          </p:stCondLst>
+                                        </p:cTn>
+                                        <p:tgtEl>
                                           <p:spTgt spid="3">
                                             <p:txEl>
-                                              <p:pRg st="6" end="6"/>
+                                              <p:pRg st="4" end="4"/>
                                             </p:txEl>
                                           </p:spTgt>
                                         </p:tgtEl>
@@ -7227,6 +7511,136 @@
         </p:cTn>
       </p:par>
     </p:tnLst>
+    <p:bldLst>
+      <p:bldP spid="4" grpId="0" animBg="1"/>
+    </p:bldLst>
+  </p:timing>
+</p:sld>
+</file>
+
+<file path=ppt/slides/slide22.xml><?xml version="1.0" encoding="utf-8"?>
+<p:sld xmlns:a="http://schemas.openxmlformats.org/drawingml/2006/main" xmlns:r="http://schemas.openxmlformats.org/officeDocument/2006/relationships" xmlns:p="http://schemas.openxmlformats.org/presentationml/2006/main">
+  <p:cSld>
+    <p:spTree>
+      <p:nvGrpSpPr>
+        <p:cNvPr id="1" name=""/>
+        <p:cNvGrpSpPr/>
+        <p:nvPr/>
+      </p:nvGrpSpPr>
+      <p:grpSpPr>
+        <a:xfrm>
+          <a:off x="0" y="0"/>
+          <a:ext cx="0" cy="0"/>
+          <a:chOff x="0" y="0"/>
+          <a:chExt cx="0" cy="0"/>
+        </a:xfrm>
+      </p:grpSpPr>
+      <p:sp>
+        <p:nvSpPr>
+          <p:cNvPr id="2" name="Title 1"/>
+          <p:cNvSpPr>
+            <a:spLocks noGrp="1"/>
+          </p:cNvSpPr>
+          <p:nvPr>
+            <p:ph type="title"/>
+          </p:nvPr>
+        </p:nvSpPr>
+        <p:spPr/>
+        <p:txBody>
+          <a:bodyPr/>
+          <a:lstStyle/>
+          <a:p>
+            <a:r>
+              <a:rPr lang="en-US" dirty="0" err="1" smtClean="0"/>
+              <a:t>Git</a:t>
+            </a:r>
+            <a:r>
+              <a:rPr lang="en-US" dirty="0" smtClean="0"/>
+              <a:t> add</a:t>
+            </a:r>
+            <a:endParaRPr lang="en-US" dirty="0"/>
+          </a:p>
+        </p:txBody>
+      </p:sp>
+      <p:sp>
+        <p:nvSpPr>
+          <p:cNvPr id="3" name="Content Placeholder 2"/>
+          <p:cNvSpPr>
+            <a:spLocks noGrp="1"/>
+          </p:cNvSpPr>
+          <p:nvPr>
+            <p:ph idx="1"/>
+          </p:nvPr>
+        </p:nvSpPr>
+        <p:spPr/>
+        <p:txBody>
+          <a:bodyPr/>
+          <a:lstStyle/>
+          <a:p>
+            <a:r>
+              <a:rPr lang="en-US" dirty="0" smtClean="0"/>
+              <a:t>Back in our command line, type: </a:t>
+            </a:r>
+            <a:r>
+              <a:rPr lang="en-US" b="1" dirty="0" err="1" smtClean="0">
+                <a:latin typeface="Courier" charset="0"/>
+                <a:ea typeface="Courier" charset="0"/>
+                <a:cs typeface="Courier" charset="0"/>
+              </a:rPr>
+              <a:t>git</a:t>
+            </a:r>
+            <a:r>
+              <a:rPr lang="en-US" b="1" dirty="0" smtClean="0">
+                <a:latin typeface="Courier" charset="0"/>
+                <a:ea typeface="Courier" charset="0"/>
+                <a:cs typeface="Courier" charset="0"/>
+              </a:rPr>
+              <a:t> add </a:t>
+            </a:r>
+            <a:r>
+              <a:rPr lang="en-US" b="1" dirty="0" err="1" smtClean="0">
+                <a:latin typeface="Courier" charset="0"/>
+                <a:ea typeface="Courier" charset="0"/>
+                <a:cs typeface="Courier" charset="0"/>
+              </a:rPr>
+              <a:t>gitcheat.md</a:t>
+            </a:r>
+            <a:endParaRPr lang="en-US" b="1" dirty="0" smtClean="0">
+              <a:latin typeface="Courier" charset="0"/>
+              <a:ea typeface="Courier" charset="0"/>
+              <a:cs typeface="Courier" charset="0"/>
+            </a:endParaRPr>
+          </a:p>
+          <a:p>
+            <a:r>
+              <a:rPr lang="en-US" dirty="0" smtClean="0"/>
+              <a:t>This stages the file to be tracked, and prepares it to be committed</a:t>
+            </a:r>
+          </a:p>
+          <a:p>
+            <a:r>
+              <a:rPr lang="en-US" dirty="0" smtClean="0"/>
+              <a:t>The command line will look like nothing in particular happened</a:t>
+            </a:r>
+          </a:p>
+        </p:txBody>
+      </p:sp>
+    </p:spTree>
+    <p:extLst>
+      <p:ext uri="{BB962C8B-B14F-4D97-AF65-F5344CB8AC3E}">
+        <p14:creationId xmlns:p14="http://schemas.microsoft.com/office/powerpoint/2010/main" val="321355391"/>
+      </p:ext>
+    </p:extLst>
+  </p:cSld>
+  <p:clrMapOvr>
+    <a:masterClrMapping/>
+  </p:clrMapOvr>
+  <p:timing>
+    <p:tnLst>
+      <p:par>
+        <p:cTn id="1" dur="indefinite" restart="never" nodeType="tmRoot"/>
+      </p:par>
+    </p:tnLst>
   </p:timing>
 </p:sld>
 </file>
@@ -7269,7 +7683,7 @@
             </a:r>
             <a:r>
               <a:rPr lang="en-US" dirty="0" smtClean="0"/>
-              <a:t> push</a:t>
+              <a:t> commit</a:t>
             </a:r>
             <a:endParaRPr lang="en-US" dirty="0"/>
           </a:p>
@@ -7285,23 +7699,58 @@
             <p:ph idx="1"/>
           </p:nvPr>
         </p:nvSpPr>
-        <p:spPr/>
-        <p:txBody>
-          <a:bodyPr/>
+        <p:spPr>
+          <a:xfrm>
+            <a:off x="838200" y="1825625"/>
+            <a:ext cx="10515600" cy="4650126"/>
+          </a:xfrm>
+        </p:spPr>
+        <p:txBody>
+          <a:bodyPr>
+            <a:normAutofit/>
+          </a:bodyPr>
           <a:lstStyle/>
           <a:p>
             <a:r>
               <a:rPr lang="en-US" dirty="0" smtClean="0"/>
-              <a:t>pushes our local repo to its remote repo on GitHub</a:t>
-            </a:r>
-          </a:p>
-          <a:p>
+              <a:t>Committing tells </a:t>
+            </a:r>
+            <a:r>
+              <a:rPr lang="en-US" dirty="0" err="1" smtClean="0"/>
+              <a:t>Git</a:t>
+            </a:r>
+            <a:r>
+              <a:rPr lang="en-US" dirty="0" smtClean="0"/>
+              <a:t> </a:t>
+            </a:r>
+            <a:r>
+              <a:rPr lang="en-US" i="1" dirty="0" smtClean="0"/>
+              <a:t>this</a:t>
+            </a:r>
+            <a:r>
+              <a:rPr lang="en-US" dirty="0" smtClean="0"/>
+              <a:t> is the version you want to </a:t>
+            </a:r>
+            <a:r>
+              <a:rPr lang="en-US" dirty="0" smtClean="0"/>
+              <a:t>log</a:t>
+            </a:r>
+          </a:p>
+          <a:p>
+            <a:r>
+              <a:rPr lang="en-US" dirty="0" smtClean="0"/>
+              <a:t>Two ways to do this:</a:t>
+            </a:r>
             <a:endParaRPr lang="en-US" dirty="0" smtClean="0"/>
           </a:p>
           <a:p>
-            <a:r>
-              <a:rPr lang="en-US" dirty="0" smtClean="0"/>
-              <a:t>In the command line, type: </a:t>
+            <a:pPr marL="971550" lvl="1" indent="-514350">
+              <a:buFont typeface="+mj-lt"/>
+              <a:buAutoNum type="alphaUcPeriod"/>
+            </a:pPr>
+            <a:r>
+              <a:rPr lang="en-US" dirty="0" smtClean="0"/>
+              <a:t>Type: </a:t>
             </a:r>
             <a:r>
               <a:rPr lang="en-US" b="1" dirty="0" err="1" smtClean="0">
@@ -7317,29 +7766,101 @@
                 <a:ea typeface="Courier" charset="0"/>
                 <a:cs typeface="Courier" charset="0"/>
               </a:rPr>
-              <a:t> push -u origin master</a:t>
-            </a:r>
-          </a:p>
-          <a:p>
-            <a:r>
-              <a:rPr lang="en-US" dirty="0" smtClean="0"/>
-              <a:t>On your first push, you'll be prompted to enter your GitHub username and password</a:t>
-            </a:r>
+              <a:t> commit </a:t>
+            </a:r>
+          </a:p>
+          <a:p>
+            <a:pPr lvl="2"/>
+            <a:r>
+              <a:rPr lang="en-US" dirty="0"/>
+              <a:t>Y</a:t>
+            </a:r>
+            <a:r>
+              <a:rPr lang="en-US" dirty="0" smtClean="0"/>
+              <a:t>our text editor should pop up for you to make a note about this version</a:t>
+            </a:r>
+          </a:p>
+          <a:p>
+            <a:pPr lvl="2"/>
+            <a:r>
+              <a:rPr lang="en-US" dirty="0" smtClean="0"/>
+              <a:t>Remember to save it!</a:t>
+            </a:r>
+          </a:p>
+          <a:p>
+            <a:pPr marL="971550" lvl="1" indent="-514350">
+              <a:buFont typeface="+mj-lt"/>
+              <a:buAutoNum type="alphaUcPeriod"/>
+            </a:pPr>
+            <a:r>
+              <a:rPr lang="en-US" dirty="0"/>
+              <a:t>T</a:t>
+            </a:r>
+            <a:r>
+              <a:rPr lang="en-US" dirty="0" smtClean="0"/>
+              <a:t>ype: </a:t>
+            </a:r>
+            <a:r>
+              <a:rPr lang="en-US" b="1" dirty="0" err="1" smtClean="0">
+                <a:latin typeface="Courier" charset="0"/>
+                <a:ea typeface="Courier" charset="0"/>
+                <a:cs typeface="Courier" charset="0"/>
+              </a:rPr>
+              <a:t>git</a:t>
+            </a:r>
+            <a:r>
+              <a:rPr lang="en-US" b="1" dirty="0" smtClean="0">
+                <a:latin typeface="Courier" charset="0"/>
+                <a:ea typeface="Courier" charset="0"/>
+                <a:cs typeface="Courier" charset="0"/>
+              </a:rPr>
+              <a:t> commit -m </a:t>
+            </a:r>
+            <a:r>
+              <a:rPr lang="en-US" b="1" dirty="0" smtClean="0">
+                <a:latin typeface="Courier" charset="0"/>
+                <a:ea typeface="Courier" charset="0"/>
+                <a:cs typeface="Courier" charset="0"/>
+              </a:rPr>
+              <a:t>“[add </a:t>
+            </a:r>
+            <a:r>
+              <a:rPr lang="en-US" b="1" dirty="0" smtClean="0">
+                <a:latin typeface="Courier" charset="0"/>
+                <a:ea typeface="Courier" charset="0"/>
+                <a:cs typeface="Courier" charset="0"/>
+              </a:rPr>
+              <a:t>a message here about the commits you're </a:t>
+            </a:r>
+            <a:r>
+              <a:rPr lang="en-US" b="1" dirty="0" smtClean="0">
+                <a:latin typeface="Courier" charset="0"/>
+                <a:ea typeface="Courier" charset="0"/>
+                <a:cs typeface="Courier" charset="0"/>
+              </a:rPr>
+              <a:t>making]" </a:t>
+            </a:r>
+            <a:endParaRPr lang="en-US" b="1" dirty="0" smtClean="0">
+              <a:latin typeface="Courier" charset="0"/>
+              <a:ea typeface="Courier" charset="0"/>
+              <a:cs typeface="Courier" charset="0"/>
+            </a:endParaRPr>
+          </a:p>
+          <a:p>
+            <a:pPr lvl="2"/>
+            <a:r>
+              <a:rPr lang="en-US" dirty="0" smtClean="0"/>
+              <a:t>Insert a note about this version directly in the command line</a:t>
+            </a:r>
+          </a:p>
+          <a:p>
+            <a:pPr lvl="1"/>
             <a:endParaRPr lang="en-US" dirty="0"/>
           </a:p>
           <a:p>
-            <a:pPr lvl="1"/>
-            <a:r>
-              <a:rPr lang="en-US" dirty="0" smtClean="0"/>
-              <a:t>Hint: it’s in your </a:t>
-            </a:r>
-            <a:r>
-              <a:rPr lang="en-US" dirty="0" err="1" smtClean="0"/>
-              <a:t>gitsetup</a:t>
-            </a:r>
-            <a:r>
-              <a:rPr lang="en-US" dirty="0" smtClean="0"/>
-              <a:t> file in your projects folder</a:t>
+            <a:r>
+              <a:rPr lang="en-US" dirty="0" smtClean="0"/>
+              <a:t>Be brief but descriptive so other collaborators can understand different versions</a:t>
             </a:r>
             <a:endParaRPr lang="en-US" dirty="0"/>
           </a:p>
@@ -7348,7 +7869,7 @@
     </p:spTree>
     <p:extLst>
       <p:ext uri="{BB962C8B-B14F-4D97-AF65-F5344CB8AC3E}">
-        <p14:creationId xmlns:p14="http://schemas.microsoft.com/office/powerpoint/2010/main" val="346227002"/>
+        <p14:creationId xmlns:p14="http://schemas.microsoft.com/office/powerpoint/2010/main" val="2050108479"/>
       </p:ext>
     </p:extLst>
   </p:cSld>
@@ -7398,12 +7919,16 @@
           <a:lstStyle/>
           <a:p>
             <a:r>
-              <a:rPr lang="en-US" dirty="0" err="1" smtClean="0"/>
-              <a:t>Git</a:t>
-            </a:r>
-            <a:r>
-              <a:rPr lang="en-US" dirty="0" smtClean="0"/>
-              <a:t> push</a:t>
+              <a:rPr lang="en-US" dirty="0" smtClean="0"/>
+              <a:t>Commit some </a:t>
+            </a:r>
+            <a:r>
+              <a:rPr lang="en-US" dirty="0" smtClean="0"/>
+              <a:t>more changes </a:t>
+            </a:r>
+            <a:r>
+              <a:rPr lang="en-US" dirty="0" smtClean="0"/>
+              <a:t>to gitcheat.md</a:t>
             </a:r>
             <a:endParaRPr lang="en-US" dirty="0"/>
           </a:p>
@@ -7424,99 +7949,117 @@
           <a:bodyPr/>
           <a:lstStyle/>
           <a:p>
-            <a:r>
-              <a:rPr lang="en-US" dirty="0" smtClean="0"/>
-              <a:t>Go back to your browser and r</a:t>
-            </a:r>
-            <a:r>
-              <a:rPr lang="en-US" dirty="0" smtClean="0"/>
-              <a:t>efresh your </a:t>
-            </a:r>
+            <a:pPr marL="0" indent="0">
+              <a:buNone/>
+            </a:pPr>
+            <a:r>
+              <a:rPr lang="en-US" dirty="0" smtClean="0"/>
+              <a:t>Some </a:t>
+            </a:r>
+            <a:r>
+              <a:rPr lang="en-US" dirty="0" smtClean="0"/>
+              <a:t>things we can add:</a:t>
+            </a:r>
+            <a:endParaRPr lang="en-US" dirty="0" smtClean="0"/>
+          </a:p>
+          <a:p>
+            <a:pPr lvl="1"/>
             <a:r>
               <a:rPr lang="en-US" dirty="0" err="1" smtClean="0"/>
-              <a:t>GitPractice</a:t>
-            </a:r>
-            <a:r>
-              <a:rPr lang="en-US" dirty="0" smtClean="0"/>
-              <a:t> repo on GitHub to see your changes</a:t>
-            </a:r>
-          </a:p>
-          <a:p>
+              <a:t>git</a:t>
+            </a:r>
+            <a:r>
+              <a:rPr lang="en-US" dirty="0" smtClean="0"/>
+              <a:t> status</a:t>
+            </a:r>
+          </a:p>
+          <a:p>
+            <a:pPr lvl="1"/>
+            <a:r>
+              <a:rPr lang="en-US" dirty="0" err="1" smtClean="0"/>
+              <a:t>git</a:t>
+            </a:r>
+            <a:r>
+              <a:rPr lang="en-US" dirty="0" smtClean="0"/>
+              <a:t> add</a:t>
+            </a:r>
+          </a:p>
+          <a:p>
+            <a:pPr lvl="1"/>
+            <a:r>
+              <a:rPr lang="en-US" dirty="0" err="1" smtClean="0"/>
+              <a:t>git</a:t>
+            </a:r>
+            <a:r>
+              <a:rPr lang="en-US" dirty="0" smtClean="0"/>
+              <a:t> commit -m </a:t>
+            </a:r>
+            <a:r>
+              <a:rPr lang="en-US" dirty="0" smtClean="0"/>
+              <a:t>“[message</a:t>
+            </a:r>
+            <a:r>
+              <a:rPr lang="en-US" dirty="0"/>
+              <a:t>]</a:t>
+            </a:r>
+            <a:r>
+              <a:rPr lang="en-US" dirty="0" smtClean="0"/>
+              <a:t>"</a:t>
+            </a:r>
             <a:endParaRPr lang="en-US" dirty="0" smtClean="0"/>
           </a:p>
           <a:p>
             <a:r>
               <a:rPr lang="en-US" dirty="0" smtClean="0"/>
-              <a:t>See changes </a:t>
-            </a:r>
-            <a:r>
-              <a:rPr lang="en-US" dirty="0" smtClean="0">
-                <a:sym typeface="Wingdings"/>
-              </a:rPr>
-              <a:t> </a:t>
+              <a:t>After the first commit, you can combine </a:t>
             </a:r>
             <a:r>
               <a:rPr lang="en-US" b="1" dirty="0" smtClean="0">
-                <a:solidFill>
-                  <a:schemeClr val="accent2"/>
-                </a:solidFill>
-                <a:sym typeface="Wingdings"/>
-              </a:rPr>
-              <a:t>jazz hands</a:t>
-            </a:r>
-          </a:p>
-          <a:p>
-            <a:r>
-              <a:rPr lang="en-US" dirty="0" smtClean="0">
-                <a:sym typeface="Wingdings"/>
-              </a:rPr>
-              <a:t>Don’t see changes  put up a </a:t>
+                <a:latin typeface="Courier"/>
+              </a:rPr>
+              <a:t>add</a:t>
+            </a:r>
+            <a:r>
+              <a:rPr lang="en-US" dirty="0" smtClean="0"/>
+              <a:t> and </a:t>
             </a:r>
             <a:r>
               <a:rPr lang="en-US" b="1" dirty="0" smtClean="0">
-                <a:solidFill>
-                  <a:srgbClr val="FF2F92"/>
-                </a:solidFill>
-                <a:sym typeface="Wingdings"/>
-              </a:rPr>
-              <a:t>sticky</a:t>
-            </a:r>
-            <a:r>
-              <a:rPr lang="en-US" dirty="0" smtClean="0">
-                <a:solidFill>
-                  <a:srgbClr val="FF2F92"/>
-                </a:solidFill>
-                <a:sym typeface="Wingdings"/>
-              </a:rPr>
-              <a:t> </a:t>
-            </a:r>
-            <a:r>
-              <a:rPr lang="en-US" dirty="0" smtClean="0">
-                <a:sym typeface="Wingdings"/>
-              </a:rPr>
-              <a:t>and find some </a:t>
+                <a:latin typeface="Courier"/>
+              </a:rPr>
+              <a:t>commit</a:t>
+            </a:r>
+          </a:p>
+          <a:p>
+            <a:pPr marL="0" indent="0">
+              <a:buNone/>
+            </a:pPr>
+            <a:r>
+              <a:rPr lang="en-US" dirty="0"/>
+              <a:t>	</a:t>
+            </a:r>
+            <a:r>
+              <a:rPr lang="en-US" b="1" dirty="0" err="1" smtClean="0">
+                <a:latin typeface="Courier"/>
+              </a:rPr>
+              <a:t>git</a:t>
             </a:r>
             <a:r>
               <a:rPr lang="en-US" b="1" dirty="0" smtClean="0">
-                <a:solidFill>
-                  <a:schemeClr val="accent2"/>
-                </a:solidFill>
-                <a:sym typeface="Wingdings"/>
-              </a:rPr>
-              <a:t>jazz hands</a:t>
-            </a:r>
-            <a:endParaRPr lang="en-US" b="1" dirty="0">
-              <a:solidFill>
-                <a:schemeClr val="accent2"/>
-              </a:solidFill>
-            </a:endParaRPr>
+                <a:latin typeface="Courier"/>
+              </a:rPr>
+              <a:t> commit -am “[message]”</a:t>
+            </a:r>
+          </a:p>
+          <a:p>
+            <a:endParaRPr lang="en-US" dirty="0"/>
           </a:p>
         </p:txBody>
       </p:sp>
     </p:spTree>
     <p:extLst>
       <p:ext uri="{BB962C8B-B14F-4D97-AF65-F5344CB8AC3E}">
-        <p14:creationId xmlns:p14="http://schemas.microsoft.com/office/powerpoint/2010/main" val="1378190515"/>
+        <p14:creationId xmlns:p14="http://schemas.microsoft.com/office/powerpoint/2010/main" val="1545015064"/>
       </p:ext>
     </p:extLst>
   </p:cSld>
@@ -7562,54 +8105,38 @@
         </p:nvSpPr>
         <p:spPr/>
         <p:txBody>
+          <a:bodyPr/>
+          <a:lstStyle/>
+          <a:p>
+            <a:r>
+              <a:rPr lang="en-US" dirty="0" smtClean="0"/>
+              <a:t>The local version is what we want to share</a:t>
+            </a:r>
+            <a:endParaRPr lang="en-US" dirty="0"/>
+          </a:p>
+        </p:txBody>
+      </p:sp>
+      <p:sp>
+        <p:nvSpPr>
+          <p:cNvPr id="3" name="Content Placeholder 2"/>
+          <p:cNvSpPr>
+            <a:spLocks noGrp="1"/>
+          </p:cNvSpPr>
+          <p:nvPr>
+            <p:ph idx="1"/>
+          </p:nvPr>
+        </p:nvSpPr>
+        <p:spPr/>
+        <p:txBody>
           <a:bodyPr>
             <a:normAutofit/>
           </a:bodyPr>
           <a:lstStyle/>
           <a:p>
             <a:r>
-              <a:rPr lang="en-US" b="1" dirty="0" err="1" smtClean="0"/>
-              <a:t>Git</a:t>
-            </a:r>
-            <a:r>
-              <a:rPr lang="en-US" b="1" dirty="0" smtClean="0"/>
-              <a:t> clone</a:t>
-            </a:r>
-            <a:endParaRPr lang="en-US" dirty="0"/>
-          </a:p>
-        </p:txBody>
-      </p:sp>
-      <p:sp>
-        <p:nvSpPr>
-          <p:cNvPr id="3" name="Content Placeholder 2"/>
-          <p:cNvSpPr>
-            <a:spLocks noGrp="1"/>
-          </p:cNvSpPr>
-          <p:nvPr>
-            <p:ph idx="1"/>
-          </p:nvPr>
-        </p:nvSpPr>
-        <p:spPr/>
-        <p:txBody>
-          <a:bodyPr/>
-          <a:lstStyle/>
-          <a:p>
-            <a:r>
-              <a:rPr lang="en-US" dirty="0" smtClean="0"/>
-              <a:t>Making a copy of a GitHub repo to work on locally</a:t>
-            </a:r>
-            <a:endParaRPr lang="en-US" dirty="0" smtClean="0"/>
-          </a:p>
-          <a:p>
-            <a:r>
-              <a:rPr lang="en-US" dirty="0" smtClean="0"/>
-              <a:t>A clone is a local copy of a repository</a:t>
-            </a:r>
-          </a:p>
-          <a:p>
-            <a:pPr marL="0" indent="0">
-              <a:buNone/>
-            </a:pPr>
+              <a:rPr lang="en-US" dirty="0" smtClean="0"/>
+              <a:t>Always check what’s going on: </a:t>
+            </a:r>
             <a:r>
               <a:rPr lang="en-US" b="1" dirty="0" err="1" smtClean="0">
                 <a:latin typeface="Courier" charset="0"/>
@@ -7624,78 +8151,17 @@
                 <a:ea typeface="Courier" charset="0"/>
                 <a:cs typeface="Courier" charset="0"/>
               </a:rPr>
-              <a:t> clone [URL of your GitHub repo]</a:t>
-            </a:r>
-          </a:p>
-          <a:p>
-            <a:endParaRPr lang="en-US" dirty="0"/>
-          </a:p>
-          <a:p>
-            <a:r>
-              <a:rPr lang="en-US" dirty="0" smtClean="0"/>
-              <a:t>Clone the repo for this workshop so you can have a copy for yourself!</a:t>
-            </a:r>
-          </a:p>
-          <a:p>
-            <a:pPr marL="0" indent="0">
-              <a:buNone/>
-            </a:pPr>
-            <a:r>
-              <a:rPr lang="en-US" b="1" dirty="0" err="1" smtClean="0">
-                <a:latin typeface="Courier" charset="0"/>
-                <a:ea typeface="Courier" charset="0"/>
-                <a:cs typeface="Courier" charset="0"/>
-              </a:rPr>
-              <a:t>git</a:t>
-            </a:r>
-            <a:r>
-              <a:rPr lang="en-US" b="1" dirty="0" smtClean="0">
-                <a:latin typeface="Courier" charset="0"/>
-                <a:ea typeface="Courier" charset="0"/>
-                <a:cs typeface="Courier" charset="0"/>
-              </a:rPr>
-              <a:t> clone https://</a:t>
-            </a:r>
-            <a:r>
-              <a:rPr lang="en-US" b="1" dirty="0" err="1" smtClean="0">
-                <a:latin typeface="Courier" charset="0"/>
-                <a:ea typeface="Courier" charset="0"/>
-                <a:cs typeface="Courier" charset="0"/>
-              </a:rPr>
-              <a:t>github.com</a:t>
-            </a:r>
-            <a:r>
-              <a:rPr lang="en-US" b="1" dirty="0" smtClean="0">
-                <a:latin typeface="Courier" charset="0"/>
-                <a:ea typeface="Courier" charset="0"/>
-                <a:cs typeface="Courier" charset="0"/>
-              </a:rPr>
-              <a:t>/</a:t>
-            </a:r>
-            <a:r>
-              <a:rPr lang="en-US" b="1" dirty="0" err="1" smtClean="0">
-                <a:latin typeface="Courier" charset="0"/>
-                <a:ea typeface="Courier" charset="0"/>
-                <a:cs typeface="Courier" charset="0"/>
-              </a:rPr>
-              <a:t>jentang</a:t>
-            </a:r>
-            <a:r>
-              <a:rPr lang="en-US" b="1" dirty="0" smtClean="0">
-                <a:latin typeface="Courier" charset="0"/>
-                <a:ea typeface="Courier" charset="0"/>
-                <a:cs typeface="Courier" charset="0"/>
-              </a:rPr>
-              <a:t>/</a:t>
-            </a:r>
-            <a:r>
-              <a:rPr lang="en-US" b="1" dirty="0" err="1" smtClean="0">
-                <a:latin typeface="Courier" charset="0"/>
-                <a:ea typeface="Courier" charset="0"/>
-                <a:cs typeface="Courier" charset="0"/>
-              </a:rPr>
-              <a:t>GitDRI</a:t>
-            </a:r>
+              <a:t> status</a:t>
+            </a:r>
+          </a:p>
+          <a:p>
+            <a:endParaRPr lang="en-US" b="1" dirty="0">
+              <a:latin typeface="Courier" charset="0"/>
+              <a:ea typeface="Courier" charset="0"/>
+              <a:cs typeface="Courier" charset="0"/>
+            </a:endParaRPr>
+          </a:p>
+          <a:p>
             <a:endParaRPr lang="en-US" b="1" dirty="0" smtClean="0">
               <a:latin typeface="Courier" charset="0"/>
               <a:ea typeface="Courier" charset="0"/>
@@ -7703,14 +8169,284 @@
             </a:endParaRPr>
           </a:p>
           <a:p>
+            <a:endParaRPr lang="en-US" b="1" dirty="0">
+              <a:latin typeface="Courier" charset="0"/>
+              <a:ea typeface="Courier" charset="0"/>
+              <a:cs typeface="Courier" charset="0"/>
+            </a:endParaRPr>
+          </a:p>
+          <a:p>
+            <a:pPr marL="0" indent="0">
+              <a:buNone/>
+            </a:pPr>
             <a:endParaRPr lang="en-US" dirty="0"/>
+          </a:p>
+          <a:p>
+            <a:r>
+              <a:rPr lang="en-US" dirty="0"/>
+              <a:t>Now, how do you get these changes onto a shared </a:t>
+            </a:r>
+            <a:r>
+              <a:rPr lang="en-US" dirty="0" err="1"/>
+              <a:t>GitHub</a:t>
+            </a:r>
+            <a:r>
+              <a:rPr lang="en-US" dirty="0"/>
+              <a:t> so that others can see your good work?</a:t>
+            </a:r>
+          </a:p>
+        </p:txBody>
+      </p:sp>
+      <p:sp>
+        <p:nvSpPr>
+          <p:cNvPr id="4" name="Content Placeholder 2"/>
+          <p:cNvSpPr txBox="1">
+            <a:spLocks/>
+          </p:cNvSpPr>
+          <p:nvPr/>
+        </p:nvSpPr>
+        <p:spPr>
+          <a:xfrm>
+            <a:off x="838200" y="2493769"/>
+            <a:ext cx="10122243" cy="1680519"/>
+          </a:xfrm>
+          <a:prstGeom prst="rect">
+            <a:avLst/>
+          </a:prstGeom>
+          <a:solidFill>
+            <a:schemeClr val="tx1"/>
+          </a:solidFill>
+        </p:spPr>
+        <p:txBody>
+          <a:bodyPr vert="horz" lIns="91440" tIns="45720" rIns="91440" bIns="45720" rtlCol="0">
+            <a:normAutofit fontScale="92500"/>
+          </a:bodyPr>
+          <a:lstStyle>
+            <a:lvl1pPr marL="228600" indent="-228600" algn="l" defTabSz="914400" rtl="0" eaLnBrk="1" latinLnBrk="0" hangingPunct="1">
+              <a:lnSpc>
+                <a:spcPct val="90000"/>
+              </a:lnSpc>
+              <a:spcBef>
+                <a:spcPts val="1000"/>
+              </a:spcBef>
+              <a:buFont typeface="Arial"/>
+              <a:buChar char="•"/>
+              <a:defRPr sz="2800" kern="1200">
+                <a:solidFill>
+                  <a:schemeClr val="tx1"/>
+                </a:solidFill>
+                <a:latin typeface="+mn-lt"/>
+                <a:ea typeface="+mn-ea"/>
+                <a:cs typeface="+mn-cs"/>
+              </a:defRPr>
+            </a:lvl1pPr>
+            <a:lvl2pPr marL="685800" indent="-228600" algn="l" defTabSz="914400" rtl="0" eaLnBrk="1" latinLnBrk="0" hangingPunct="1">
+              <a:lnSpc>
+                <a:spcPct val="90000"/>
+              </a:lnSpc>
+              <a:spcBef>
+                <a:spcPts val="500"/>
+              </a:spcBef>
+              <a:buFont typeface="Arial"/>
+              <a:buChar char="•"/>
+              <a:defRPr sz="2400" kern="1200">
+                <a:solidFill>
+                  <a:schemeClr val="tx1"/>
+                </a:solidFill>
+                <a:latin typeface="+mn-lt"/>
+                <a:ea typeface="+mn-ea"/>
+                <a:cs typeface="+mn-cs"/>
+              </a:defRPr>
+            </a:lvl2pPr>
+            <a:lvl3pPr marL="1143000" indent="-228600" algn="l" defTabSz="914400" rtl="0" eaLnBrk="1" latinLnBrk="0" hangingPunct="1">
+              <a:lnSpc>
+                <a:spcPct val="90000"/>
+              </a:lnSpc>
+              <a:spcBef>
+                <a:spcPts val="500"/>
+              </a:spcBef>
+              <a:buFont typeface="Arial"/>
+              <a:buChar char="•"/>
+              <a:defRPr sz="2000" kern="1200">
+                <a:solidFill>
+                  <a:schemeClr val="tx1"/>
+                </a:solidFill>
+                <a:latin typeface="+mn-lt"/>
+                <a:ea typeface="+mn-ea"/>
+                <a:cs typeface="+mn-cs"/>
+              </a:defRPr>
+            </a:lvl3pPr>
+            <a:lvl4pPr marL="1600200" indent="-228600" algn="l" defTabSz="914400" rtl="0" eaLnBrk="1" latinLnBrk="0" hangingPunct="1">
+              <a:lnSpc>
+                <a:spcPct val="90000"/>
+              </a:lnSpc>
+              <a:spcBef>
+                <a:spcPts val="500"/>
+              </a:spcBef>
+              <a:buFont typeface="Arial"/>
+              <a:buChar char="•"/>
+              <a:defRPr sz="1800" kern="1200">
+                <a:solidFill>
+                  <a:schemeClr val="tx1"/>
+                </a:solidFill>
+                <a:latin typeface="+mn-lt"/>
+                <a:ea typeface="+mn-ea"/>
+                <a:cs typeface="+mn-cs"/>
+              </a:defRPr>
+            </a:lvl4pPr>
+            <a:lvl5pPr marL="2057400" indent="-228600" algn="l" defTabSz="914400" rtl="0" eaLnBrk="1" latinLnBrk="0" hangingPunct="1">
+              <a:lnSpc>
+                <a:spcPct val="90000"/>
+              </a:lnSpc>
+              <a:spcBef>
+                <a:spcPts val="500"/>
+              </a:spcBef>
+              <a:buFont typeface="Arial"/>
+              <a:buChar char="•"/>
+              <a:defRPr sz="1800" kern="1200">
+                <a:solidFill>
+                  <a:schemeClr val="tx1"/>
+                </a:solidFill>
+                <a:latin typeface="+mn-lt"/>
+                <a:ea typeface="+mn-ea"/>
+                <a:cs typeface="+mn-cs"/>
+              </a:defRPr>
+            </a:lvl5pPr>
+            <a:lvl6pPr marL="2514600" indent="-228600" algn="l" defTabSz="914400" rtl="0" eaLnBrk="1" latinLnBrk="0" hangingPunct="1">
+              <a:lnSpc>
+                <a:spcPct val="90000"/>
+              </a:lnSpc>
+              <a:spcBef>
+                <a:spcPts val="500"/>
+              </a:spcBef>
+              <a:buFont typeface="Arial"/>
+              <a:buChar char="•"/>
+              <a:defRPr sz="1800" kern="1200">
+                <a:solidFill>
+                  <a:schemeClr val="tx1"/>
+                </a:solidFill>
+                <a:latin typeface="+mn-lt"/>
+                <a:ea typeface="+mn-ea"/>
+                <a:cs typeface="+mn-cs"/>
+              </a:defRPr>
+            </a:lvl6pPr>
+            <a:lvl7pPr marL="2971800" indent="-228600" algn="l" defTabSz="914400" rtl="0" eaLnBrk="1" latinLnBrk="0" hangingPunct="1">
+              <a:lnSpc>
+                <a:spcPct val="90000"/>
+              </a:lnSpc>
+              <a:spcBef>
+                <a:spcPts val="500"/>
+              </a:spcBef>
+              <a:buFont typeface="Arial"/>
+              <a:buChar char="•"/>
+              <a:defRPr sz="1800" kern="1200">
+                <a:solidFill>
+                  <a:schemeClr val="tx1"/>
+                </a:solidFill>
+                <a:latin typeface="+mn-lt"/>
+                <a:ea typeface="+mn-ea"/>
+                <a:cs typeface="+mn-cs"/>
+              </a:defRPr>
+            </a:lvl7pPr>
+            <a:lvl8pPr marL="3429000" indent="-228600" algn="l" defTabSz="914400" rtl="0" eaLnBrk="1" latinLnBrk="0" hangingPunct="1">
+              <a:lnSpc>
+                <a:spcPct val="90000"/>
+              </a:lnSpc>
+              <a:spcBef>
+                <a:spcPts val="500"/>
+              </a:spcBef>
+              <a:buFont typeface="Arial"/>
+              <a:buChar char="•"/>
+              <a:defRPr sz="1800" kern="1200">
+                <a:solidFill>
+                  <a:schemeClr val="tx1"/>
+                </a:solidFill>
+                <a:latin typeface="+mn-lt"/>
+                <a:ea typeface="+mn-ea"/>
+                <a:cs typeface="+mn-cs"/>
+              </a:defRPr>
+            </a:lvl8pPr>
+            <a:lvl9pPr marL="3886200" indent="-228600" algn="l" defTabSz="914400" rtl="0" eaLnBrk="1" latinLnBrk="0" hangingPunct="1">
+              <a:lnSpc>
+                <a:spcPct val="90000"/>
+              </a:lnSpc>
+              <a:spcBef>
+                <a:spcPts val="500"/>
+              </a:spcBef>
+              <a:buFont typeface="Arial"/>
+              <a:buChar char="•"/>
+              <a:defRPr sz="1800" kern="1200">
+                <a:solidFill>
+                  <a:schemeClr val="tx1"/>
+                </a:solidFill>
+                <a:latin typeface="+mn-lt"/>
+                <a:ea typeface="+mn-ea"/>
+                <a:cs typeface="+mn-cs"/>
+              </a:defRPr>
+            </a:lvl9pPr>
+          </a:lstStyle>
+          <a:p>
+            <a:pPr marL="0" indent="0">
+              <a:buNone/>
+            </a:pPr>
+            <a:r>
+              <a:rPr lang="en-US" dirty="0">
+                <a:solidFill>
+                  <a:schemeClr val="bg1"/>
+                </a:solidFill>
+                <a:latin typeface="Courier" charset="0"/>
+                <a:ea typeface="Courier" charset="0"/>
+                <a:cs typeface="Courier" charset="0"/>
+              </a:rPr>
+              <a:t>On branch master</a:t>
+            </a:r>
+          </a:p>
+          <a:p>
+            <a:pPr marL="0" indent="0">
+              <a:buNone/>
+            </a:pPr>
+            <a:r>
+              <a:rPr lang="en-US" dirty="0">
+                <a:solidFill>
+                  <a:schemeClr val="bg1"/>
+                </a:solidFill>
+                <a:latin typeface="Courier" charset="0"/>
+                <a:ea typeface="Courier" charset="0"/>
+                <a:cs typeface="Courier" charset="0"/>
+              </a:rPr>
+              <a:t>Your branch is up-to-date with 'origin/master'.</a:t>
+            </a:r>
+          </a:p>
+          <a:p>
+            <a:pPr marL="0" indent="0">
+              <a:buNone/>
+            </a:pPr>
+            <a:r>
+              <a:rPr lang="en-US" dirty="0">
+                <a:solidFill>
+                  <a:schemeClr val="bg1"/>
+                </a:solidFill>
+                <a:latin typeface="Courier" charset="0"/>
+                <a:ea typeface="Courier" charset="0"/>
+                <a:cs typeface="Courier" charset="0"/>
+              </a:rPr>
+              <a:t>nothing to commit, working directory clean</a:t>
+            </a:r>
+            <a:endParaRPr lang="en-US" dirty="0" smtClean="0">
+              <a:solidFill>
+                <a:schemeClr val="bg1"/>
+              </a:solidFill>
+              <a:latin typeface="Courier" charset="0"/>
+              <a:ea typeface="Courier" charset="0"/>
+              <a:cs typeface="Courier" charset="0"/>
+            </a:endParaRPr>
           </a:p>
         </p:txBody>
       </p:sp>
     </p:spTree>
     <p:extLst>
       <p:ext uri="{BB962C8B-B14F-4D97-AF65-F5344CB8AC3E}">
-        <p14:creationId xmlns:p14="http://schemas.microsoft.com/office/powerpoint/2010/main" val="1017710821"/>
+        <p14:creationId xmlns:p14="http://schemas.microsoft.com/office/powerpoint/2010/main" val="187917793"/>
       </p:ext>
     </p:extLst>
   </p:cSld>
@@ -7765,7 +8501,7 @@
             </a:r>
             <a:r>
               <a:rPr lang="en-US" dirty="0" smtClean="0"/>
-              <a:t> pull</a:t>
+              <a:t> push</a:t>
             </a:r>
             <a:endParaRPr lang="en-US" dirty="0"/>
           </a:p>
@@ -7788,100 +8524,89 @@
           <a:p>
             <a:r>
               <a:rPr lang="en-US" dirty="0" smtClean="0"/>
-              <a:t>changes have been made on the remote GitHub repo that have not yet been logged locally</a:t>
-            </a:r>
-          </a:p>
-          <a:p>
-            <a:r>
-              <a:rPr lang="en-US" dirty="0" smtClean="0"/>
-              <a:t>You will need to pull the repo </a:t>
-            </a:r>
+              <a:t>pushes our local repo to its remote repo on GitHub</a:t>
+            </a:r>
+          </a:p>
+          <a:p>
+            <a:endParaRPr lang="en-US" dirty="0" smtClean="0"/>
+          </a:p>
+          <a:p>
+            <a:r>
+              <a:rPr lang="en-US" dirty="0" smtClean="0"/>
+              <a:t>In the command line, type: </a:t>
+            </a:r>
+            <a:r>
+              <a:rPr lang="en-US" b="1" dirty="0" err="1" smtClean="0">
+                <a:latin typeface="Courier" charset="0"/>
+                <a:ea typeface="Courier" charset="0"/>
+                <a:cs typeface="Courier" charset="0"/>
+              </a:rPr>
+              <a:t>git</a:t>
+            </a:r>
+            <a:r>
+              <a:rPr lang="en-US" b="1" dirty="0" smtClean="0">
+                <a:latin typeface="Courier" charset="0"/>
+                <a:ea typeface="Courier" charset="0"/>
+                <a:cs typeface="Courier" charset="0"/>
+              </a:rPr>
+              <a:t> push -u origin master</a:t>
+            </a:r>
+          </a:p>
+          <a:p>
+            <a:r>
+              <a:rPr lang="en-US" dirty="0"/>
+              <a:t>Y</a:t>
+            </a:r>
+            <a:r>
+              <a:rPr lang="en-US" dirty="0" smtClean="0"/>
+              <a:t>ou'll </a:t>
+            </a:r>
+            <a:r>
+              <a:rPr lang="en-US" dirty="0" smtClean="0"/>
+              <a:t>be prompted to enter your GitHub username and password</a:t>
+            </a:r>
+            <a:endParaRPr lang="en-US" dirty="0"/>
           </a:p>
           <a:p>
             <a:pPr lvl="1"/>
             <a:r>
               <a:rPr lang="en-US" dirty="0" smtClean="0"/>
-              <a:t>i.e. log the newest version in GitHub as compared to your local repo</a:t>
-            </a:r>
-          </a:p>
-          <a:p>
-            <a:pPr marL="0" indent="0">
-              <a:buNone/>
-            </a:pPr>
-            <a:r>
-              <a:rPr lang="en-US" b="1" dirty="0" smtClean="0">
-                <a:latin typeface="Courier" charset="0"/>
-                <a:ea typeface="Courier" charset="0"/>
-                <a:cs typeface="Courier" charset="0"/>
-              </a:rPr>
-              <a:t>	</a:t>
-            </a:r>
-            <a:r>
-              <a:rPr lang="en-US" b="1" dirty="0" err="1" smtClean="0">
-                <a:latin typeface="Courier" charset="0"/>
-                <a:ea typeface="Courier" charset="0"/>
-                <a:cs typeface="Courier" charset="0"/>
-              </a:rPr>
-              <a:t>git</a:t>
-            </a:r>
-            <a:r>
-              <a:rPr lang="en-US" b="1" dirty="0" smtClean="0">
-                <a:latin typeface="Courier" charset="0"/>
-                <a:ea typeface="Courier" charset="0"/>
-                <a:cs typeface="Courier" charset="0"/>
-              </a:rPr>
-              <a:t> pull [URL of your GitHub repo]</a:t>
-            </a:r>
-          </a:p>
-          <a:p>
-            <a:endParaRPr lang="en-US" dirty="0" smtClean="0"/>
-          </a:p>
-          <a:p>
-            <a:r>
-              <a:rPr lang="en-US" dirty="0" smtClean="0"/>
-              <a:t>Then merge the changes by using </a:t>
-            </a:r>
-          </a:p>
-          <a:p>
-            <a:pPr marL="0" indent="0">
-              <a:buNone/>
-            </a:pPr>
-            <a:r>
-              <a:rPr lang="en-US" b="1" dirty="0" smtClean="0">
-                <a:latin typeface="Courier" charset="0"/>
-                <a:ea typeface="Courier" charset="0"/>
-                <a:cs typeface="Courier" charset="0"/>
-              </a:rPr>
-              <a:t>	</a:t>
-            </a:r>
-            <a:r>
-              <a:rPr lang="en-US" b="1" dirty="0" err="1" smtClean="0">
-                <a:latin typeface="Courier" charset="0"/>
-                <a:ea typeface="Courier" charset="0"/>
-                <a:cs typeface="Courier" charset="0"/>
-              </a:rPr>
-              <a:t>git</a:t>
-            </a:r>
-            <a:r>
-              <a:rPr lang="en-US" b="1" dirty="0" smtClean="0">
-                <a:latin typeface="Courier" charset="0"/>
-                <a:ea typeface="Courier" charset="0"/>
-                <a:cs typeface="Courier" charset="0"/>
-              </a:rPr>
-              <a:t> commit -u origin master</a:t>
-            </a:r>
-            <a:endParaRPr lang="en-US" b="1" dirty="0">
-              <a:latin typeface="Courier" charset="0"/>
-              <a:ea typeface="Courier" charset="0"/>
-              <a:cs typeface="Courier" charset="0"/>
-            </a:endParaRPr>
+              <a:t>Hint: it’s in your </a:t>
+            </a:r>
+            <a:r>
+              <a:rPr lang="en-US" dirty="0" err="1" smtClean="0"/>
+              <a:t>gitsetup</a:t>
+            </a:r>
+            <a:r>
+              <a:rPr lang="en-US" dirty="0" smtClean="0"/>
+              <a:t> file in your projects </a:t>
+            </a:r>
+            <a:r>
+              <a:rPr lang="en-US" dirty="0" smtClean="0"/>
+              <a:t>folder</a:t>
+            </a:r>
+          </a:p>
+          <a:p>
+            <a:r>
+              <a:rPr lang="en-US" dirty="0" smtClean="0"/>
+              <a:t>For some, you will only be prompted on </a:t>
+            </a:r>
+            <a:r>
+              <a:rPr lang="en-US" dirty="0"/>
+              <a:t>your first push</a:t>
+            </a:r>
+            <a:r>
+              <a:rPr lang="en-US" dirty="0" smtClean="0"/>
+              <a:t>, for others, it will be for each push</a:t>
+            </a:r>
+            <a:endParaRPr lang="en-US" dirty="0"/>
           </a:p>
         </p:txBody>
       </p:sp>
     </p:spTree>
     <p:extLst>
       <p:ext uri="{BB962C8B-B14F-4D97-AF65-F5344CB8AC3E}">
-        <p14:creationId xmlns:p14="http://schemas.microsoft.com/office/powerpoint/2010/main" val="1573865922"/>
+        <p14:creationId xmlns:p14="http://schemas.microsoft.com/office/powerpoint/2010/main" val="346227002"/>
       </p:ext>
     </p:extLst>
   </p:cSld>
@@ -7931,8 +8656,12 @@
           <a:lstStyle/>
           <a:p>
             <a:r>
-              <a:rPr lang="en-US" dirty="0" smtClean="0"/>
-              <a:t>Review</a:t>
+              <a:rPr lang="en-US" dirty="0" err="1" smtClean="0"/>
+              <a:t>Git</a:t>
+            </a:r>
+            <a:r>
+              <a:rPr lang="en-US" dirty="0" smtClean="0"/>
+              <a:t> push</a:t>
             </a:r>
             <a:endParaRPr lang="en-US" dirty="0"/>
           </a:p>
@@ -7948,255 +8677,547 @@
             <p:ph idx="1"/>
           </p:nvPr>
         </p:nvSpPr>
-        <p:spPr>
-          <a:xfrm>
-            <a:off x="838200" y="1690687"/>
-            <a:ext cx="10515600" cy="4796609"/>
-          </a:xfrm>
-        </p:spPr>
+        <p:spPr/>
         <p:txBody>
           <a:bodyPr/>
           <a:lstStyle/>
           <a:p>
             <a:r>
+              <a:rPr lang="en-US" b="1" dirty="0" err="1">
+                <a:latin typeface="Courier" charset="0"/>
+                <a:ea typeface="Courier" charset="0"/>
+                <a:cs typeface="Courier" charset="0"/>
+              </a:rPr>
+              <a:t>git</a:t>
+            </a:r>
+            <a:r>
+              <a:rPr lang="en-US" b="1" dirty="0">
+                <a:latin typeface="Courier" charset="0"/>
+                <a:ea typeface="Courier" charset="0"/>
+                <a:cs typeface="Courier" charset="0"/>
+              </a:rPr>
+              <a:t> push -u origin master</a:t>
+            </a:r>
+            <a:endParaRPr lang="en-US" dirty="0" smtClean="0"/>
+          </a:p>
+          <a:p>
+            <a:r>
+              <a:rPr lang="en-US" dirty="0" smtClean="0"/>
+              <a:t>Go </a:t>
+            </a:r>
+            <a:r>
+              <a:rPr lang="en-US" dirty="0" smtClean="0"/>
+              <a:t>back to your browser and refresh your </a:t>
+            </a:r>
+            <a:r>
               <a:rPr lang="en-US" dirty="0" err="1" smtClean="0"/>
-              <a:t>Git</a:t>
-            </a:r>
-            <a:r>
-              <a:rPr lang="en-US" dirty="0" smtClean="0"/>
-              <a:t> = version control</a:t>
-            </a:r>
-          </a:p>
-          <a:p>
-            <a:r>
-              <a:rPr lang="en-US" dirty="0" smtClean="0"/>
-              <a:t>GitHub = collaboration</a:t>
-            </a:r>
-          </a:p>
-          <a:p>
+              <a:t>GitPractice</a:t>
+            </a:r>
+            <a:r>
+              <a:rPr lang="en-US" dirty="0" smtClean="0"/>
+              <a:t> repo on GitHub to see your changes</a:t>
+            </a:r>
+          </a:p>
+          <a:p>
+            <a:endParaRPr lang="en-US" dirty="0" smtClean="0"/>
+          </a:p>
+          <a:p>
+            <a:r>
+              <a:rPr lang="en-US" dirty="0" smtClean="0"/>
+              <a:t>See changes </a:t>
+            </a:r>
+            <a:r>
+              <a:rPr lang="en-US" dirty="0" smtClean="0">
+                <a:sym typeface="Wingdings"/>
+              </a:rPr>
+              <a:t> </a:t>
+            </a:r>
+            <a:r>
+              <a:rPr lang="en-US" b="1" dirty="0" smtClean="0">
+                <a:solidFill>
+                  <a:schemeClr val="accent2"/>
+                </a:solidFill>
+                <a:sym typeface="Wingdings"/>
+              </a:rPr>
+              <a:t>jazz hands</a:t>
+            </a:r>
+          </a:p>
+          <a:p>
+            <a:r>
+              <a:rPr lang="en-US" dirty="0" smtClean="0">
+                <a:sym typeface="Wingdings"/>
+              </a:rPr>
+              <a:t>Don’t see changes  put up a </a:t>
+            </a:r>
+            <a:r>
+              <a:rPr lang="en-US" b="1" dirty="0" smtClean="0">
+                <a:solidFill>
+                  <a:srgbClr val="FF2F92"/>
+                </a:solidFill>
+                <a:sym typeface="Wingdings"/>
+              </a:rPr>
+              <a:t>sticky</a:t>
+            </a:r>
+            <a:r>
+              <a:rPr lang="en-US" dirty="0" smtClean="0">
+                <a:solidFill>
+                  <a:srgbClr val="FF2F92"/>
+                </a:solidFill>
+                <a:sym typeface="Wingdings"/>
+              </a:rPr>
+              <a:t> </a:t>
+            </a:r>
+            <a:r>
+              <a:rPr lang="en-US" dirty="0" smtClean="0">
+                <a:sym typeface="Wingdings"/>
+              </a:rPr>
+              <a:t>and find some </a:t>
+            </a:r>
+            <a:r>
+              <a:rPr lang="en-US" b="1" dirty="0" smtClean="0">
+                <a:solidFill>
+                  <a:schemeClr val="accent2"/>
+                </a:solidFill>
+                <a:sym typeface="Wingdings"/>
+              </a:rPr>
+              <a:t>jazz </a:t>
+            </a:r>
+            <a:r>
+              <a:rPr lang="en-US" b="1" dirty="0" smtClean="0">
+                <a:solidFill>
+                  <a:schemeClr val="accent2"/>
+                </a:solidFill>
+                <a:sym typeface="Wingdings"/>
+              </a:rPr>
+              <a:t>hands</a:t>
+            </a:r>
+          </a:p>
+          <a:p>
+            <a:endParaRPr lang="en-US" b="1" dirty="0">
+              <a:solidFill>
+                <a:schemeClr val="accent2"/>
+              </a:solidFill>
+              <a:sym typeface="Wingdings"/>
+            </a:endParaRPr>
+          </a:p>
+          <a:p>
+            <a:r>
+              <a:rPr lang="en-US" dirty="0" smtClean="0">
+                <a:sym typeface="Wingdings"/>
+              </a:rPr>
+              <a:t>Subsequently, you can just use </a:t>
+            </a:r>
             <a:r>
               <a:rPr lang="en-US" b="1" dirty="0" err="1" smtClean="0">
-                <a:latin typeface="Courier" charset="0"/>
-                <a:ea typeface="Courier" charset="0"/>
-                <a:cs typeface="Courier" charset="0"/>
-              </a:rPr>
-              <a:t>Git</a:t>
+                <a:latin typeface="Courier"/>
+                <a:sym typeface="Wingdings"/>
+              </a:rPr>
+              <a:t>git</a:t>
             </a:r>
             <a:r>
               <a:rPr lang="en-US" b="1" dirty="0" smtClean="0">
-                <a:latin typeface="Courier" charset="0"/>
-                <a:ea typeface="Courier" charset="0"/>
-                <a:cs typeface="Courier" charset="0"/>
-              </a:rPr>
-              <a:t> </a:t>
-            </a:r>
-            <a:r>
-              <a:rPr lang="en-US" b="1" dirty="0" err="1" smtClean="0">
-                <a:latin typeface="Courier" charset="0"/>
-                <a:ea typeface="Courier" charset="0"/>
-                <a:cs typeface="Courier" charset="0"/>
-              </a:rPr>
-              <a:t>config</a:t>
-            </a:r>
-            <a:r>
-              <a:rPr lang="en-US" b="1" dirty="0" smtClean="0">
-                <a:latin typeface="Courier" charset="0"/>
-                <a:ea typeface="Courier" charset="0"/>
-                <a:cs typeface="Courier" charset="0"/>
-              </a:rPr>
-              <a:t> </a:t>
-            </a:r>
-            <a:r>
-              <a:rPr lang="en-US" dirty="0" smtClean="0"/>
-              <a:t>so </a:t>
-            </a:r>
-            <a:r>
-              <a:rPr lang="en-US" dirty="0" err="1" smtClean="0"/>
-              <a:t>Git</a:t>
-            </a:r>
-            <a:r>
-              <a:rPr lang="en-US" dirty="0" smtClean="0"/>
-              <a:t> knows who is working</a:t>
-            </a:r>
-          </a:p>
-          <a:p>
-            <a:r>
-              <a:rPr lang="en-US" b="1" dirty="0" err="1" smtClean="0">
-                <a:latin typeface="Courier" charset="0"/>
-                <a:ea typeface="Courier" charset="0"/>
-                <a:cs typeface="Courier" charset="0"/>
-              </a:rPr>
-              <a:t>Git</a:t>
-            </a:r>
-            <a:r>
-              <a:rPr lang="en-US" b="1" dirty="0" smtClean="0">
-                <a:latin typeface="Courier" charset="0"/>
-                <a:ea typeface="Courier" charset="0"/>
-                <a:cs typeface="Courier" charset="0"/>
-              </a:rPr>
-              <a:t> </a:t>
-            </a:r>
-            <a:r>
-              <a:rPr lang="en-US" b="1" dirty="0" err="1" smtClean="0">
-                <a:latin typeface="Courier" charset="0"/>
-                <a:ea typeface="Courier" charset="0"/>
-                <a:cs typeface="Courier" charset="0"/>
-              </a:rPr>
-              <a:t>init</a:t>
-            </a:r>
-            <a:r>
-              <a:rPr lang="en-US" b="1" dirty="0" smtClean="0">
-                <a:latin typeface="Courier" charset="0"/>
-                <a:ea typeface="Courier" charset="0"/>
-                <a:cs typeface="Courier" charset="0"/>
-              </a:rPr>
-              <a:t> </a:t>
-            </a:r>
-            <a:r>
-              <a:rPr lang="en-US" dirty="0" smtClean="0"/>
-              <a:t>lets </a:t>
-            </a:r>
-            <a:r>
-              <a:rPr lang="en-US" dirty="0" err="1" smtClean="0"/>
-              <a:t>Git</a:t>
-            </a:r>
-            <a:r>
-              <a:rPr lang="en-US" dirty="0" smtClean="0"/>
-              <a:t> knows the repo you are  going to work on</a:t>
-            </a:r>
-          </a:p>
-          <a:p>
-            <a:r>
-              <a:rPr lang="en-US" b="1" dirty="0" err="1" smtClean="0">
-                <a:latin typeface="Courier" charset="0"/>
-                <a:ea typeface="Courier" charset="0"/>
-                <a:cs typeface="Courier" charset="0"/>
-              </a:rPr>
-              <a:t>Git</a:t>
-            </a:r>
-            <a:r>
-              <a:rPr lang="en-US" b="1" dirty="0" smtClean="0">
-                <a:latin typeface="Courier" charset="0"/>
-                <a:ea typeface="Courier" charset="0"/>
-                <a:cs typeface="Courier" charset="0"/>
-              </a:rPr>
-              <a:t> add </a:t>
-            </a:r>
-            <a:r>
-              <a:rPr lang="en-US" dirty="0" smtClean="0"/>
-              <a:t>tells </a:t>
-            </a:r>
-            <a:r>
-              <a:rPr lang="en-US" dirty="0" err="1" smtClean="0"/>
-              <a:t>Git</a:t>
-            </a:r>
-            <a:r>
-              <a:rPr lang="en-US" dirty="0" smtClean="0"/>
-              <a:t> to track this file</a:t>
-            </a:r>
-          </a:p>
-          <a:p>
-            <a:r>
-              <a:rPr lang="en-US" b="1" dirty="0" err="1" smtClean="0">
-                <a:latin typeface="Courier" charset="0"/>
-                <a:ea typeface="Courier" charset="0"/>
-                <a:cs typeface="Courier" charset="0"/>
-              </a:rPr>
-              <a:t>Git</a:t>
-            </a:r>
-            <a:r>
-              <a:rPr lang="en-US" b="1" dirty="0" smtClean="0">
-                <a:latin typeface="Courier" charset="0"/>
-                <a:ea typeface="Courier" charset="0"/>
-                <a:cs typeface="Courier" charset="0"/>
-              </a:rPr>
-              <a:t> commit </a:t>
-            </a:r>
-            <a:r>
-              <a:rPr lang="en-US" dirty="0" smtClean="0"/>
-              <a:t>tells </a:t>
-            </a:r>
-            <a:r>
-              <a:rPr lang="en-US" dirty="0" err="1" smtClean="0"/>
-              <a:t>Git</a:t>
-            </a:r>
-            <a:r>
-              <a:rPr lang="en-US" dirty="0" smtClean="0"/>
-              <a:t> to log this version with a note about it</a:t>
-            </a:r>
-          </a:p>
-          <a:p>
-            <a:r>
-              <a:rPr lang="en-US" b="1" dirty="0" err="1" smtClean="0">
-                <a:latin typeface="Courier" charset="0"/>
-                <a:ea typeface="Courier" charset="0"/>
-                <a:cs typeface="Courier" charset="0"/>
-              </a:rPr>
-              <a:t>Git</a:t>
-            </a:r>
-            <a:r>
-              <a:rPr lang="en-US" b="1" dirty="0" smtClean="0">
-                <a:latin typeface="Courier" charset="0"/>
-                <a:ea typeface="Courier" charset="0"/>
-                <a:cs typeface="Courier" charset="0"/>
-              </a:rPr>
-              <a:t> push </a:t>
-            </a:r>
-            <a:r>
-              <a:rPr lang="en-US" dirty="0" smtClean="0"/>
-              <a:t>puts this local version up on your remote GitHub</a:t>
-            </a:r>
-          </a:p>
-          <a:p>
-            <a:r>
-              <a:rPr lang="en-US" b="1" dirty="0" err="1" smtClean="0">
-                <a:latin typeface="Courier" charset="0"/>
-                <a:ea typeface="Courier" charset="0"/>
-                <a:cs typeface="Courier" charset="0"/>
-              </a:rPr>
-              <a:t>Git</a:t>
-            </a:r>
-            <a:r>
-              <a:rPr lang="en-US" b="1" dirty="0" smtClean="0">
-                <a:latin typeface="Courier" charset="0"/>
-                <a:ea typeface="Courier" charset="0"/>
-                <a:cs typeface="Courier" charset="0"/>
-              </a:rPr>
-              <a:t> clone </a:t>
-            </a:r>
-            <a:r>
-              <a:rPr lang="en-US" dirty="0" smtClean="0"/>
-              <a:t>makes a local copy of a repo on GitHub</a:t>
-            </a:r>
-          </a:p>
-          <a:p>
-            <a:r>
-              <a:rPr lang="en-US" b="1" dirty="0" err="1" smtClean="0">
-                <a:latin typeface="Courier" charset="0"/>
-                <a:ea typeface="Courier" charset="0"/>
-                <a:cs typeface="Courier" charset="0"/>
-              </a:rPr>
-              <a:t>Git</a:t>
-            </a:r>
-            <a:r>
-              <a:rPr lang="en-US" b="1" dirty="0" smtClean="0">
-                <a:latin typeface="Courier" charset="0"/>
-                <a:ea typeface="Courier" charset="0"/>
-                <a:cs typeface="Courier" charset="0"/>
-              </a:rPr>
-              <a:t> pull </a:t>
-            </a:r>
-            <a:r>
-              <a:rPr lang="en-US" dirty="0" smtClean="0"/>
-              <a:t>logs any remote changes on your local repo</a:t>
-            </a:r>
+                <a:latin typeface="Courier"/>
+                <a:sym typeface="Wingdings"/>
+              </a:rPr>
+              <a:t> push</a:t>
+            </a:r>
+            <a:endParaRPr lang="en-US" b="1" dirty="0">
+              <a:latin typeface="Courier"/>
+            </a:endParaRPr>
           </a:p>
         </p:txBody>
       </p:sp>
     </p:spTree>
     <p:extLst>
       <p:ext uri="{BB962C8B-B14F-4D97-AF65-F5344CB8AC3E}">
-        <p14:creationId xmlns:p14="http://schemas.microsoft.com/office/powerpoint/2010/main" val="44069694"/>
+        <p14:creationId xmlns:p14="http://schemas.microsoft.com/office/powerpoint/2010/main" val="1378190515"/>
+      </p:ext>
+    </p:extLst>
+  </p:cSld>
+  <p:clrMapOvr>
+    <a:masterClrMapping/>
+  </p:clrMapOvr>
+  <p:timing>
+    <p:tnLst>
+      <p:par>
+        <p:cTn id="1" dur="indefinite" restart="never" nodeType="tmRoot"/>
+      </p:par>
+    </p:tnLst>
+  </p:timing>
+</p:sld>
+</file>
+
+<file path=ppt/slides/slide28.xml><?xml version="1.0" encoding="utf-8"?>
+<p:sld xmlns:a="http://schemas.openxmlformats.org/drawingml/2006/main" xmlns:r="http://schemas.openxmlformats.org/officeDocument/2006/relationships" xmlns:p="http://schemas.openxmlformats.org/presentationml/2006/main">
+  <p:cSld>
+    <p:spTree>
+      <p:nvGrpSpPr>
+        <p:cNvPr id="1" name=""/>
+        <p:cNvGrpSpPr/>
+        <p:nvPr/>
+      </p:nvGrpSpPr>
+      <p:grpSpPr>
+        <a:xfrm>
+          <a:off x="0" y="0"/>
+          <a:ext cx="0" cy="0"/>
+          <a:chOff x="0" y="0"/>
+          <a:chExt cx="0" cy="0"/>
+        </a:xfrm>
+      </p:grpSpPr>
+      <p:sp>
+        <p:nvSpPr>
+          <p:cNvPr id="2" name="Title 1"/>
+          <p:cNvSpPr>
+            <a:spLocks noGrp="1"/>
+          </p:cNvSpPr>
+          <p:nvPr>
+            <p:ph type="title"/>
+          </p:nvPr>
+        </p:nvSpPr>
+        <p:spPr/>
+        <p:txBody>
+          <a:bodyPr>
+            <a:normAutofit/>
+          </a:bodyPr>
+          <a:lstStyle/>
+          <a:p>
+            <a:r>
+              <a:rPr lang="en-US" b="1" dirty="0" err="1" smtClean="0"/>
+              <a:t>Git</a:t>
+            </a:r>
+            <a:r>
+              <a:rPr lang="en-US" b="1" dirty="0" smtClean="0"/>
+              <a:t> clone</a:t>
+            </a:r>
+            <a:endParaRPr lang="en-US" dirty="0"/>
+          </a:p>
+        </p:txBody>
+      </p:sp>
+      <p:sp>
+        <p:nvSpPr>
+          <p:cNvPr id="3" name="Content Placeholder 2"/>
+          <p:cNvSpPr>
+            <a:spLocks noGrp="1"/>
+          </p:cNvSpPr>
+          <p:nvPr>
+            <p:ph idx="1"/>
+          </p:nvPr>
+        </p:nvSpPr>
+        <p:spPr/>
+        <p:txBody>
+          <a:bodyPr/>
+          <a:lstStyle/>
+          <a:p>
+            <a:r>
+              <a:rPr lang="en-US" dirty="0" smtClean="0"/>
+              <a:t>Making a copy of a GitHub repo to work on locally</a:t>
+            </a:r>
+          </a:p>
+          <a:p>
+            <a:r>
+              <a:rPr lang="en-US" dirty="0" smtClean="0"/>
+              <a:t>A clone is a local copy of a </a:t>
+            </a:r>
+            <a:r>
+              <a:rPr lang="en-US" dirty="0" smtClean="0"/>
+              <a:t>repository</a:t>
+            </a:r>
+            <a:endParaRPr lang="en-US" dirty="0"/>
+          </a:p>
+          <a:p>
+            <a:r>
+              <a:rPr lang="en-US" dirty="0" smtClean="0"/>
+              <a:t>Clone the repo for this workshop so you can have a copy for yourself!</a:t>
+            </a:r>
+          </a:p>
+          <a:p>
+            <a:pPr marL="0" indent="0">
+              <a:buNone/>
+            </a:pPr>
+            <a:r>
+              <a:rPr lang="en-US" b="1" dirty="0" err="1" smtClean="0">
+                <a:latin typeface="Courier" charset="0"/>
+                <a:ea typeface="Courier" charset="0"/>
+                <a:cs typeface="Courier" charset="0"/>
+              </a:rPr>
+              <a:t>git</a:t>
+            </a:r>
+            <a:r>
+              <a:rPr lang="en-US" b="1" dirty="0" smtClean="0">
+                <a:latin typeface="Courier" charset="0"/>
+                <a:ea typeface="Courier" charset="0"/>
+                <a:cs typeface="Courier" charset="0"/>
+              </a:rPr>
+              <a:t> clone </a:t>
+            </a:r>
+            <a:r>
+              <a:rPr lang="en-US" b="1" dirty="0" smtClean="0">
+                <a:latin typeface="Courier" charset="0"/>
+                <a:ea typeface="Courier" charset="0"/>
+                <a:cs typeface="Courier" charset="0"/>
+                <a:hlinkClick r:id="rId2"/>
+              </a:rPr>
+              <a:t>https://</a:t>
+            </a:r>
+            <a:r>
+              <a:rPr lang="en-US" b="1" dirty="0" smtClean="0">
+                <a:latin typeface="Courier" charset="0"/>
+                <a:ea typeface="Courier" charset="0"/>
+                <a:cs typeface="Courier" charset="0"/>
+                <a:hlinkClick r:id="rId2"/>
+              </a:rPr>
+              <a:t>github.com/jentang/GitDRI</a:t>
+            </a:r>
+            <a:endParaRPr lang="en-US" b="1" dirty="0" smtClean="0">
+              <a:latin typeface="Courier" charset="0"/>
+              <a:ea typeface="Courier" charset="0"/>
+              <a:cs typeface="Courier" charset="0"/>
+            </a:endParaRPr>
+          </a:p>
+          <a:p>
+            <a:pPr marL="0" indent="0">
+              <a:buNone/>
+            </a:pPr>
+            <a:endParaRPr lang="en-US" b="1" dirty="0">
+              <a:latin typeface="Courier" charset="0"/>
+              <a:ea typeface="Courier" charset="0"/>
+              <a:cs typeface="Courier" charset="0"/>
+            </a:endParaRPr>
+          </a:p>
+          <a:p>
+            <a:r>
+              <a:rPr lang="en-US" dirty="0" smtClean="0"/>
+              <a:t>If you want to clone any other user’s repo, you can use</a:t>
+            </a:r>
+            <a:endParaRPr lang="en-US" dirty="0"/>
+          </a:p>
+          <a:p>
+            <a:pPr marL="0" indent="0">
+              <a:buNone/>
+            </a:pPr>
+            <a:r>
+              <a:rPr lang="en-US" b="1" dirty="0" err="1">
+                <a:latin typeface="Courier" charset="0"/>
+                <a:ea typeface="Courier" charset="0"/>
+                <a:cs typeface="Courier" charset="0"/>
+              </a:rPr>
+              <a:t>git</a:t>
+            </a:r>
+            <a:r>
+              <a:rPr lang="en-US" b="1" dirty="0">
+                <a:latin typeface="Courier" charset="0"/>
+                <a:ea typeface="Courier" charset="0"/>
+                <a:cs typeface="Courier" charset="0"/>
+              </a:rPr>
+              <a:t> clone [URL of your </a:t>
+            </a:r>
+            <a:r>
+              <a:rPr lang="en-US" b="1" dirty="0" err="1">
+                <a:latin typeface="Courier" charset="0"/>
+                <a:ea typeface="Courier" charset="0"/>
+                <a:cs typeface="Courier" charset="0"/>
+              </a:rPr>
+              <a:t>GitHub</a:t>
+            </a:r>
+            <a:r>
+              <a:rPr lang="en-US" b="1" dirty="0">
+                <a:latin typeface="Courier" charset="0"/>
+                <a:ea typeface="Courier" charset="0"/>
+                <a:cs typeface="Courier" charset="0"/>
+              </a:rPr>
+              <a:t> repo]</a:t>
+            </a:r>
+          </a:p>
+          <a:p>
+            <a:pPr marL="0" indent="0">
+              <a:buNone/>
+            </a:pPr>
+            <a:endParaRPr lang="en-US" b="1" dirty="0" smtClean="0">
+              <a:latin typeface="Courier" charset="0"/>
+              <a:ea typeface="Courier" charset="0"/>
+              <a:cs typeface="Courier" charset="0"/>
+            </a:endParaRPr>
+          </a:p>
+          <a:p>
+            <a:endParaRPr lang="en-US" dirty="0"/>
+          </a:p>
+        </p:txBody>
+      </p:sp>
+    </p:spTree>
+    <p:extLst>
+      <p:ext uri="{BB962C8B-B14F-4D97-AF65-F5344CB8AC3E}">
+        <p14:creationId xmlns:p14="http://schemas.microsoft.com/office/powerpoint/2010/main" val="1017710821"/>
+      </p:ext>
+    </p:extLst>
+  </p:cSld>
+  <p:clrMapOvr>
+    <a:masterClrMapping/>
+  </p:clrMapOvr>
+  <p:timing>
+    <p:tnLst>
+      <p:par>
+        <p:cTn id="1" dur="indefinite" restart="never" nodeType="tmRoot"/>
+      </p:par>
+    </p:tnLst>
+  </p:timing>
+</p:sld>
+</file>
+
+<file path=ppt/slides/slide29.xml><?xml version="1.0" encoding="utf-8"?>
+<p:sld xmlns:a="http://schemas.openxmlformats.org/drawingml/2006/main" xmlns:r="http://schemas.openxmlformats.org/officeDocument/2006/relationships" xmlns:p="http://schemas.openxmlformats.org/presentationml/2006/main">
+  <p:cSld>
+    <p:spTree>
+      <p:nvGrpSpPr>
+        <p:cNvPr id="1" name=""/>
+        <p:cNvGrpSpPr/>
+        <p:nvPr/>
+      </p:nvGrpSpPr>
+      <p:grpSpPr>
+        <a:xfrm>
+          <a:off x="0" y="0"/>
+          <a:ext cx="0" cy="0"/>
+          <a:chOff x="0" y="0"/>
+          <a:chExt cx="0" cy="0"/>
+        </a:xfrm>
+      </p:grpSpPr>
+      <p:sp>
+        <p:nvSpPr>
+          <p:cNvPr id="2" name="Title 1"/>
+          <p:cNvSpPr>
+            <a:spLocks noGrp="1"/>
+          </p:cNvSpPr>
+          <p:nvPr>
+            <p:ph type="title"/>
+          </p:nvPr>
+        </p:nvSpPr>
+        <p:spPr/>
+        <p:txBody>
+          <a:bodyPr/>
+          <a:lstStyle/>
+          <a:p>
+            <a:r>
+              <a:rPr lang="en-US" dirty="0" err="1" smtClean="0"/>
+              <a:t>Git</a:t>
+            </a:r>
+            <a:r>
+              <a:rPr lang="en-US" dirty="0" smtClean="0"/>
+              <a:t> pull</a:t>
+            </a:r>
+            <a:endParaRPr lang="en-US" dirty="0"/>
+          </a:p>
+        </p:txBody>
+      </p:sp>
+      <p:sp>
+        <p:nvSpPr>
+          <p:cNvPr id="3" name="Content Placeholder 2"/>
+          <p:cNvSpPr>
+            <a:spLocks noGrp="1"/>
+          </p:cNvSpPr>
+          <p:nvPr>
+            <p:ph idx="1"/>
+          </p:nvPr>
+        </p:nvSpPr>
+        <p:spPr/>
+        <p:txBody>
+          <a:bodyPr/>
+          <a:lstStyle/>
+          <a:p>
+            <a:r>
+              <a:rPr lang="en-US" dirty="0" smtClean="0"/>
+              <a:t>changes have been made on the remote GitHub repo that have not yet been logged locally</a:t>
+            </a:r>
+          </a:p>
+          <a:p>
+            <a:r>
+              <a:rPr lang="en-US" dirty="0" smtClean="0"/>
+              <a:t>You will need to pull the repo </a:t>
+            </a:r>
+          </a:p>
+          <a:p>
+            <a:pPr lvl="1"/>
+            <a:r>
+              <a:rPr lang="en-US" dirty="0" smtClean="0"/>
+              <a:t>i.e. log the newest version in GitHub as compared to your local repo</a:t>
+            </a:r>
+          </a:p>
+          <a:p>
+            <a:pPr marL="0" indent="0">
+              <a:buNone/>
+            </a:pPr>
+            <a:r>
+              <a:rPr lang="en-US" b="1" dirty="0" smtClean="0">
+                <a:latin typeface="Courier" charset="0"/>
+                <a:ea typeface="Courier" charset="0"/>
+                <a:cs typeface="Courier" charset="0"/>
+              </a:rPr>
+              <a:t>	</a:t>
+            </a:r>
+            <a:r>
+              <a:rPr lang="en-US" b="1" dirty="0" err="1" smtClean="0">
+                <a:latin typeface="Courier" charset="0"/>
+                <a:ea typeface="Courier" charset="0"/>
+                <a:cs typeface="Courier" charset="0"/>
+              </a:rPr>
+              <a:t>git</a:t>
+            </a:r>
+            <a:r>
+              <a:rPr lang="en-US" b="1" dirty="0" smtClean="0">
+                <a:latin typeface="Courier" charset="0"/>
+                <a:ea typeface="Courier" charset="0"/>
+                <a:cs typeface="Courier" charset="0"/>
+              </a:rPr>
+              <a:t> pull [URL of your GitHub repo]</a:t>
+            </a:r>
+          </a:p>
+          <a:p>
+            <a:endParaRPr lang="en-US" dirty="0" smtClean="0"/>
+          </a:p>
+          <a:p>
+            <a:r>
+              <a:rPr lang="en-US" dirty="0" smtClean="0"/>
+              <a:t>Then merge the changes by using </a:t>
+            </a:r>
+          </a:p>
+          <a:p>
+            <a:pPr marL="0" indent="0">
+              <a:buNone/>
+            </a:pPr>
+            <a:r>
+              <a:rPr lang="en-US" b="1" dirty="0" smtClean="0">
+                <a:latin typeface="Courier" charset="0"/>
+                <a:ea typeface="Courier" charset="0"/>
+                <a:cs typeface="Courier" charset="0"/>
+              </a:rPr>
+              <a:t>	</a:t>
+            </a:r>
+            <a:r>
+              <a:rPr lang="en-US" b="1" dirty="0" err="1" smtClean="0">
+                <a:latin typeface="Courier" charset="0"/>
+                <a:ea typeface="Courier" charset="0"/>
+                <a:cs typeface="Courier" charset="0"/>
+              </a:rPr>
+              <a:t>git</a:t>
+            </a:r>
+            <a:r>
+              <a:rPr lang="en-US" b="1" dirty="0" smtClean="0">
+                <a:latin typeface="Courier" charset="0"/>
+                <a:ea typeface="Courier" charset="0"/>
+                <a:cs typeface="Courier" charset="0"/>
+              </a:rPr>
+              <a:t> commit -u origin master</a:t>
+            </a:r>
+            <a:endParaRPr lang="en-US" b="1" dirty="0">
+              <a:latin typeface="Courier" charset="0"/>
+              <a:ea typeface="Courier" charset="0"/>
+              <a:cs typeface="Courier" charset="0"/>
+            </a:endParaRPr>
+          </a:p>
+        </p:txBody>
+      </p:sp>
+    </p:spTree>
+    <p:extLst>
+      <p:ext uri="{BB962C8B-B14F-4D97-AF65-F5344CB8AC3E}">
+        <p14:creationId xmlns:p14="http://schemas.microsoft.com/office/powerpoint/2010/main" val="1573865922"/>
       </p:ext>
     </p:extLst>
   </p:cSld>
@@ -8408,7 +9429,7 @@
           <a:p>
             <a:pPr algn="ctr"/>
             <a:r>
-              <a:rPr lang="en-US" sz="3600" smtClean="0"/>
+              <a:rPr lang="en-US" sz="3600" dirty="0" smtClean="0"/>
               <a:t>STICKY FLAGS</a:t>
             </a:r>
             <a:endParaRPr lang="en-US" sz="3600" dirty="0"/>
@@ -8557,7 +9578,7 @@
                                           </p:stCondLst>
                                         </p:cTn>
                                         <p:tgtEl>
-                                          <p:spTgt spid="5"/>
+                                          <p:spTgt spid="6"/>
                                         </p:tgtEl>
                                         <p:attrNameLst>
                                           <p:attrName>style.visibility</p:attrName>
@@ -8584,7 +9605,52 @@
                                           </p:stCondLst>
                                         </p:cTn>
                                         <p:tgtEl>
-                                          <p:spTgt spid="6"/>
+                                          <p:spTgt spid="5"/>
+                                        </p:tgtEl>
+                                        <p:attrNameLst>
+                                          <p:attrName>style.visibility</p:attrName>
+                                        </p:attrNameLst>
+                                      </p:cBhvr>
+                                      <p:to>
+                                        <p:strVal val="visible"/>
+                                      </p:to>
+                                    </p:set>
+                                  </p:childTnLst>
+                                </p:cTn>
+                              </p:par>
+                            </p:childTnLst>
+                          </p:cTn>
+                        </p:par>
+                      </p:childTnLst>
+                    </p:cTn>
+                  </p:par>
+                  <p:par>
+                    <p:cTn id="9" fill="hold">
+                      <p:stCondLst>
+                        <p:cond delay="indefinite"/>
+                      </p:stCondLst>
+                      <p:childTnLst>
+                        <p:par>
+                          <p:cTn id="10" fill="hold">
+                            <p:stCondLst>
+                              <p:cond delay="0"/>
+                            </p:stCondLst>
+                            <p:childTnLst>
+                              <p:par>
+                                <p:cTn id="11" presetID="1" presetClass="entr" presetSubtype="0" fill="hold" grpId="0" nodeType="clickEffect">
+                                  <p:stCondLst>
+                                    <p:cond delay="0"/>
+                                  </p:stCondLst>
+                                  <p:childTnLst>
+                                    <p:set>
+                                      <p:cBhvr>
+                                        <p:cTn id="12" dur="1" fill="hold">
+                                          <p:stCondLst>
+                                            <p:cond delay="0"/>
+                                          </p:stCondLst>
+                                        </p:cTn>
+                                        <p:tgtEl>
+                                          <p:spTgt spid="4"/>
                                         </p:tgtEl>
                                         <p:attrNameLst>
                                           <p:attrName>style.visibility</p:attrName>
@@ -8625,9 +9691,325 @@
       </p:par>
     </p:tnLst>
     <p:bldLst>
+      <p:bldP spid="4" grpId="0" animBg="1"/>
       <p:bldP spid="5" grpId="0" animBg="1"/>
       <p:bldP spid="6" grpId="0" animBg="1"/>
     </p:bldLst>
+  </p:timing>
+</p:sld>
+</file>
+
+<file path=ppt/slides/slide30.xml><?xml version="1.0" encoding="utf-8"?>
+<p:sld xmlns:a="http://schemas.openxmlformats.org/drawingml/2006/main" xmlns:r="http://schemas.openxmlformats.org/officeDocument/2006/relationships" xmlns:p="http://schemas.openxmlformats.org/presentationml/2006/main">
+  <p:cSld>
+    <p:spTree>
+      <p:nvGrpSpPr>
+        <p:cNvPr id="1" name=""/>
+        <p:cNvGrpSpPr/>
+        <p:nvPr/>
+      </p:nvGrpSpPr>
+      <p:grpSpPr>
+        <a:xfrm>
+          <a:off x="0" y="0"/>
+          <a:ext cx="0" cy="0"/>
+          <a:chOff x="0" y="0"/>
+          <a:chExt cx="0" cy="0"/>
+        </a:xfrm>
+      </p:grpSpPr>
+      <p:sp>
+        <p:nvSpPr>
+          <p:cNvPr id="2" name="Title 1"/>
+          <p:cNvSpPr>
+            <a:spLocks noGrp="1"/>
+          </p:cNvSpPr>
+          <p:nvPr>
+            <p:ph type="title"/>
+          </p:nvPr>
+        </p:nvSpPr>
+        <p:spPr/>
+        <p:txBody>
+          <a:bodyPr/>
+          <a:lstStyle/>
+          <a:p>
+            <a:r>
+              <a:rPr lang="en-US" dirty="0" smtClean="0"/>
+              <a:t>Review</a:t>
+            </a:r>
+            <a:endParaRPr lang="en-US" dirty="0"/>
+          </a:p>
+        </p:txBody>
+      </p:sp>
+      <p:sp>
+        <p:nvSpPr>
+          <p:cNvPr id="3" name="Content Placeholder 2"/>
+          <p:cNvSpPr>
+            <a:spLocks noGrp="1"/>
+          </p:cNvSpPr>
+          <p:nvPr>
+            <p:ph idx="1"/>
+          </p:nvPr>
+        </p:nvSpPr>
+        <p:spPr>
+          <a:xfrm>
+            <a:off x="838200" y="1690687"/>
+            <a:ext cx="10515600" cy="4796609"/>
+          </a:xfrm>
+        </p:spPr>
+        <p:txBody>
+          <a:bodyPr/>
+          <a:lstStyle/>
+          <a:p>
+            <a:r>
+              <a:rPr lang="en-US" dirty="0" err="1" smtClean="0"/>
+              <a:t>Git</a:t>
+            </a:r>
+            <a:r>
+              <a:rPr lang="en-US" dirty="0" smtClean="0"/>
+              <a:t> = version control</a:t>
+            </a:r>
+          </a:p>
+          <a:p>
+            <a:r>
+              <a:rPr lang="en-US" dirty="0" smtClean="0"/>
+              <a:t>GitHub = collaboration</a:t>
+            </a:r>
+          </a:p>
+          <a:p>
+            <a:r>
+              <a:rPr lang="en-US" b="1" dirty="0" err="1" smtClean="0">
+                <a:latin typeface="Courier" charset="0"/>
+                <a:ea typeface="Courier" charset="0"/>
+                <a:cs typeface="Courier" charset="0"/>
+              </a:rPr>
+              <a:t>Git</a:t>
+            </a:r>
+            <a:r>
+              <a:rPr lang="en-US" b="1" dirty="0" smtClean="0">
+                <a:latin typeface="Courier" charset="0"/>
+                <a:ea typeface="Courier" charset="0"/>
+                <a:cs typeface="Courier" charset="0"/>
+              </a:rPr>
+              <a:t> </a:t>
+            </a:r>
+            <a:r>
+              <a:rPr lang="en-US" b="1" dirty="0" err="1" smtClean="0">
+                <a:latin typeface="Courier" charset="0"/>
+                <a:ea typeface="Courier" charset="0"/>
+                <a:cs typeface="Courier" charset="0"/>
+              </a:rPr>
+              <a:t>config</a:t>
+            </a:r>
+            <a:r>
+              <a:rPr lang="en-US" b="1" dirty="0" smtClean="0">
+                <a:latin typeface="Courier" charset="0"/>
+                <a:ea typeface="Courier" charset="0"/>
+                <a:cs typeface="Courier" charset="0"/>
+              </a:rPr>
+              <a:t> </a:t>
+            </a:r>
+            <a:r>
+              <a:rPr lang="en-US" dirty="0" smtClean="0"/>
+              <a:t>so </a:t>
+            </a:r>
+            <a:r>
+              <a:rPr lang="en-US" dirty="0" err="1" smtClean="0"/>
+              <a:t>Git</a:t>
+            </a:r>
+            <a:r>
+              <a:rPr lang="en-US" dirty="0" smtClean="0"/>
+              <a:t> knows who is working</a:t>
+            </a:r>
+          </a:p>
+          <a:p>
+            <a:r>
+              <a:rPr lang="en-US" b="1" dirty="0" err="1" smtClean="0">
+                <a:latin typeface="Courier" charset="0"/>
+                <a:ea typeface="Courier" charset="0"/>
+                <a:cs typeface="Courier" charset="0"/>
+              </a:rPr>
+              <a:t>Git</a:t>
+            </a:r>
+            <a:r>
+              <a:rPr lang="en-US" b="1" dirty="0" smtClean="0">
+                <a:latin typeface="Courier" charset="0"/>
+                <a:ea typeface="Courier" charset="0"/>
+                <a:cs typeface="Courier" charset="0"/>
+              </a:rPr>
+              <a:t> </a:t>
+            </a:r>
+            <a:r>
+              <a:rPr lang="en-US" b="1" dirty="0" err="1" smtClean="0">
+                <a:latin typeface="Courier" charset="0"/>
+                <a:ea typeface="Courier" charset="0"/>
+                <a:cs typeface="Courier" charset="0"/>
+              </a:rPr>
+              <a:t>init</a:t>
+            </a:r>
+            <a:r>
+              <a:rPr lang="en-US" b="1" dirty="0" smtClean="0">
+                <a:latin typeface="Courier" charset="0"/>
+                <a:ea typeface="Courier" charset="0"/>
+                <a:cs typeface="Courier" charset="0"/>
+              </a:rPr>
+              <a:t> </a:t>
+            </a:r>
+            <a:r>
+              <a:rPr lang="en-US" dirty="0" smtClean="0"/>
+              <a:t>lets </a:t>
+            </a:r>
+            <a:r>
+              <a:rPr lang="en-US" dirty="0" err="1" smtClean="0"/>
+              <a:t>Git</a:t>
+            </a:r>
+            <a:r>
+              <a:rPr lang="en-US" dirty="0" smtClean="0"/>
+              <a:t> knows the repo you are  going to work on</a:t>
+            </a:r>
+          </a:p>
+          <a:p>
+            <a:r>
+              <a:rPr lang="en-US" b="1" dirty="0" err="1" smtClean="0">
+                <a:latin typeface="Courier" charset="0"/>
+                <a:ea typeface="Courier" charset="0"/>
+                <a:cs typeface="Courier" charset="0"/>
+              </a:rPr>
+              <a:t>Git</a:t>
+            </a:r>
+            <a:r>
+              <a:rPr lang="en-US" b="1" dirty="0" smtClean="0">
+                <a:latin typeface="Courier" charset="0"/>
+                <a:ea typeface="Courier" charset="0"/>
+                <a:cs typeface="Courier" charset="0"/>
+              </a:rPr>
+              <a:t> add </a:t>
+            </a:r>
+            <a:r>
+              <a:rPr lang="en-US" dirty="0" smtClean="0"/>
+              <a:t>tells </a:t>
+            </a:r>
+            <a:r>
+              <a:rPr lang="en-US" dirty="0" err="1" smtClean="0"/>
+              <a:t>Git</a:t>
+            </a:r>
+            <a:r>
+              <a:rPr lang="en-US" dirty="0" smtClean="0"/>
+              <a:t> to track this file</a:t>
+            </a:r>
+          </a:p>
+          <a:p>
+            <a:r>
+              <a:rPr lang="en-US" b="1" dirty="0" err="1" smtClean="0">
+                <a:latin typeface="Courier" charset="0"/>
+                <a:ea typeface="Courier" charset="0"/>
+                <a:cs typeface="Courier" charset="0"/>
+              </a:rPr>
+              <a:t>Git</a:t>
+            </a:r>
+            <a:r>
+              <a:rPr lang="en-US" b="1" dirty="0" smtClean="0">
+                <a:latin typeface="Courier" charset="0"/>
+                <a:ea typeface="Courier" charset="0"/>
+                <a:cs typeface="Courier" charset="0"/>
+              </a:rPr>
+              <a:t> commit </a:t>
+            </a:r>
+            <a:r>
+              <a:rPr lang="en-US" dirty="0" smtClean="0"/>
+              <a:t>tells </a:t>
+            </a:r>
+            <a:r>
+              <a:rPr lang="en-US" dirty="0" err="1" smtClean="0"/>
+              <a:t>Git</a:t>
+            </a:r>
+            <a:r>
+              <a:rPr lang="en-US" dirty="0" smtClean="0"/>
+              <a:t> to log this version with a note about it</a:t>
+            </a:r>
+          </a:p>
+          <a:p>
+            <a:r>
+              <a:rPr lang="en-US" b="1" dirty="0" err="1" smtClean="0">
+                <a:latin typeface="Courier" charset="0"/>
+                <a:ea typeface="Courier" charset="0"/>
+                <a:cs typeface="Courier" charset="0"/>
+              </a:rPr>
+              <a:t>Git</a:t>
+            </a:r>
+            <a:r>
+              <a:rPr lang="en-US" b="1" dirty="0" smtClean="0">
+                <a:latin typeface="Courier" charset="0"/>
+                <a:ea typeface="Courier" charset="0"/>
+                <a:cs typeface="Courier" charset="0"/>
+              </a:rPr>
+              <a:t> push </a:t>
+            </a:r>
+            <a:r>
+              <a:rPr lang="en-US" dirty="0" smtClean="0"/>
+              <a:t>puts this local version up on your remote GitHub</a:t>
+            </a:r>
+          </a:p>
+          <a:p>
+            <a:r>
+              <a:rPr lang="en-US" b="1" dirty="0" err="1" smtClean="0">
+                <a:latin typeface="Courier" charset="0"/>
+                <a:ea typeface="Courier" charset="0"/>
+                <a:cs typeface="Courier" charset="0"/>
+              </a:rPr>
+              <a:t>Git</a:t>
+            </a:r>
+            <a:r>
+              <a:rPr lang="en-US" b="1" dirty="0" smtClean="0">
+                <a:latin typeface="Courier" charset="0"/>
+                <a:ea typeface="Courier" charset="0"/>
+                <a:cs typeface="Courier" charset="0"/>
+              </a:rPr>
+              <a:t> clone </a:t>
+            </a:r>
+            <a:r>
+              <a:rPr lang="en-US" dirty="0" smtClean="0"/>
+              <a:t>makes a local copy of a repo on GitHub</a:t>
+            </a:r>
+          </a:p>
+          <a:p>
+            <a:r>
+              <a:rPr lang="en-US" b="1" dirty="0" err="1" smtClean="0">
+                <a:latin typeface="Courier" charset="0"/>
+                <a:ea typeface="Courier" charset="0"/>
+                <a:cs typeface="Courier" charset="0"/>
+              </a:rPr>
+              <a:t>Git</a:t>
+            </a:r>
+            <a:r>
+              <a:rPr lang="en-US" b="1" dirty="0" smtClean="0">
+                <a:latin typeface="Courier" charset="0"/>
+                <a:ea typeface="Courier" charset="0"/>
+                <a:cs typeface="Courier" charset="0"/>
+              </a:rPr>
+              <a:t> pull </a:t>
+            </a:r>
+            <a:r>
+              <a:rPr lang="en-US" dirty="0" smtClean="0"/>
+              <a:t>logs any remote changes on your local repo</a:t>
+            </a:r>
+          </a:p>
+        </p:txBody>
+      </p:sp>
+    </p:spTree>
+    <p:extLst>
+      <p:ext uri="{BB962C8B-B14F-4D97-AF65-F5344CB8AC3E}">
+        <p14:creationId xmlns:p14="http://schemas.microsoft.com/office/powerpoint/2010/main" val="44069694"/>
+      </p:ext>
+    </p:extLst>
+  </p:cSld>
+  <p:clrMapOvr>
+    <a:masterClrMapping/>
+  </p:clrMapOvr>
+  <p:timing>
+    <p:tnLst>
+      <p:par>
+        <p:cTn id="1" dur="indefinite" restart="never" nodeType="tmRoot"/>
+      </p:par>
+    </p:tnLst>
   </p:timing>
 </p:sld>
 </file>
@@ -10073,7 +11455,6 @@
               <a:rPr lang="en-US" dirty="0" smtClean="0"/>
               <a:t> repositories</a:t>
             </a:r>
-            <a:endParaRPr lang="en-US" dirty="0" smtClean="0"/>
           </a:p>
           <a:p>
             <a:endParaRPr lang="en-US" dirty="0"/>

--- a/GitPres.pptx
+++ b/GitPres.pptx
@@ -241,6 +241,11 @@
       </a:defRPr>
     </a:lvl9pPr>
   </p:defaultTextStyle>
+  <p:extLst>
+    <p:ext uri="{EFAFB233-063F-42B5-8137-9DF3F51BA10A}">
+      <p15:sldGuideLst xmlns:p15="http://schemas.microsoft.com/office/powerpoint/2012/main"/>
+    </p:ext>
+  </p:extLst>
 </p:presentation>
 </file>
 
@@ -574,8 +579,8 @@
         </p:nvSpPr>
         <p:spPr>
           <a:xfrm>
-            <a:off x="1143225" y="685800"/>
-            <a:ext cx="4572225" cy="3429000"/>
+            <a:off x="381000" y="685800"/>
+            <a:ext cx="6096000" cy="3429000"/>
           </a:xfrm>
           <a:custGeom>
             <a:avLst/>
@@ -1564,8 +1569,8 @@
         </p:nvSpPr>
         <p:spPr>
           <a:xfrm>
-            <a:off x="1143225" y="685800"/>
-            <a:ext cx="4572225" cy="3429000"/>
+            <a:off x="381000" y="685800"/>
+            <a:ext cx="6096000" cy="3429000"/>
           </a:xfrm>
           <a:custGeom>
             <a:avLst/>
@@ -2334,8 +2339,8 @@
         </p:nvSpPr>
         <p:spPr>
           <a:xfrm>
-            <a:off x="1143225" y="685800"/>
-            <a:ext cx="4572225" cy="3429000"/>
+            <a:off x="381000" y="685800"/>
+            <a:ext cx="6096000" cy="3429000"/>
           </a:xfrm>
           <a:custGeom>
             <a:avLst/>
@@ -2884,8 +2889,8 @@
         </p:nvSpPr>
         <p:spPr>
           <a:xfrm>
-            <a:off x="1143225" y="685800"/>
-            <a:ext cx="4572225" cy="3429000"/>
+            <a:off x="381000" y="685800"/>
+            <a:ext cx="6096000" cy="3429000"/>
           </a:xfrm>
           <a:custGeom>
             <a:avLst/>
@@ -2994,8 +2999,8 @@
         </p:nvSpPr>
         <p:spPr>
           <a:xfrm>
-            <a:off x="1143225" y="685800"/>
-            <a:ext cx="4572225" cy="3429000"/>
+            <a:off x="381000" y="685800"/>
+            <a:ext cx="6096000" cy="3429000"/>
           </a:xfrm>
           <a:custGeom>
             <a:avLst/>
@@ -14106,59 +14111,83 @@
               <a:buNone/>
             </a:pPr>
             <a:r>
-              <a:rPr lang="en-US" sz="7200" b="1" i="0" u="none" strike="noStrike" cap="none">
-                <a:solidFill>
-                  <a:schemeClr val="dk1"/>
-                </a:solidFill>
-                <a:latin typeface="Calibri"/>
-                <a:ea typeface="Calibri"/>
-                <a:cs typeface="Calibri"/>
-                <a:sym typeface="Calibri"/>
-              </a:rPr>
-              <a:t>Tracking Workflows with Git</a:t>
+              <a:rPr lang="en-US" sz="7200" i="0" u="none" strike="noStrike" cap="none" dirty="0">
+                <a:solidFill>
+                  <a:schemeClr val="dk1"/>
+                </a:solidFill>
+                <a:latin typeface="Arial" charset="0"/>
+                <a:ea typeface="Arial" charset="0"/>
+                <a:cs typeface="Arial" charset="0"/>
+                <a:sym typeface="Calibri"/>
+              </a:rPr>
+              <a:t>Tracking Workflows with </a:t>
+            </a:r>
+            <a:r>
+              <a:rPr lang="en-US" sz="7200" i="0" u="none" strike="noStrike" cap="none" dirty="0" err="1">
+                <a:solidFill>
+                  <a:schemeClr val="dk1"/>
+                </a:solidFill>
+                <a:latin typeface="Arial" charset="0"/>
+                <a:ea typeface="Arial" charset="0"/>
+                <a:cs typeface="Arial" charset="0"/>
+                <a:sym typeface="Calibri"/>
+              </a:rPr>
+              <a:t>Git</a:t>
+            </a:r>
+            <a:r>
+              <a:rPr lang="en-US" sz="7200" i="0" u="none" strike="noStrike" cap="none" dirty="0">
+                <a:solidFill>
+                  <a:schemeClr val="dk1"/>
+                </a:solidFill>
+                <a:latin typeface="Arial" charset="0"/>
+                <a:ea typeface="Arial" charset="0"/>
+                <a:cs typeface="Arial" charset="0"/>
+                <a:sym typeface="Calibri"/>
+              </a:rPr>
+              <a:t/>
             </a:r>
             <a:br>
-              <a:rPr lang="en-US" sz="7200" b="1" i="0" u="none" strike="noStrike" cap="none">
-                <a:solidFill>
-                  <a:schemeClr val="dk1"/>
-                </a:solidFill>
-                <a:latin typeface="Calibri"/>
-                <a:ea typeface="Calibri"/>
-                <a:cs typeface="Calibri"/>
+              <a:rPr lang="en-US" sz="7200" i="0" u="none" strike="noStrike" cap="none" dirty="0">
+                <a:solidFill>
+                  <a:schemeClr val="dk1"/>
+                </a:solidFill>
+                <a:latin typeface="Arial" charset="0"/>
+                <a:ea typeface="Arial" charset="0"/>
+                <a:cs typeface="Arial" charset="0"/>
                 <a:sym typeface="Calibri"/>
               </a:rPr>
             </a:br>
             <a:r>
-              <a:rPr lang="en-US" sz="7200" b="1" i="0" u="none" strike="noStrike" cap="none">
-                <a:solidFill>
-                  <a:schemeClr val="dk1"/>
-                </a:solidFill>
-                <a:latin typeface="Calibri"/>
-                <a:ea typeface="Calibri"/>
-                <a:cs typeface="Calibri"/>
+              <a:rPr lang="en-US" sz="7200" i="0" u="none" strike="noStrike" cap="none" dirty="0">
+                <a:solidFill>
+                  <a:schemeClr val="dk1"/>
+                </a:solidFill>
+                <a:latin typeface="Arial" charset="0"/>
+                <a:ea typeface="Arial" charset="0"/>
+                <a:cs typeface="Arial" charset="0"/>
                 <a:sym typeface="Calibri"/>
               </a:rPr>
               <a:t>and</a:t>
             </a:r>
             <a:br>
-              <a:rPr lang="en-US" sz="7200" b="1" i="0" u="none" strike="noStrike" cap="none">
-                <a:solidFill>
-                  <a:schemeClr val="dk1"/>
-                </a:solidFill>
-                <a:latin typeface="Calibri"/>
-                <a:ea typeface="Calibri"/>
-                <a:cs typeface="Calibri"/>
+              <a:rPr lang="en-US" sz="7200" i="0" u="none" strike="noStrike" cap="none" dirty="0">
+                <a:solidFill>
+                  <a:schemeClr val="dk1"/>
+                </a:solidFill>
+                <a:latin typeface="Arial" charset="0"/>
+                <a:ea typeface="Arial" charset="0"/>
+                <a:cs typeface="Arial" charset="0"/>
                 <a:sym typeface="Calibri"/>
               </a:rPr>
             </a:br>
             <a:r>
-              <a:rPr lang="en-US" sz="7200" b="1" i="0" u="none" strike="noStrike" cap="none">
-                <a:solidFill>
-                  <a:schemeClr val="dk1"/>
-                </a:solidFill>
-                <a:latin typeface="Calibri"/>
-                <a:ea typeface="Calibri"/>
-                <a:cs typeface="Calibri"/>
+              <a:rPr lang="en-US" sz="7200" i="0" u="none" strike="noStrike" cap="none" dirty="0">
+                <a:solidFill>
+                  <a:schemeClr val="dk1"/>
+                </a:solidFill>
+                <a:latin typeface="Arial" charset="0"/>
+                <a:ea typeface="Arial" charset="0"/>
+                <a:cs typeface="Arial" charset="0"/>
                 <a:sym typeface="Calibri"/>
               </a:rPr>
               <a:t>Collaboration with GitHub</a:t>
@@ -14210,18 +14239,41 @@
               <a:buNone/>
             </a:pPr>
             <a:r>
-              <a:rPr lang="en-US" sz="6000" b="0" i="0" u="sng" strike="noStrike" cap="none">
+              <a:rPr lang="en-US" sz="4000" b="0" i="0" u="sng" strike="noStrike" cap="none" dirty="0">
                 <a:solidFill>
                   <a:schemeClr val="hlink"/>
                 </a:solidFill>
-                <a:latin typeface="Calibri"/>
-                <a:ea typeface="Calibri"/>
-                <a:cs typeface="Calibri"/>
+                <a:latin typeface="Andale Mono" charset="0"/>
+                <a:ea typeface="Andale Mono" charset="0"/>
+                <a:cs typeface="Andale Mono" charset="0"/>
                 <a:sym typeface="Calibri"/>
                 <a:hlinkClick r:id="rId3"/>
               </a:rPr>
-              <a:t>http://github.com/jentang/GitDRI</a:t>
-            </a:r>
+              <a:t>http://</a:t>
+            </a:r>
+            <a:r>
+              <a:rPr lang="en-US" sz="4000" b="0" i="0" u="sng" strike="noStrike" cap="none" dirty="0" smtClean="0">
+                <a:solidFill>
+                  <a:schemeClr val="hlink"/>
+                </a:solidFill>
+                <a:latin typeface="Andale Mono" charset="0"/>
+                <a:ea typeface="Andale Mono" charset="0"/>
+                <a:cs typeface="Andale Mono" charset="0"/>
+                <a:sym typeface="Calibri"/>
+                <a:hlinkClick r:id="rId3"/>
+              </a:rPr>
+              <a:t>github.com/jojokarlin/GitDRI</a:t>
+            </a:r>
+            <a:endParaRPr lang="en-US" sz="4000" b="0" i="0" u="sng" strike="noStrike" cap="none" dirty="0">
+              <a:solidFill>
+                <a:schemeClr val="hlink"/>
+              </a:solidFill>
+              <a:latin typeface="Andale Mono" charset="0"/>
+              <a:ea typeface="Andale Mono" charset="0"/>
+              <a:cs typeface="Andale Mono" charset="0"/>
+              <a:sym typeface="Calibri"/>
+              <a:hlinkClick r:id="rId3"/>
+            </a:endParaRPr>
           </a:p>
         </p:txBody>
       </p:sp>
@@ -14521,12 +14573,12 @@
               <a:t>markdown </a:t>
             </a:r>
             <a:r>
-              <a:rPr lang="en-US" dirty="0" err="1" smtClean="0"/>
-              <a:t>cheatsheet</a:t>
-            </a:r>
-            <a:r>
               <a:rPr lang="en-US" dirty="0" smtClean="0"/>
-              <a:t> at the bottom of the README file</a:t>
+              <a:t>cheat sheet </a:t>
+            </a:r>
+            <a:r>
+              <a:rPr lang="en-US" dirty="0" smtClean="0"/>
+              <a:t>at the bottom of the README file</a:t>
             </a:r>
             <a:endParaRPr lang="en-US" dirty="0"/>
           </a:p>
@@ -16050,7 +16102,31 @@
                 <a:cs typeface="Courier New"/>
                 <a:sym typeface="Courier New"/>
               </a:rPr>
-              <a:t>Users/Jen/Desktop/</a:t>
+              <a:t>Users/</a:t>
+            </a:r>
+            <a:r>
+              <a:rPr lang="en-US" sz="2100" b="0" i="0" u="none" strike="noStrike" cap="none" dirty="0" err="1" smtClean="0">
+                <a:solidFill>
+                  <a:schemeClr val="lt1"/>
+                </a:solidFill>
+                <a:latin typeface="Courier New"/>
+                <a:ea typeface="Courier New"/>
+                <a:cs typeface="Courier New"/>
+                <a:sym typeface="Courier New"/>
+              </a:rPr>
+              <a:t>jojokarlin</a:t>
+            </a:r>
+            <a:r>
+              <a:rPr lang="en-US" sz="2100" b="0" i="0" u="none" strike="noStrike" cap="none" dirty="0" smtClean="0">
+                <a:solidFill>
+                  <a:schemeClr val="lt1"/>
+                </a:solidFill>
+                <a:latin typeface="Courier New"/>
+                <a:ea typeface="Courier New"/>
+                <a:cs typeface="Courier New"/>
+                <a:sym typeface="Courier New"/>
+              </a:rPr>
+              <a:t>/Desktop/</a:t>
             </a:r>
             <a:r>
               <a:rPr lang="en-US" sz="2100" b="0" i="0" u="none" strike="noStrike" cap="none" dirty="0" err="1" smtClean="0">
@@ -16710,7 +16786,6 @@
               <a:rPr lang="en-US" dirty="0" smtClean="0"/>
               <a:t>I want to appear in bold</a:t>
             </a:r>
-            <a:endParaRPr lang="en-US" dirty="0" smtClean="0"/>
           </a:p>
         </p:txBody>
       </p:sp>
@@ -16720,17 +16795,22 @@
           <p:cNvPicPr preferRelativeResize="0"/>
           <p:nvPr/>
         </p:nvPicPr>
-        <p:blipFill rotWithShape="1">
+        <p:blipFill>
           <a:blip r:embed="rId3">
-            <a:alphaModFix/>
+            <a:extLst>
+              <a:ext uri="{28A0092B-C50C-407E-A947-70E740481C1C}">
+                <a14:useLocalDpi xmlns:a14="http://schemas.microsoft.com/office/drawing/2010/main" val="0"/>
+              </a:ext>
+            </a:extLst>
           </a:blip>
-          <a:srcRect/>
-          <a:stretch/>
+          <a:stretch>
+            <a:fillRect/>
+          </a:stretch>
         </p:blipFill>
         <p:spPr>
           <a:xfrm>
-            <a:off x="6647935" y="3015257"/>
-            <a:ext cx="5432850" cy="3682106"/>
+            <a:off x="6670800" y="3015257"/>
+            <a:ext cx="5387120" cy="3682106"/>
           </a:xfrm>
           <a:prstGeom prst="rect">
             <a:avLst/>
@@ -17124,8 +17204,8 @@
         </p:blipFill>
         <p:spPr>
           <a:xfrm>
-            <a:off x="0" y="3617441"/>
-            <a:ext cx="12192000" cy="1577352"/>
+            <a:off x="0" y="3695742"/>
+            <a:ext cx="12192000" cy="1442783"/>
           </a:xfrm>
           <a:prstGeom prst="rect">
             <a:avLst/>
@@ -17626,17 +17706,22 @@
           <p:cNvPicPr preferRelativeResize="0"/>
           <p:nvPr/>
         </p:nvPicPr>
-        <p:blipFill rotWithShape="1">
+        <p:blipFill>
           <a:blip r:embed="rId3">
-            <a:alphaModFix/>
+            <a:extLst>
+              <a:ext uri="{28A0092B-C50C-407E-A947-70E740481C1C}">
+                <a14:useLocalDpi xmlns:a14="http://schemas.microsoft.com/office/drawing/2010/main" val="0"/>
+              </a:ext>
+            </a:extLst>
           </a:blip>
-          <a:srcRect/>
-          <a:stretch/>
+          <a:stretch>
+            <a:fillRect/>
+          </a:stretch>
         </p:blipFill>
         <p:spPr>
           <a:xfrm>
-            <a:off x="838200" y="2816267"/>
-            <a:ext cx="10401299" cy="3733800"/>
+            <a:off x="838200" y="3197267"/>
+            <a:ext cx="10401299" cy="2971799"/>
           </a:xfrm>
           <a:prstGeom prst="rect">
             <a:avLst/>
@@ -18014,7 +18099,7 @@
               <a:buNone/>
             </a:pPr>
             <a:r>
-              <a:rPr lang="en-US" sz="2800" b="0" i="0" u="none" strike="noStrike" cap="none">
+              <a:rPr lang="en-US" sz="2400" b="0" i="0" u="none" strike="noStrike" cap="none" dirty="0">
                 <a:solidFill>
                   <a:schemeClr val="lt1"/>
                 </a:solidFill>
@@ -18023,10 +18108,10 @@
                 <a:cs typeface="Courier New"/>
                 <a:sym typeface="Courier New"/>
               </a:rPr>
-              <a:t>Origin https://github.com/jentang/GitPractice (fetch)</a:t>
-            </a:r>
-            <a:br>
-              <a:rPr lang="en-US" sz="2800" b="0" i="0" u="none" strike="noStrike" cap="none">
+              <a:t>Origin https://</a:t>
+            </a:r>
+            <a:r>
+              <a:rPr lang="en-US" sz="2400" b="0" i="0" u="none" strike="noStrike" cap="none" dirty="0" err="1" smtClean="0">
                 <a:solidFill>
                   <a:schemeClr val="lt1"/>
                 </a:solidFill>
@@ -18035,9 +18120,10 @@
                 <a:cs typeface="Courier New"/>
                 <a:sym typeface="Courier New"/>
               </a:rPr>
-            </a:br>
-            <a:r>
-              <a:rPr lang="en-US" sz="2800" b="0" i="0" u="none" strike="noStrike" cap="none">
+              <a:t>github.com</a:t>
+            </a:r>
+            <a:r>
+              <a:rPr lang="en-US" sz="2400" b="0" i="0" u="none" strike="noStrike" cap="none" dirty="0" smtClean="0">
                 <a:solidFill>
                   <a:schemeClr val="lt1"/>
                 </a:solidFill>
@@ -18046,7 +18132,174 @@
                 <a:cs typeface="Courier New"/>
                 <a:sym typeface="Courier New"/>
               </a:rPr>
-              <a:t>Origin https://github.com/jentang/GitPractice (push)</a:t>
+              <a:t>/</a:t>
+            </a:r>
+            <a:r>
+              <a:rPr lang="en-US" sz="2400" b="0" i="0" u="none" strike="noStrike" cap="none" dirty="0" err="1" smtClean="0">
+                <a:solidFill>
+                  <a:schemeClr val="lt1"/>
+                </a:solidFill>
+                <a:latin typeface="Courier New"/>
+                <a:ea typeface="Courier New"/>
+                <a:cs typeface="Courier New"/>
+                <a:sym typeface="Courier New"/>
+              </a:rPr>
+              <a:t>jojokarlin</a:t>
+            </a:r>
+            <a:r>
+              <a:rPr lang="en-US" sz="2400" b="0" i="0" u="none" strike="noStrike" cap="none" dirty="0" smtClean="0">
+                <a:solidFill>
+                  <a:schemeClr val="lt1"/>
+                </a:solidFill>
+                <a:latin typeface="Courier New"/>
+                <a:ea typeface="Courier New"/>
+                <a:cs typeface="Courier New"/>
+                <a:sym typeface="Courier New"/>
+              </a:rPr>
+              <a:t>/</a:t>
+            </a:r>
+            <a:r>
+              <a:rPr lang="en-US" sz="2400" b="0" i="0" u="none" strike="noStrike" cap="none" dirty="0" err="1" smtClean="0">
+                <a:solidFill>
+                  <a:schemeClr val="lt1"/>
+                </a:solidFill>
+                <a:latin typeface="Courier New"/>
+                <a:ea typeface="Courier New"/>
+                <a:cs typeface="Courier New"/>
+                <a:sym typeface="Courier New"/>
+              </a:rPr>
+              <a:t>GitPractice</a:t>
+            </a:r>
+            <a:r>
+              <a:rPr lang="en-US" sz="2400" b="0" i="0" u="none" strike="noStrike" cap="none" dirty="0" smtClean="0">
+                <a:solidFill>
+                  <a:schemeClr val="lt1"/>
+                </a:solidFill>
+                <a:latin typeface="Courier New"/>
+                <a:ea typeface="Courier New"/>
+                <a:cs typeface="Courier New"/>
+                <a:sym typeface="Courier New"/>
+              </a:rPr>
+              <a:t> </a:t>
+            </a:r>
+            <a:r>
+              <a:rPr lang="en-US" sz="2400" b="0" i="0" u="none" strike="noStrike" cap="none" dirty="0">
+                <a:solidFill>
+                  <a:schemeClr val="lt1"/>
+                </a:solidFill>
+                <a:latin typeface="Courier New"/>
+                <a:ea typeface="Courier New"/>
+                <a:cs typeface="Courier New"/>
+                <a:sym typeface="Courier New"/>
+              </a:rPr>
+              <a:t>(fetch)</a:t>
+            </a:r>
+            <a:br>
+              <a:rPr lang="en-US" sz="2400" b="0" i="0" u="none" strike="noStrike" cap="none" dirty="0">
+                <a:solidFill>
+                  <a:schemeClr val="lt1"/>
+                </a:solidFill>
+                <a:latin typeface="Courier New"/>
+                <a:ea typeface="Courier New"/>
+                <a:cs typeface="Courier New"/>
+                <a:sym typeface="Courier New"/>
+              </a:rPr>
+            </a:br>
+            <a:r>
+              <a:rPr lang="en-US" sz="2400" b="0" i="0" u="none" strike="noStrike" cap="none" dirty="0">
+                <a:solidFill>
+                  <a:schemeClr val="lt1"/>
+                </a:solidFill>
+                <a:latin typeface="Courier New"/>
+                <a:ea typeface="Courier New"/>
+                <a:cs typeface="Courier New"/>
+                <a:sym typeface="Courier New"/>
+              </a:rPr>
+              <a:t>Origin https://</a:t>
+            </a:r>
+            <a:r>
+              <a:rPr lang="en-US" sz="2400" b="0" i="0" u="none" strike="noStrike" cap="none" dirty="0" err="1" smtClean="0">
+                <a:solidFill>
+                  <a:schemeClr val="lt1"/>
+                </a:solidFill>
+                <a:latin typeface="Courier New"/>
+                <a:ea typeface="Courier New"/>
+                <a:cs typeface="Courier New"/>
+                <a:sym typeface="Courier New"/>
+              </a:rPr>
+              <a:t>github.com</a:t>
+            </a:r>
+            <a:r>
+              <a:rPr lang="en-US" sz="2400" b="0" i="0" u="none" strike="noStrike" cap="none" dirty="0" smtClean="0">
+                <a:solidFill>
+                  <a:schemeClr val="lt1"/>
+                </a:solidFill>
+                <a:latin typeface="Courier New"/>
+                <a:ea typeface="Courier New"/>
+                <a:cs typeface="Courier New"/>
+                <a:sym typeface="Courier New"/>
+              </a:rPr>
+              <a:t>/</a:t>
+            </a:r>
+            <a:r>
+              <a:rPr lang="en-US" sz="2400" b="0" i="0" u="none" strike="noStrike" cap="none" dirty="0" err="1" smtClean="0">
+                <a:solidFill>
+                  <a:schemeClr val="lt1"/>
+                </a:solidFill>
+                <a:latin typeface="Courier New"/>
+                <a:ea typeface="Courier New"/>
+                <a:cs typeface="Courier New"/>
+                <a:sym typeface="Courier New"/>
+              </a:rPr>
+              <a:t>jojokarlin</a:t>
+            </a:r>
+            <a:r>
+              <a:rPr lang="en-US" sz="2400" b="0" i="0" u="none" strike="noStrike" cap="none" dirty="0" smtClean="0">
+                <a:solidFill>
+                  <a:schemeClr val="lt1"/>
+                </a:solidFill>
+                <a:latin typeface="Courier New"/>
+                <a:ea typeface="Courier New"/>
+                <a:cs typeface="Courier New"/>
+                <a:sym typeface="Courier New"/>
+              </a:rPr>
+              <a:t>/</a:t>
+            </a:r>
+            <a:r>
+              <a:rPr lang="en-US" sz="2400" b="0" i="0" u="none" strike="noStrike" cap="none" dirty="0" err="1" smtClean="0">
+                <a:solidFill>
+                  <a:schemeClr val="lt1"/>
+                </a:solidFill>
+                <a:latin typeface="Courier New"/>
+                <a:ea typeface="Courier New"/>
+                <a:cs typeface="Courier New"/>
+                <a:sym typeface="Courier New"/>
+              </a:rPr>
+              <a:t>GitPractice</a:t>
+            </a:r>
+            <a:r>
+              <a:rPr lang="en-US" sz="2400" b="0" i="0" u="none" strike="noStrike" cap="none" dirty="0" smtClean="0">
+                <a:solidFill>
+                  <a:schemeClr val="lt1"/>
+                </a:solidFill>
+                <a:latin typeface="Courier New"/>
+                <a:ea typeface="Courier New"/>
+                <a:cs typeface="Courier New"/>
+                <a:sym typeface="Courier New"/>
+              </a:rPr>
+              <a:t> </a:t>
+            </a:r>
+            <a:r>
+              <a:rPr lang="en-US" sz="2400" b="0" i="0" u="none" strike="noStrike" cap="none" dirty="0">
+                <a:solidFill>
+                  <a:schemeClr val="lt1"/>
+                </a:solidFill>
+                <a:latin typeface="Courier New"/>
+                <a:ea typeface="Courier New"/>
+                <a:cs typeface="Courier New"/>
+                <a:sym typeface="Courier New"/>
+              </a:rPr>
+              <a:t>(push)</a:t>
             </a:r>
           </a:p>
         </p:txBody>
@@ -18812,8 +19065,31 @@
                 <a:sym typeface="Calibri"/>
                 <a:hlinkClick r:id="rId3"/>
               </a:rPr>
-              <a:t>http://github.com/jentang/GitDRI</a:t>
-            </a:r>
+              <a:t>http://</a:t>
+            </a:r>
+            <a:r>
+              <a:rPr lang="en-US" sz="2800" b="0" i="0" u="sng" strike="noStrike" cap="none" dirty="0" smtClean="0">
+                <a:solidFill>
+                  <a:schemeClr val="hlink"/>
+                </a:solidFill>
+                <a:latin typeface="Calibri"/>
+                <a:ea typeface="Calibri"/>
+                <a:cs typeface="Calibri"/>
+                <a:sym typeface="Calibri"/>
+                <a:hlinkClick r:id="rId3"/>
+              </a:rPr>
+              <a:t>github.com/jojokarlin/GitDRI</a:t>
+            </a:r>
+            <a:endParaRPr lang="en-US" sz="2800" b="0" i="0" u="sng" strike="noStrike" cap="none" dirty="0">
+              <a:solidFill>
+                <a:schemeClr val="hlink"/>
+              </a:solidFill>
+              <a:latin typeface="Calibri"/>
+              <a:ea typeface="Calibri"/>
+              <a:cs typeface="Calibri"/>
+              <a:sym typeface="Calibri"/>
+              <a:hlinkClick r:id="rId3"/>
+            </a:endParaRPr>
           </a:p>
           <a:p>
             <a:pPr marL="0" marR="0" lvl="0" indent="0" algn="l" rtl="0">
@@ -21186,7 +21462,7 @@
             </a:r>
           </a:p>
           <a:p>
-            <a:pPr marL="685800" marR="0" lvl="1" indent="-228600" algn="l" rtl="0">
+            <a:pPr marL="457200" marR="0" lvl="1" indent="0" algn="l" rtl="0">
               <a:lnSpc>
                 <a:spcPct val="90000"/>
               </a:lnSpc>
@@ -21200,8 +21476,7 @@
                 <a:schemeClr val="dk1"/>
               </a:buClr>
               <a:buSzPct val="100000"/>
-              <a:buFont typeface="Arial"/>
-              <a:buChar char="•"/>
+              <a:buNone/>
             </a:pPr>
             <a:r>
               <a:rPr lang="en-US" sz="2400" b="0" i="0" u="none" strike="noStrike" cap="none" dirty="0">
@@ -22079,7 +22354,7 @@
               <a:t>https://</a:t>
             </a:r>
             <a:r>
-              <a:rPr lang="en-US" sz="2800" b="1" i="0" strike="noStrike" cap="none" dirty="0" smtClean="0">
+              <a:rPr lang="en-US" sz="2800" b="1" i="0" strike="noStrike" cap="none" dirty="0" err="1" smtClean="0">
                 <a:solidFill>
                   <a:schemeClr val="tx1"/>
                 </a:solidFill>
@@ -22088,7 +22363,55 @@
                 <a:cs typeface="Courier New"/>
                 <a:sym typeface="Courier New"/>
               </a:rPr>
-              <a:t>github.com/jentang/GitDRI</a:t>
+              <a:t>github.com</a:t>
+            </a:r>
+            <a:r>
+              <a:rPr lang="en-US" sz="2800" b="1" i="0" strike="noStrike" cap="none" dirty="0" smtClean="0">
+                <a:solidFill>
+                  <a:schemeClr val="tx1"/>
+                </a:solidFill>
+                <a:latin typeface="Courier New"/>
+                <a:ea typeface="Courier New"/>
+                <a:cs typeface="Courier New"/>
+                <a:sym typeface="Courier New"/>
+              </a:rPr>
+              <a:t>/</a:t>
+            </a:r>
+            <a:r>
+              <a:rPr lang="en-US" sz="2800" b="1" i="0" strike="noStrike" cap="none" dirty="0" err="1" smtClean="0">
+                <a:solidFill>
+                  <a:schemeClr val="tx1"/>
+                </a:solidFill>
+                <a:latin typeface="Courier New"/>
+                <a:ea typeface="Courier New"/>
+                <a:cs typeface="Courier New"/>
+                <a:sym typeface="Courier New"/>
+              </a:rPr>
+              <a:t>jojokarlin</a:t>
+            </a:r>
+            <a:r>
+              <a:rPr lang="en-US" sz="2800" b="1" i="0" strike="noStrike" cap="none" dirty="0" smtClean="0">
+                <a:solidFill>
+                  <a:schemeClr val="tx1"/>
+                </a:solidFill>
+                <a:latin typeface="Courier New"/>
+                <a:ea typeface="Courier New"/>
+                <a:cs typeface="Courier New"/>
+                <a:sym typeface="Courier New"/>
+              </a:rPr>
+              <a:t>/</a:t>
+            </a:r>
+            <a:r>
+              <a:rPr lang="en-US" sz="2800" b="1" i="0" strike="noStrike" cap="none" dirty="0" err="1" smtClean="0">
+                <a:solidFill>
+                  <a:schemeClr val="tx1"/>
+                </a:solidFill>
+                <a:latin typeface="Courier New"/>
+                <a:ea typeface="Courier New"/>
+                <a:cs typeface="Courier New"/>
+                <a:sym typeface="Courier New"/>
+              </a:rPr>
+              <a:t>GitDRI</a:t>
             </a:r>
             <a:endParaRPr lang="en-US" b="1" dirty="0">
               <a:solidFill>
@@ -22140,19 +22463,7 @@
                 <a:cs typeface="Calibri" charset="0"/>
                 <a:sym typeface="Courier New"/>
               </a:rPr>
-              <a:t>Git</a:t>
-            </a:r>
-            <a:r>
-              <a:rPr lang="en-US" dirty="0" err="1" smtClean="0">
-                <a:solidFill>
-                  <a:schemeClr val="tx1"/>
-                </a:solidFill>
-                <a:latin typeface="Calibri" charset="0"/>
-                <a:ea typeface="Calibri" charset="0"/>
-                <a:cs typeface="Calibri" charset="0"/>
-                <a:sym typeface="Courier New"/>
-              </a:rPr>
-              <a:t>DRI</a:t>
+              <a:t>GitDRI</a:t>
             </a:r>
             <a:r>
               <a:rPr lang="en-US" dirty="0" smtClean="0">
@@ -23792,7 +24103,7 @@
               <a:buChar char="•"/>
             </a:pPr>
             <a:r>
-              <a:rPr lang="en-US" sz="2800" b="0" i="0" u="none" strike="noStrike" cap="none">
+              <a:rPr lang="en-US" sz="2800" b="0" i="0" u="none" strike="noStrike" cap="none" dirty="0">
                 <a:solidFill>
                   <a:schemeClr val="dk1"/>
                 </a:solidFill>
@@ -23823,16 +24134,40 @@
               <a:buChar char="•"/>
             </a:pPr>
             <a:r>
-              <a:rPr lang="en-US" sz="2800" b="0" i="0" u="none" strike="noStrike" cap="none">
-                <a:solidFill>
-                  <a:schemeClr val="dk1"/>
-                </a:solidFill>
-                <a:latin typeface="Calibri"/>
-                <a:ea typeface="Calibri"/>
-                <a:cs typeface="Calibri"/>
-                <a:sym typeface="Calibri"/>
-              </a:rPr>
-              <a:t>What is Git, GitHub and Markdown?</a:t>
+              <a:rPr lang="en-US" sz="2800" b="0" i="0" u="none" strike="noStrike" cap="none" dirty="0">
+                <a:solidFill>
+                  <a:schemeClr val="dk1"/>
+                </a:solidFill>
+                <a:latin typeface="Calibri"/>
+                <a:ea typeface="Calibri"/>
+                <a:cs typeface="Calibri"/>
+                <a:sym typeface="Calibri"/>
+              </a:rPr>
+              <a:t>What is </a:t>
+            </a:r>
+            <a:r>
+              <a:rPr lang="en-US" sz="2800" b="0" i="0" u="none" strike="noStrike" cap="none" dirty="0" err="1">
+                <a:solidFill>
+                  <a:schemeClr val="dk1"/>
+                </a:solidFill>
+                <a:latin typeface="Calibri"/>
+                <a:ea typeface="Calibri"/>
+                <a:cs typeface="Calibri"/>
+                <a:sym typeface="Calibri"/>
+              </a:rPr>
+              <a:t>Git</a:t>
+            </a:r>
+            <a:r>
+              <a:rPr lang="en-US" sz="2800" b="0" i="0" u="none" strike="noStrike" cap="none" dirty="0">
+                <a:solidFill>
+                  <a:schemeClr val="dk1"/>
+                </a:solidFill>
+                <a:latin typeface="Calibri"/>
+                <a:ea typeface="Calibri"/>
+                <a:cs typeface="Calibri"/>
+                <a:sym typeface="Calibri"/>
+              </a:rPr>
+              <a:t>, GitHub and Markdown?</a:t>
             </a:r>
           </a:p>
           <a:p>
@@ -23854,17 +24189,38 @@
               <a:buChar char="•"/>
             </a:pPr>
             <a:r>
-              <a:rPr lang="en-US" sz="2800" b="0" i="0" u="none" strike="noStrike" cap="none">
-                <a:solidFill>
-                  <a:schemeClr val="dk1"/>
-                </a:solidFill>
-                <a:latin typeface="Calibri"/>
-                <a:ea typeface="Calibri"/>
-                <a:cs typeface="Calibri"/>
-                <a:sym typeface="Calibri"/>
-              </a:rPr>
-              <a:t>Configuring Git</a:t>
-            </a:r>
+              <a:rPr lang="en-US" sz="2800" b="0" i="0" u="none" strike="noStrike" cap="none" dirty="0">
+                <a:solidFill>
+                  <a:schemeClr val="dk1"/>
+                </a:solidFill>
+                <a:latin typeface="Calibri"/>
+                <a:ea typeface="Calibri"/>
+                <a:cs typeface="Calibri"/>
+                <a:sym typeface="Calibri"/>
+              </a:rPr>
+              <a:t>Configuring </a:t>
+            </a:r>
+            <a:r>
+              <a:rPr lang="en-US" sz="2800" b="0" i="0" u="none" strike="noStrike" cap="none" dirty="0" err="1">
+                <a:solidFill>
+                  <a:schemeClr val="dk1"/>
+                </a:solidFill>
+                <a:latin typeface="Calibri"/>
+                <a:ea typeface="Calibri"/>
+                <a:cs typeface="Calibri"/>
+                <a:sym typeface="Calibri"/>
+              </a:rPr>
+              <a:t>Git</a:t>
+            </a:r>
+            <a:endParaRPr lang="en-US" sz="2800" b="0" i="0" u="none" strike="noStrike" cap="none" dirty="0">
+              <a:solidFill>
+                <a:schemeClr val="dk1"/>
+              </a:solidFill>
+              <a:latin typeface="Calibri"/>
+              <a:ea typeface="Calibri"/>
+              <a:cs typeface="Calibri"/>
+              <a:sym typeface="Calibri"/>
+            </a:endParaRPr>
           </a:p>
           <a:p>
             <a:pPr marL="228600" marR="0" lvl="0" indent="-228600" algn="l" rtl="0">
@@ -23885,17 +24241,38 @@
               <a:buChar char="•"/>
             </a:pPr>
             <a:r>
-              <a:rPr lang="en-US" sz="2800" b="0" i="0" u="none" strike="noStrike" cap="none">
-                <a:solidFill>
-                  <a:schemeClr val="dk1"/>
-                </a:solidFill>
-                <a:latin typeface="Calibri"/>
-                <a:ea typeface="Calibri"/>
-                <a:cs typeface="Calibri"/>
-                <a:sym typeface="Calibri"/>
-              </a:rPr>
-              <a:t>Initialize Git</a:t>
-            </a:r>
+              <a:rPr lang="en-US" sz="2800" b="0" i="0" u="none" strike="noStrike" cap="none" dirty="0">
+                <a:solidFill>
+                  <a:schemeClr val="dk1"/>
+                </a:solidFill>
+                <a:latin typeface="Calibri"/>
+                <a:ea typeface="Calibri"/>
+                <a:cs typeface="Calibri"/>
+                <a:sym typeface="Calibri"/>
+              </a:rPr>
+              <a:t>Initialize </a:t>
+            </a:r>
+            <a:r>
+              <a:rPr lang="en-US" sz="2800" b="0" i="0" u="none" strike="noStrike" cap="none" dirty="0" err="1">
+                <a:solidFill>
+                  <a:schemeClr val="dk1"/>
+                </a:solidFill>
+                <a:latin typeface="Calibri"/>
+                <a:ea typeface="Calibri"/>
+                <a:cs typeface="Calibri"/>
+                <a:sym typeface="Calibri"/>
+              </a:rPr>
+              <a:t>Git</a:t>
+            </a:r>
+            <a:endParaRPr lang="en-US" sz="2800" b="0" i="0" u="none" strike="noStrike" cap="none" dirty="0">
+              <a:solidFill>
+                <a:schemeClr val="dk1"/>
+              </a:solidFill>
+              <a:latin typeface="Calibri"/>
+              <a:ea typeface="Calibri"/>
+              <a:cs typeface="Calibri"/>
+              <a:sym typeface="Calibri"/>
+            </a:endParaRPr>
           </a:p>
           <a:p>
             <a:pPr marL="228600" marR="0" lvl="0" indent="-228600" algn="l" rtl="0">
@@ -23916,17 +24293,80 @@
               <a:buChar char="•"/>
             </a:pPr>
             <a:r>
-              <a:rPr lang="en-US" sz="2800" b="0" i="0" u="none" strike="noStrike" cap="none">
-                <a:solidFill>
-                  <a:schemeClr val="dk1"/>
-                </a:solidFill>
-                <a:latin typeface="Calibri"/>
-                <a:ea typeface="Calibri"/>
-                <a:cs typeface="Calibri"/>
-                <a:sym typeface="Calibri"/>
-              </a:rPr>
-              <a:t>Connect to GitHub</a:t>
-            </a:r>
+              <a:rPr lang="en-US" sz="2800" b="0" i="0" u="none" strike="noStrike" cap="none" dirty="0">
+                <a:solidFill>
+                  <a:schemeClr val="dk1"/>
+                </a:solidFill>
+                <a:latin typeface="Calibri"/>
+                <a:ea typeface="Calibri"/>
+                <a:cs typeface="Calibri"/>
+                <a:sym typeface="Calibri"/>
+              </a:rPr>
+              <a:t>Connect to </a:t>
+            </a:r>
+            <a:r>
+              <a:rPr lang="en-US" sz="2800" b="0" i="0" u="none" strike="noStrike" cap="none" dirty="0" smtClean="0">
+                <a:solidFill>
+                  <a:schemeClr val="dk1"/>
+                </a:solidFill>
+                <a:latin typeface="Calibri"/>
+                <a:ea typeface="Calibri"/>
+                <a:cs typeface="Calibri"/>
+                <a:sym typeface="Calibri"/>
+              </a:rPr>
+              <a:t>GitHub</a:t>
+            </a:r>
+          </a:p>
+          <a:p>
+            <a:pPr marL="0" marR="0" lvl="0" indent="0" algn="l" rtl="0">
+              <a:lnSpc>
+                <a:spcPct val="90000"/>
+              </a:lnSpc>
+              <a:spcBef>
+                <a:spcPts val="1000"/>
+              </a:spcBef>
+              <a:spcAft>
+                <a:spcPts val="0"/>
+              </a:spcAft>
+              <a:buClr>
+                <a:schemeClr val="dk1"/>
+              </a:buClr>
+              <a:buSzPct val="100000"/>
+              <a:buNone/>
+            </a:pPr>
+            <a:r>
+              <a:rPr lang="en-US" sz="2400" b="0" i="1" u="none" strike="noStrike" cap="none" dirty="0" smtClean="0">
+                <a:solidFill>
+                  <a:schemeClr val="dk1"/>
+                </a:solidFill>
+                <a:latin typeface="Calibri"/>
+                <a:ea typeface="Calibri"/>
+                <a:cs typeface="Calibri"/>
+                <a:sym typeface="Calibri"/>
+              </a:rPr>
+              <a:t>Break for the day</a:t>
+            </a:r>
+            <a:r>
+              <a:rPr lang="en-US" sz="2400" b="0" i="0" u="none" strike="noStrike" cap="none" dirty="0" smtClean="0">
+                <a:solidFill>
+                  <a:schemeClr val="dk1"/>
+                </a:solidFill>
+                <a:latin typeface="Calibri"/>
+                <a:ea typeface="Calibri"/>
+                <a:cs typeface="Calibri"/>
+                <a:sym typeface="Calibri"/>
+              </a:rPr>
+              <a:t> !</a:t>
+            </a:r>
+            <a:endParaRPr lang="en-US" sz="2400" b="0" i="0" u="none" strike="noStrike" cap="none" dirty="0">
+              <a:solidFill>
+                <a:schemeClr val="dk1"/>
+              </a:solidFill>
+              <a:latin typeface="Calibri"/>
+              <a:ea typeface="Calibri"/>
+              <a:cs typeface="Calibri"/>
+              <a:sym typeface="Calibri"/>
+            </a:endParaRPr>
           </a:p>
           <a:p>
             <a:pPr marL="228600" marR="0" lvl="0" indent="-228600" algn="l" rtl="0">
@@ -23947,28 +24387,16 @@
               <a:buChar char="•"/>
             </a:pPr>
             <a:r>
-              <a:rPr lang="en-US" sz="2800" b="0" i="1" u="none" strike="noStrike" cap="none">
-                <a:solidFill>
-                  <a:schemeClr val="dk1"/>
-                </a:solidFill>
-                <a:latin typeface="Calibri"/>
-                <a:ea typeface="Calibri"/>
-                <a:cs typeface="Calibri"/>
-                <a:sym typeface="Calibri"/>
-              </a:rPr>
-              <a:t>Break</a:t>
-            </a:r>
-            <a:r>
-              <a:rPr lang="en-US" sz="2800" b="0" i="0" u="none" strike="noStrike" cap="none">
-                <a:solidFill>
-                  <a:schemeClr val="dk1"/>
-                </a:solidFill>
-                <a:latin typeface="Calibri"/>
-                <a:ea typeface="Calibri"/>
-                <a:cs typeface="Calibri"/>
-                <a:sym typeface="Calibri"/>
-              </a:rPr>
-              <a:t> </a:t>
+              <a:rPr lang="en-US" sz="2800" b="0" i="0" u="none" strike="noStrike" cap="none" dirty="0" smtClean="0">
+                <a:solidFill>
+                  <a:schemeClr val="dk1"/>
+                </a:solidFill>
+                <a:latin typeface="Calibri"/>
+                <a:ea typeface="Calibri"/>
+                <a:cs typeface="Calibri"/>
+                <a:sym typeface="Calibri"/>
+              </a:rPr>
+              <a:t>Review</a:t>
             </a:r>
           </a:p>
           <a:p>
@@ -23990,16 +24418,88 @@
               <a:buChar char="•"/>
             </a:pPr>
             <a:r>
-              <a:rPr lang="en-US" sz="2800" b="0" i="0" u="none" strike="noStrike" cap="none">
-                <a:solidFill>
-                  <a:schemeClr val="dk1"/>
-                </a:solidFill>
-                <a:latin typeface="Calibri"/>
-                <a:ea typeface="Calibri"/>
-                <a:cs typeface="Calibri"/>
-                <a:sym typeface="Calibri"/>
-              </a:rPr>
-              <a:t>Git Add, Git Commit, Git Push</a:t>
+              <a:rPr lang="en-US" sz="2800" b="0" i="0" u="none" strike="noStrike" cap="none" dirty="0" err="1" smtClean="0">
+                <a:solidFill>
+                  <a:schemeClr val="dk1"/>
+                </a:solidFill>
+                <a:latin typeface="Calibri"/>
+                <a:ea typeface="Calibri"/>
+                <a:cs typeface="Calibri"/>
+                <a:sym typeface="Calibri"/>
+              </a:rPr>
+              <a:t>Git</a:t>
+            </a:r>
+            <a:r>
+              <a:rPr lang="en-US" sz="2800" b="0" i="0" u="none" strike="noStrike" cap="none" dirty="0" smtClean="0">
+                <a:solidFill>
+                  <a:schemeClr val="dk1"/>
+                </a:solidFill>
+                <a:latin typeface="Calibri"/>
+                <a:ea typeface="Calibri"/>
+                <a:cs typeface="Calibri"/>
+                <a:sym typeface="Calibri"/>
+              </a:rPr>
+              <a:t> </a:t>
+            </a:r>
+            <a:r>
+              <a:rPr lang="en-US" sz="2800" b="0" i="0" u="none" strike="noStrike" cap="none" dirty="0">
+                <a:solidFill>
+                  <a:schemeClr val="dk1"/>
+                </a:solidFill>
+                <a:latin typeface="Calibri"/>
+                <a:ea typeface="Calibri"/>
+                <a:cs typeface="Calibri"/>
+                <a:sym typeface="Calibri"/>
+              </a:rPr>
+              <a:t>Add, </a:t>
+            </a:r>
+            <a:r>
+              <a:rPr lang="en-US" sz="2800" b="0" i="0" u="none" strike="noStrike" cap="none" dirty="0" err="1">
+                <a:solidFill>
+                  <a:schemeClr val="dk1"/>
+                </a:solidFill>
+                <a:latin typeface="Calibri"/>
+                <a:ea typeface="Calibri"/>
+                <a:cs typeface="Calibri"/>
+                <a:sym typeface="Calibri"/>
+              </a:rPr>
+              <a:t>Git</a:t>
+            </a:r>
+            <a:r>
+              <a:rPr lang="en-US" sz="2800" b="0" i="0" u="none" strike="noStrike" cap="none" dirty="0">
+                <a:solidFill>
+                  <a:schemeClr val="dk1"/>
+                </a:solidFill>
+                <a:latin typeface="Calibri"/>
+                <a:ea typeface="Calibri"/>
+                <a:cs typeface="Calibri"/>
+                <a:sym typeface="Calibri"/>
+              </a:rPr>
+              <a:t> Commit, </a:t>
+            </a:r>
+            <a:r>
+              <a:rPr lang="en-US" sz="2800" b="0" i="0" u="none" strike="noStrike" cap="none" dirty="0" err="1">
+                <a:solidFill>
+                  <a:schemeClr val="dk1"/>
+                </a:solidFill>
+                <a:latin typeface="Calibri"/>
+                <a:ea typeface="Calibri"/>
+                <a:cs typeface="Calibri"/>
+                <a:sym typeface="Calibri"/>
+              </a:rPr>
+              <a:t>Git</a:t>
+            </a:r>
+            <a:r>
+              <a:rPr lang="en-US" sz="2800" b="0" i="0" u="none" strike="noStrike" cap="none" dirty="0">
+                <a:solidFill>
+                  <a:schemeClr val="dk1"/>
+                </a:solidFill>
+                <a:latin typeface="Calibri"/>
+                <a:ea typeface="Calibri"/>
+                <a:cs typeface="Calibri"/>
+                <a:sym typeface="Calibri"/>
+              </a:rPr>
+              <a:t> Push</a:t>
             </a:r>
           </a:p>
           <a:p>
@@ -24021,16 +24521,28 @@
               <a:buChar char="•"/>
             </a:pPr>
             <a:r>
-              <a:rPr lang="en-US" sz="2800" b="0" i="0" u="none" strike="noStrike" cap="none">
-                <a:solidFill>
-                  <a:schemeClr val="dk1"/>
-                </a:solidFill>
-                <a:latin typeface="Calibri"/>
-                <a:ea typeface="Calibri"/>
-                <a:cs typeface="Calibri"/>
-                <a:sym typeface="Calibri"/>
-              </a:rPr>
-              <a:t>Git for Collaboration</a:t>
+              <a:rPr lang="en-US" sz="2800" b="0" i="0" u="none" strike="noStrike" cap="none" dirty="0" err="1">
+                <a:solidFill>
+                  <a:schemeClr val="dk1"/>
+                </a:solidFill>
+                <a:latin typeface="Calibri"/>
+                <a:ea typeface="Calibri"/>
+                <a:cs typeface="Calibri"/>
+                <a:sym typeface="Calibri"/>
+              </a:rPr>
+              <a:t>Git</a:t>
+            </a:r>
+            <a:r>
+              <a:rPr lang="en-US" sz="2800" b="0" i="0" u="none" strike="noStrike" cap="none" dirty="0">
+                <a:solidFill>
+                  <a:schemeClr val="dk1"/>
+                </a:solidFill>
+                <a:latin typeface="Calibri"/>
+                <a:ea typeface="Calibri"/>
+                <a:cs typeface="Calibri"/>
+                <a:sym typeface="Calibri"/>
+              </a:rPr>
+              <a:t> for Collaboration</a:t>
             </a:r>
           </a:p>
           <a:p>
@@ -24048,7 +24560,7 @@
               <a:buFont typeface="Arial"/>
               <a:buNone/>
             </a:pPr>
-            <a:endParaRPr sz="2800" b="0" i="0" u="none" strike="noStrike" cap="none">
+            <a:endParaRPr sz="2800" b="0" i="0" u="none" strike="noStrike" cap="none" dirty="0">
               <a:solidFill>
                 <a:schemeClr val="dk1"/>
               </a:solidFill>
@@ -24587,7 +25099,31 @@
                 <a:cs typeface="Calibri"/>
                 <a:sym typeface="Calibri"/>
               </a:rPr>
-              <a:t> press the space bar and the command key at the same time and type in "terminal.”</a:t>
+              <a:t> press the space bar and the command key at the same time </a:t>
+            </a:r>
+            <a:r>
+              <a:rPr lang="en-US" sz="2800" b="0" i="0" u="none" strike="noStrike" cap="none" dirty="0" smtClean="0">
+                <a:solidFill>
+                  <a:schemeClr val="dk1"/>
+                </a:solidFill>
+                <a:latin typeface="Calibri"/>
+                <a:ea typeface="Calibri"/>
+                <a:cs typeface="Calibri"/>
+                <a:sym typeface="Calibri"/>
+              </a:rPr>
+              <a:t>(to open spotlight) and </a:t>
+            </a:r>
+            <a:r>
+              <a:rPr lang="en-US" sz="2800" b="0" i="0" u="none" strike="noStrike" cap="none" dirty="0">
+                <a:solidFill>
+                  <a:schemeClr val="dk1"/>
+                </a:solidFill>
+                <a:latin typeface="Calibri"/>
+                <a:ea typeface="Calibri"/>
+                <a:cs typeface="Calibri"/>
+                <a:sym typeface="Calibri"/>
+              </a:rPr>
+              <a:t>type in "terminal.”</a:t>
             </a:r>
           </a:p>
           <a:p>
@@ -25966,25 +26502,6 @@
               </a:rPr>
               <a:t> lives on your computer (is local), and is accessed through the command line. </a:t>
             </a:r>
-          </a:p>
-          <a:p>
-            <a:pPr marL="228600" marR="0" lvl="0" indent="-228600" algn="l" rtl="0">
-              <a:lnSpc>
-                <a:spcPct val="90000"/>
-              </a:lnSpc>
-              <a:spcBef>
-                <a:spcPts val="1000"/>
-              </a:spcBef>
-              <a:spcAft>
-                <a:spcPts val="0"/>
-              </a:spcAft>
-              <a:buClr>
-                <a:schemeClr val="dk1"/>
-              </a:buClr>
-              <a:buSzPct val="100000"/>
-              <a:buFont typeface="Arial"/>
-              <a:buNone/>
-            </a:pPr>
             <a:endParaRPr sz="2800" b="0" i="0" u="none" strike="noStrike" cap="none" dirty="0">
               <a:solidFill>
                 <a:schemeClr val="dk1"/>
@@ -26301,8 +26818,45 @@
                 <a:cs typeface="Calibri"/>
                 <a:sym typeface="Calibri"/>
               </a:rPr>
-              <a:t> repository</a:t>
-            </a:r>
+              <a:t> </a:t>
+            </a:r>
+            <a:r>
+              <a:rPr lang="en-US" sz="2800" b="0" i="0" u="none" strike="noStrike" cap="none" dirty="0" smtClean="0">
+                <a:solidFill>
+                  <a:schemeClr val="dk1"/>
+                </a:solidFill>
+                <a:latin typeface="Calibri"/>
+                <a:ea typeface="Calibri"/>
+                <a:cs typeface="Calibri"/>
+                <a:sym typeface="Calibri"/>
+              </a:rPr>
+              <a:t>repository</a:t>
+            </a:r>
+          </a:p>
+          <a:p>
+            <a:pPr marL="0" marR="0" lvl="0" indent="0" algn="l" rtl="0">
+              <a:lnSpc>
+                <a:spcPct val="90000"/>
+              </a:lnSpc>
+              <a:spcBef>
+                <a:spcPts val="1000"/>
+              </a:spcBef>
+              <a:buClr>
+                <a:schemeClr val="dk1"/>
+              </a:buClr>
+              <a:buSzPct val="100000"/>
+              <a:buNone/>
+            </a:pPr>
+            <a:r>
+              <a:rPr lang="en-US" sz="1800" dirty="0" smtClean="0"/>
+              <a:t>	(the ‘.’ indicates a hidden file)</a:t>
+            </a:r>
+            <a:endParaRPr lang="en-US" sz="1800" b="0" i="0" u="none" strike="noStrike" cap="none" dirty="0">
+              <a:solidFill>
+                <a:schemeClr val="dk1"/>
+              </a:solidFill>
+              <a:sym typeface="Calibri"/>
+            </a:endParaRPr>
           </a:p>
         </p:txBody>
       </p:sp>

--- a/GitPres.pptx
+++ b/GitPres.pptx
@@ -14574,11 +14574,7 @@
             </a:r>
             <a:r>
               <a:rPr lang="en-US" dirty="0" smtClean="0"/>
-              <a:t>cheat sheet </a:t>
-            </a:r>
-            <a:r>
-              <a:rPr lang="en-US" dirty="0" smtClean="0"/>
-              <a:t>at the bottom of the README file</a:t>
+              <a:t>cheat sheet at the bottom of the README file</a:t>
             </a:r>
             <a:endParaRPr lang="en-US" dirty="0"/>
           </a:p>
@@ -24318,6 +24314,121 @@
             </a:r>
           </a:p>
           <a:p>
+            <a:pPr marL="228600" marR="0" lvl="0" indent="-228600" algn="l" rtl="0">
+              <a:lnSpc>
+                <a:spcPct val="90000"/>
+              </a:lnSpc>
+              <a:spcBef>
+                <a:spcPts val="1000"/>
+              </a:spcBef>
+              <a:spcAft>
+                <a:spcPts val="0"/>
+              </a:spcAft>
+              <a:buClr>
+                <a:schemeClr val="dk1"/>
+              </a:buClr>
+              <a:buSzPct val="100000"/>
+              <a:buFont typeface="Arial"/>
+              <a:buChar char="•"/>
+            </a:pPr>
+            <a:r>
+              <a:rPr lang="en-US" sz="2800" b="0" i="0" u="none" strike="noStrike" cap="none" dirty="0" err="1" smtClean="0">
+                <a:solidFill>
+                  <a:schemeClr val="dk1"/>
+                </a:solidFill>
+                <a:latin typeface="Calibri"/>
+                <a:ea typeface="Calibri"/>
+                <a:cs typeface="Calibri"/>
+                <a:sym typeface="Calibri"/>
+              </a:rPr>
+              <a:t>Git</a:t>
+            </a:r>
+            <a:r>
+              <a:rPr lang="en-US" sz="2800" b="0" i="0" u="none" strike="noStrike" cap="none" dirty="0" smtClean="0">
+                <a:solidFill>
+                  <a:schemeClr val="dk1"/>
+                </a:solidFill>
+                <a:latin typeface="Calibri"/>
+                <a:ea typeface="Calibri"/>
+                <a:cs typeface="Calibri"/>
+                <a:sym typeface="Calibri"/>
+              </a:rPr>
+              <a:t> </a:t>
+            </a:r>
+            <a:r>
+              <a:rPr lang="en-US" sz="2800" b="0" i="0" u="none" strike="noStrike" cap="none" dirty="0">
+                <a:solidFill>
+                  <a:schemeClr val="dk1"/>
+                </a:solidFill>
+                <a:latin typeface="Calibri"/>
+                <a:ea typeface="Calibri"/>
+                <a:cs typeface="Calibri"/>
+                <a:sym typeface="Calibri"/>
+              </a:rPr>
+              <a:t>Add, </a:t>
+            </a:r>
+            <a:r>
+              <a:rPr lang="en-US" sz="2800" b="0" i="0" u="none" strike="noStrike" cap="none" dirty="0" err="1">
+                <a:solidFill>
+                  <a:schemeClr val="dk1"/>
+                </a:solidFill>
+                <a:latin typeface="Calibri"/>
+                <a:ea typeface="Calibri"/>
+                <a:cs typeface="Calibri"/>
+                <a:sym typeface="Calibri"/>
+              </a:rPr>
+              <a:t>Git</a:t>
+            </a:r>
+            <a:r>
+              <a:rPr lang="en-US" sz="2800" b="0" i="0" u="none" strike="noStrike" cap="none" dirty="0">
+                <a:solidFill>
+                  <a:schemeClr val="dk1"/>
+                </a:solidFill>
+                <a:latin typeface="Calibri"/>
+                <a:ea typeface="Calibri"/>
+                <a:cs typeface="Calibri"/>
+                <a:sym typeface="Calibri"/>
+              </a:rPr>
+              <a:t> Commit, </a:t>
+            </a:r>
+            <a:r>
+              <a:rPr lang="en-US" sz="2800" b="0" i="0" u="none" strike="noStrike" cap="none" dirty="0" err="1">
+                <a:solidFill>
+                  <a:schemeClr val="dk1"/>
+                </a:solidFill>
+                <a:latin typeface="Calibri"/>
+                <a:ea typeface="Calibri"/>
+                <a:cs typeface="Calibri"/>
+                <a:sym typeface="Calibri"/>
+              </a:rPr>
+              <a:t>Git</a:t>
+            </a:r>
+            <a:r>
+              <a:rPr lang="en-US" sz="2800" b="0" i="0" u="none" strike="noStrike" cap="none" dirty="0">
+                <a:solidFill>
+                  <a:schemeClr val="dk1"/>
+                </a:solidFill>
+                <a:latin typeface="Calibri"/>
+                <a:ea typeface="Calibri"/>
+                <a:cs typeface="Calibri"/>
+                <a:sym typeface="Calibri"/>
+              </a:rPr>
+              <a:t> </a:t>
+            </a:r>
+            <a:r>
+              <a:rPr lang="en-US" sz="2800" b="0" i="0" u="none" strike="noStrike" cap="none" dirty="0" smtClean="0">
+                <a:solidFill>
+                  <a:schemeClr val="dk1"/>
+                </a:solidFill>
+                <a:latin typeface="Calibri"/>
+                <a:ea typeface="Calibri"/>
+                <a:cs typeface="Calibri"/>
+                <a:sym typeface="Calibri"/>
+              </a:rPr>
+              <a:t>Push</a:t>
+            </a:r>
+          </a:p>
+          <a:p>
             <a:pPr marL="0" marR="0" lvl="0" indent="0" algn="l" rtl="0">
               <a:lnSpc>
                 <a:spcPct val="90000"/>
@@ -24335,30 +24446,22 @@
               <a:buNone/>
             </a:pPr>
             <a:r>
-              <a:rPr lang="en-US" sz="2400" b="0" i="1" u="none" strike="noStrike" cap="none" dirty="0" smtClean="0">
-                <a:solidFill>
-                  <a:schemeClr val="dk1"/>
-                </a:solidFill>
-                <a:latin typeface="Calibri"/>
-                <a:ea typeface="Calibri"/>
-                <a:cs typeface="Calibri"/>
-                <a:sym typeface="Calibri"/>
-              </a:rPr>
-              <a:t>Break for the day</a:t>
-            </a:r>
-            <a:r>
-              <a:rPr lang="en-US" sz="2400" b="0" i="0" u="none" strike="noStrike" cap="none" dirty="0" smtClean="0">
-                <a:solidFill>
-                  <a:schemeClr val="dk1"/>
-                </a:solidFill>
-                <a:latin typeface="Calibri"/>
-                <a:ea typeface="Calibri"/>
-                <a:cs typeface="Calibri"/>
-                <a:sym typeface="Calibri"/>
-              </a:rPr>
-              <a:t> !</a:t>
-            </a:r>
-            <a:endParaRPr lang="en-US" sz="2400" b="0" i="0" u="none" strike="noStrike" cap="none" dirty="0">
+              <a:rPr lang="en-US" i="1" dirty="0" smtClean="0"/>
+              <a:t>Break </a:t>
+            </a:r>
+            <a:r>
+              <a:rPr lang="en-US" i="1" dirty="0"/>
+              <a:t>for the day</a:t>
+            </a:r>
+            <a:r>
+              <a:rPr lang="en-US" dirty="0"/>
+              <a:t> </a:t>
+            </a:r>
+            <a:r>
+              <a:rPr lang="en-US" dirty="0" smtClean="0"/>
+              <a:t>!</a:t>
+            </a:r>
+            <a:endParaRPr lang="en-US" sz="2800" b="0" i="0" u="none" strike="noStrike" cap="none" dirty="0">
               <a:solidFill>
                 <a:schemeClr val="dk1"/>
               </a:solidFill>
@@ -24367,140 +24470,6 @@
               <a:cs typeface="Calibri"/>
               <a:sym typeface="Calibri"/>
             </a:endParaRPr>
-          </a:p>
-          <a:p>
-            <a:pPr marL="228600" marR="0" lvl="0" indent="-228600" algn="l" rtl="0">
-              <a:lnSpc>
-                <a:spcPct val="90000"/>
-              </a:lnSpc>
-              <a:spcBef>
-                <a:spcPts val="1000"/>
-              </a:spcBef>
-              <a:spcAft>
-                <a:spcPts val="0"/>
-              </a:spcAft>
-              <a:buClr>
-                <a:schemeClr val="dk1"/>
-              </a:buClr>
-              <a:buSzPct val="100000"/>
-              <a:buFont typeface="Arial"/>
-              <a:buChar char="•"/>
-            </a:pPr>
-            <a:r>
-              <a:rPr lang="en-US" sz="2800" b="0" i="0" u="none" strike="noStrike" cap="none" dirty="0" smtClean="0">
-                <a:solidFill>
-                  <a:schemeClr val="dk1"/>
-                </a:solidFill>
-                <a:latin typeface="Calibri"/>
-                <a:ea typeface="Calibri"/>
-                <a:cs typeface="Calibri"/>
-                <a:sym typeface="Calibri"/>
-              </a:rPr>
-              <a:t>Review</a:t>
-            </a:r>
-          </a:p>
-          <a:p>
-            <a:pPr marL="228600" marR="0" lvl="0" indent="-228600" algn="l" rtl="0">
-              <a:lnSpc>
-                <a:spcPct val="90000"/>
-              </a:lnSpc>
-              <a:spcBef>
-                <a:spcPts val="1000"/>
-              </a:spcBef>
-              <a:spcAft>
-                <a:spcPts val="0"/>
-              </a:spcAft>
-              <a:buClr>
-                <a:schemeClr val="dk1"/>
-              </a:buClr>
-              <a:buSzPct val="100000"/>
-              <a:buFont typeface="Arial"/>
-              <a:buChar char="•"/>
-            </a:pPr>
-            <a:r>
-              <a:rPr lang="en-US" sz="2800" b="0" i="0" u="none" strike="noStrike" cap="none" dirty="0" err="1" smtClean="0">
-                <a:solidFill>
-                  <a:schemeClr val="dk1"/>
-                </a:solidFill>
-                <a:latin typeface="Calibri"/>
-                <a:ea typeface="Calibri"/>
-                <a:cs typeface="Calibri"/>
-                <a:sym typeface="Calibri"/>
-              </a:rPr>
-              <a:t>Git</a:t>
-            </a:r>
-            <a:r>
-              <a:rPr lang="en-US" sz="2800" b="0" i="0" u="none" strike="noStrike" cap="none" dirty="0" smtClean="0">
-                <a:solidFill>
-                  <a:schemeClr val="dk1"/>
-                </a:solidFill>
-                <a:latin typeface="Calibri"/>
-                <a:ea typeface="Calibri"/>
-                <a:cs typeface="Calibri"/>
-                <a:sym typeface="Calibri"/>
-              </a:rPr>
-              <a:t> </a:t>
-            </a:r>
-            <a:r>
-              <a:rPr lang="en-US" sz="2800" b="0" i="0" u="none" strike="noStrike" cap="none" dirty="0">
-                <a:solidFill>
-                  <a:schemeClr val="dk1"/>
-                </a:solidFill>
-                <a:latin typeface="Calibri"/>
-                <a:ea typeface="Calibri"/>
-                <a:cs typeface="Calibri"/>
-                <a:sym typeface="Calibri"/>
-              </a:rPr>
-              <a:t>Add, </a:t>
-            </a:r>
-            <a:r>
-              <a:rPr lang="en-US" sz="2800" b="0" i="0" u="none" strike="noStrike" cap="none" dirty="0" err="1">
-                <a:solidFill>
-                  <a:schemeClr val="dk1"/>
-                </a:solidFill>
-                <a:latin typeface="Calibri"/>
-                <a:ea typeface="Calibri"/>
-                <a:cs typeface="Calibri"/>
-                <a:sym typeface="Calibri"/>
-              </a:rPr>
-              <a:t>Git</a:t>
-            </a:r>
-            <a:r>
-              <a:rPr lang="en-US" sz="2800" b="0" i="0" u="none" strike="noStrike" cap="none" dirty="0">
-                <a:solidFill>
-                  <a:schemeClr val="dk1"/>
-                </a:solidFill>
-                <a:latin typeface="Calibri"/>
-                <a:ea typeface="Calibri"/>
-                <a:cs typeface="Calibri"/>
-                <a:sym typeface="Calibri"/>
-              </a:rPr>
-              <a:t> Commit, </a:t>
-            </a:r>
-            <a:r>
-              <a:rPr lang="en-US" sz="2800" b="0" i="0" u="none" strike="noStrike" cap="none" dirty="0" err="1">
-                <a:solidFill>
-                  <a:schemeClr val="dk1"/>
-                </a:solidFill>
-                <a:latin typeface="Calibri"/>
-                <a:ea typeface="Calibri"/>
-                <a:cs typeface="Calibri"/>
-                <a:sym typeface="Calibri"/>
-              </a:rPr>
-              <a:t>Git</a:t>
-            </a:r>
-            <a:r>
-              <a:rPr lang="en-US" sz="2800" b="0" i="0" u="none" strike="noStrike" cap="none" dirty="0">
-                <a:solidFill>
-                  <a:schemeClr val="dk1"/>
-                </a:solidFill>
-                <a:latin typeface="Calibri"/>
-                <a:ea typeface="Calibri"/>
-                <a:cs typeface="Calibri"/>
-                <a:sym typeface="Calibri"/>
-              </a:rPr>
-              <a:t> Push</a:t>
-            </a:r>
           </a:p>
           <a:p>
             <a:pPr marL="228600" marR="0" lvl="0" indent="-228600" algn="l" rtl="0">

--- a/GitPres.pptx
+++ b/GitPres.pptx
@@ -22077,119 +22077,29 @@
               <a:buNone/>
             </a:pPr>
             <a:r>
-              <a:rPr lang="en-US" sz="4400" b="1" i="0" u="none" strike="noStrike" cap="none">
-                <a:solidFill>
-                  <a:schemeClr val="dk1"/>
-                </a:solidFill>
-                <a:latin typeface="Calibri"/>
-                <a:ea typeface="Calibri"/>
-                <a:cs typeface="Calibri"/>
-                <a:sym typeface="Calibri"/>
-              </a:rPr>
-              <a:t>Git clone</a:t>
-            </a:r>
-          </a:p>
-        </p:txBody>
-      </p:sp>
-      <p:sp>
-        <p:nvSpPr>
-          <p:cNvPr id="256" name="Shape 256"/>
-          <p:cNvSpPr txBox="1">
-            <a:spLocks noGrp="1"/>
-          </p:cNvSpPr>
-          <p:nvPr>
-            <p:ph type="body" idx="1"/>
-          </p:nvPr>
-        </p:nvSpPr>
-        <p:spPr>
-          <a:xfrm>
-            <a:off x="990599" y="5182503"/>
-            <a:ext cx="10363200" cy="1003864"/>
-          </a:xfrm>
-          <a:prstGeom prst="rect">
-            <a:avLst/>
-          </a:prstGeom>
-          <a:noFill/>
-          <a:ln>
-            <a:noFill/>
-          </a:ln>
-        </p:spPr>
-        <p:txBody>
-          <a:bodyPr lIns="91425" tIns="45700" rIns="91425" bIns="45700" anchor="t" anchorCtr="0">
-            <a:noAutofit/>
-          </a:bodyPr>
-          <a:lstStyle/>
-          <a:p>
-            <a:pPr lvl="0" rtl="0">
-              <a:spcBef>
-                <a:spcPts val="0"/>
-              </a:spcBef>
-              <a:buClr>
-                <a:schemeClr val="dk1"/>
-              </a:buClr>
-              <a:buSzPct val="100000"/>
-              <a:buFont typeface="Arial"/>
-              <a:buChar char="•"/>
-            </a:pPr>
-            <a:r>
-              <a:rPr lang="en-US" dirty="0"/>
-              <a:t>If you want to clone any other user’s repo, you can use</a:t>
-            </a:r>
-          </a:p>
-          <a:p>
-            <a:pPr marL="0" lvl="0" indent="-69850" rtl="0">
-              <a:spcBef>
-                <a:spcPts val="0"/>
-              </a:spcBef>
-              <a:buClr>
-                <a:srgbClr val="000000"/>
-              </a:buClr>
-              <a:buSzPct val="39285"/>
-              <a:buNone/>
-            </a:pPr>
-            <a:r>
-              <a:rPr lang="en-US" b="1" dirty="0" err="1">
-                <a:latin typeface="Courier New"/>
-                <a:ea typeface="Courier New"/>
-                <a:cs typeface="Courier New"/>
-                <a:sym typeface="Courier New"/>
-              </a:rPr>
-              <a:t>git</a:t>
-            </a:r>
-            <a:r>
-              <a:rPr lang="en-US" b="1" dirty="0">
-                <a:latin typeface="Courier New"/>
-                <a:ea typeface="Courier New"/>
-                <a:cs typeface="Courier New"/>
-                <a:sym typeface="Courier New"/>
-              </a:rPr>
-              <a:t> clone [URL of your GitHub repo]</a:t>
-            </a:r>
-          </a:p>
-          <a:p>
-            <a:pPr marL="228600" marR="0" lvl="0" indent="-228600" algn="l" rtl="0">
-              <a:lnSpc>
-                <a:spcPct val="90000"/>
-              </a:lnSpc>
-              <a:spcBef>
-                <a:spcPts val="1000"/>
-              </a:spcBef>
-              <a:buClr>
-                <a:schemeClr val="dk1"/>
-              </a:buClr>
-              <a:buSzPct val="100000"/>
-              <a:buFont typeface="Arial"/>
-              <a:buNone/>
-            </a:pPr>
-            <a:endParaRPr sz="2800" b="0" i="0" u="none" strike="noStrike" cap="none" dirty="0">
-              <a:solidFill>
-                <a:schemeClr val="dk1"/>
-              </a:solidFill>
-              <a:latin typeface="Calibri"/>
-              <a:ea typeface="Calibri"/>
-              <a:cs typeface="Calibri"/>
-              <a:sym typeface="Calibri"/>
-            </a:endParaRPr>
+              <a:rPr lang="en-US" sz="4400" b="1" i="0" u="none" strike="noStrike" cap="none" dirty="0" err="1">
+                <a:solidFill>
+                  <a:schemeClr val="dk1"/>
+                </a:solidFill>
+                <a:latin typeface="Calibri"/>
+                <a:ea typeface="Calibri"/>
+                <a:cs typeface="Calibri"/>
+                <a:sym typeface="Calibri"/>
+              </a:rPr>
+              <a:t>Git</a:t>
+            </a:r>
+            <a:r>
+              <a:rPr lang="en-US" sz="4400" b="1" i="0" u="none" strike="noStrike" cap="none" dirty="0">
+                <a:solidFill>
+                  <a:schemeClr val="dk1"/>
+                </a:solidFill>
+                <a:latin typeface="Calibri"/>
+                <a:ea typeface="Calibri"/>
+                <a:cs typeface="Calibri"/>
+                <a:sym typeface="Calibri"/>
+              </a:rPr>
+              <a:t> clone</a:t>
+            </a:r>
           </a:p>
         </p:txBody>
       </p:sp>
@@ -22205,7 +22115,7 @@
         </p:nvSpPr>
         <p:spPr>
           <a:xfrm>
-            <a:off x="990599" y="2950401"/>
+            <a:off x="990600" y="2851248"/>
             <a:ext cx="10871886" cy="2232102"/>
           </a:xfrm>
           <a:prstGeom prst="rect">
@@ -22296,21 +22206,8 @@
             </a:r>
           </a:p>
           <a:p>
-            <a:pPr marL="0" marR="0" lvl="0" indent="0" algn="l" rtl="0">
-              <a:lnSpc>
-                <a:spcPct val="90000"/>
-              </a:lnSpc>
-              <a:spcBef>
-                <a:spcPts val="1000"/>
-              </a:spcBef>
-              <a:spcAft>
-                <a:spcPts val="0"/>
-              </a:spcAft>
-              <a:buClr>
-                <a:schemeClr val="dk1"/>
-              </a:buClr>
+            <a:pPr marL="0" lvl="0" indent="0">
               <a:buSzPct val="25000"/>
-              <a:buFont typeface="Arial"/>
               <a:buNone/>
             </a:pPr>
             <a:r>
@@ -22350,7 +22247,7 @@
               <a:t>https://</a:t>
             </a:r>
             <a:r>
-              <a:rPr lang="en-US" sz="2800" b="1" i="0" strike="noStrike" cap="none" dirty="0" err="1" smtClean="0">
+              <a:rPr lang="en-US" b="1" dirty="0" err="1" smtClean="0">
                 <a:solidFill>
                   <a:schemeClr val="tx1"/>
                 </a:solidFill>
@@ -22362,7 +22259,7 @@
               <a:t>github.com</a:t>
             </a:r>
             <a:r>
-              <a:rPr lang="en-US" sz="2800" b="1" i="0" strike="noStrike" cap="none" dirty="0" smtClean="0">
+              <a:rPr lang="en-US" b="1" dirty="0" smtClean="0">
                 <a:solidFill>
                   <a:schemeClr val="tx1"/>
                 </a:solidFill>
@@ -22374,7 +22271,7 @@
               <a:t>/</a:t>
             </a:r>
             <a:r>
-              <a:rPr lang="en-US" sz="2800" b="1" i="0" strike="noStrike" cap="none" dirty="0" err="1" smtClean="0">
+              <a:rPr lang="en-US" b="1" dirty="0" err="1" smtClean="0">
                 <a:solidFill>
                   <a:schemeClr val="tx1"/>
                 </a:solidFill>
@@ -22386,7 +22283,7 @@
               <a:t>jojokarlin</a:t>
             </a:r>
             <a:r>
-              <a:rPr lang="en-US" sz="2800" b="1" i="0" strike="noStrike" cap="none" dirty="0" smtClean="0">
+              <a:rPr lang="en-US" b="1" dirty="0" smtClean="0">
                 <a:solidFill>
                   <a:schemeClr val="tx1"/>
                 </a:solidFill>
@@ -22395,84 +22292,126 @@
                 <a:cs typeface="Courier New"/>
                 <a:sym typeface="Courier New"/>
               </a:rPr>
-              <a:t>/</a:t>
-            </a:r>
-            <a:r>
-              <a:rPr lang="en-US" sz="2800" b="1" i="0" strike="noStrike" cap="none" dirty="0" err="1" smtClean="0">
+              <a:t>/Git_DRI_Jan_2017 </a:t>
+            </a:r>
+          </a:p>
+          <a:p>
+            <a:pPr marL="457200" indent="-457200">
+              <a:buSzPct val="25000"/>
+              <a:buFont typeface="Arial" charset="0"/>
+              <a:buChar char="•"/>
+            </a:pPr>
+            <a:r>
+              <a:rPr lang="en-US" dirty="0" smtClean="0">
                 <a:solidFill>
                   <a:schemeClr val="tx1"/>
                 </a:solidFill>
+                <a:latin typeface="Calibri" charset="0"/>
+                <a:ea typeface="Calibri" charset="0"/>
+                <a:cs typeface="Calibri" charset="0"/>
+                <a:sym typeface="Courier New"/>
+              </a:rPr>
+              <a:t>Take </a:t>
+            </a:r>
+            <a:r>
+              <a:rPr lang="en-US" dirty="0" smtClean="0">
+                <a:solidFill>
+                  <a:schemeClr val="tx1"/>
+                </a:solidFill>
+                <a:latin typeface="Calibri" charset="0"/>
+                <a:ea typeface="Calibri" charset="0"/>
+                <a:cs typeface="Calibri" charset="0"/>
+                <a:sym typeface="Courier New"/>
+              </a:rPr>
+              <a:t>a look in your Desktop to see if you have a new </a:t>
+            </a:r>
+            <a:r>
+              <a:rPr lang="en-US" dirty="0" err="1" smtClean="0">
+                <a:solidFill>
+                  <a:schemeClr val="tx1"/>
+                </a:solidFill>
+                <a:latin typeface="Calibri" charset="0"/>
+                <a:ea typeface="Calibri" charset="0"/>
+                <a:cs typeface="Calibri" charset="0"/>
+                <a:sym typeface="Courier New"/>
+              </a:rPr>
+              <a:t>GitDRI</a:t>
+            </a:r>
+            <a:r>
+              <a:rPr lang="en-US" dirty="0" smtClean="0">
+                <a:solidFill>
+                  <a:schemeClr val="tx1"/>
+                </a:solidFill>
+                <a:latin typeface="Calibri" charset="0"/>
+                <a:ea typeface="Calibri" charset="0"/>
+                <a:cs typeface="Calibri" charset="0"/>
+                <a:sym typeface="Courier New"/>
+              </a:rPr>
+              <a:t> </a:t>
+            </a:r>
+            <a:r>
+              <a:rPr lang="en-US" dirty="0" smtClean="0">
+                <a:solidFill>
+                  <a:schemeClr val="tx1"/>
+                </a:solidFill>
+                <a:latin typeface="Calibri" charset="0"/>
+                <a:ea typeface="Calibri" charset="0"/>
+                <a:cs typeface="Calibri" charset="0"/>
+                <a:sym typeface="Courier New"/>
+              </a:rPr>
+              <a:t>folder</a:t>
+            </a:r>
+          </a:p>
+          <a:p>
+            <a:pPr marL="457200" indent="-457200">
+              <a:buSzPct val="25000"/>
+              <a:buFont typeface="Arial" charset="0"/>
+              <a:buChar char="•"/>
+            </a:pPr>
+            <a:r>
+              <a:rPr lang="en-US" dirty="0" smtClean="0"/>
+              <a:t>If </a:t>
+            </a:r>
+            <a:r>
+              <a:rPr lang="en-US" dirty="0"/>
+              <a:t>you want to clone any other user’s repo, you can use</a:t>
+            </a:r>
+          </a:p>
+          <a:p>
+            <a:pPr marL="0" lvl="0" indent="-69850">
+              <a:spcBef>
+                <a:spcPts val="0"/>
+              </a:spcBef>
+              <a:buClr>
+                <a:srgbClr val="000000"/>
+              </a:buClr>
+              <a:buSzPct val="39285"/>
+              <a:buNone/>
+            </a:pPr>
+            <a:r>
+              <a:rPr lang="en-US" b="1" dirty="0" err="1">
                 <a:latin typeface="Courier New"/>
                 <a:ea typeface="Courier New"/>
                 <a:cs typeface="Courier New"/>
                 <a:sym typeface="Courier New"/>
               </a:rPr>
-              <a:t>GitDRI</a:t>
-            </a:r>
-            <a:endParaRPr lang="en-US" b="1" dirty="0">
-              <a:solidFill>
-                <a:schemeClr val="tx1"/>
-              </a:solidFill>
-              <a:latin typeface="Courier New"/>
-              <a:ea typeface="Courier New"/>
-              <a:cs typeface="Courier New"/>
-              <a:sym typeface="Courier New"/>
-            </a:endParaRPr>
-          </a:p>
-          <a:p>
-            <a:pPr marL="0" marR="0" lvl="0" indent="0" algn="l" rtl="0">
-              <a:lnSpc>
-                <a:spcPct val="90000"/>
-              </a:lnSpc>
-              <a:spcBef>
-                <a:spcPts val="1000"/>
-              </a:spcBef>
-              <a:spcAft>
-                <a:spcPts val="0"/>
-              </a:spcAft>
-              <a:buClr>
-                <a:schemeClr val="dk1"/>
-              </a:buClr>
+              <a:t>git</a:t>
+            </a:r>
+            <a:r>
+              <a:rPr lang="en-US" b="1" dirty="0">
+                <a:latin typeface="Courier New"/>
+                <a:ea typeface="Courier New"/>
+                <a:cs typeface="Courier New"/>
+                <a:sym typeface="Courier New"/>
+              </a:rPr>
+              <a:t> clone [URL of your GitHub repo]</a:t>
+            </a:r>
+          </a:p>
+          <a:p>
+            <a:pPr marL="0" lvl="0" indent="0">
               <a:buSzPct val="25000"/>
-              <a:buFont typeface="Arial"/>
               <a:buNone/>
             </a:pPr>
-            <a:r>
-              <a:rPr lang="en-US" dirty="0" smtClean="0">
-                <a:solidFill>
-                  <a:schemeClr val="tx1"/>
-                </a:solidFill>
-                <a:latin typeface="Calibri" charset="0"/>
-                <a:ea typeface="Calibri" charset="0"/>
-                <a:cs typeface="Calibri" charset="0"/>
-                <a:sym typeface="Courier New"/>
-              </a:rPr>
-              <a:t>Take a look in your Desktop to see if you have a new </a:t>
-            </a:r>
-            <a:r>
-              <a:rPr lang="en-US" dirty="0" err="1" smtClean="0">
-                <a:solidFill>
-                  <a:schemeClr val="tx1"/>
-                </a:solidFill>
-                <a:latin typeface="Calibri" charset="0"/>
-                <a:ea typeface="Calibri" charset="0"/>
-                <a:cs typeface="Calibri" charset="0"/>
-                <a:sym typeface="Courier New"/>
-              </a:rPr>
-              <a:t>GitDRI</a:t>
-            </a:r>
-            <a:r>
-              <a:rPr lang="en-US" dirty="0" smtClean="0">
-                <a:solidFill>
-                  <a:schemeClr val="tx1"/>
-                </a:solidFill>
-                <a:latin typeface="Calibri" charset="0"/>
-                <a:ea typeface="Calibri" charset="0"/>
-                <a:cs typeface="Calibri" charset="0"/>
-                <a:sym typeface="Courier New"/>
-              </a:rPr>
-              <a:t> folder</a:t>
-            </a:r>
             <a:endParaRPr sz="2800" i="0" strike="noStrike" cap="none" dirty="0">
               <a:solidFill>
                 <a:schemeClr val="tx1"/>
@@ -22532,7 +22471,7 @@
               <a:buChar char="•"/>
             </a:pPr>
             <a:r>
-              <a:rPr lang="en-US" sz="2800" b="0" i="0" u="none" strike="noStrike" cap="none">
+              <a:rPr lang="en-US" sz="2800" b="0" i="0" u="none" strike="noStrike" cap="none" dirty="0">
                 <a:solidFill>
                   <a:schemeClr val="dk1"/>
                 </a:solidFill>
@@ -22563,7 +22502,7 @@
               <a:buChar char="•"/>
             </a:pPr>
             <a:r>
-              <a:rPr lang="en-US" sz="2800" b="0" i="0" u="none" strike="noStrike" cap="none">
+              <a:rPr lang="en-US" sz="2800" b="0" i="0" u="none" strike="noStrike" cap="none" dirty="0">
                 <a:solidFill>
                   <a:schemeClr val="dk1"/>
                 </a:solidFill>
@@ -22590,7 +22529,7 @@
               <a:buFont typeface="Arial"/>
               <a:buNone/>
             </a:pPr>
-            <a:endParaRPr sz="2800" b="0" i="0" u="none" strike="noStrike" cap="none">
+            <a:endParaRPr sz="2800" b="0" i="0" u="none" strike="noStrike" cap="none" dirty="0">
               <a:solidFill>
                 <a:schemeClr val="dk1"/>
               </a:solidFill>
@@ -22720,15 +22659,33 @@
                                   </p:childTnLst>
                                 </p:cTn>
                               </p:par>
+                            </p:childTnLst>
+                          </p:cTn>
+                        </p:par>
+                      </p:childTnLst>
+                    </p:cTn>
+                  </p:par>
+                  <p:par>
+                    <p:cTn id="11" fill="hold">
+                      <p:stCondLst>
+                        <p:cond delay="indefinite"/>
+                      </p:stCondLst>
+                      <p:childTnLst>
+                        <p:par>
+                          <p:cTn id="12" fill="hold">
+                            <p:stCondLst>
+                              <p:cond delay="0"/>
+                            </p:stCondLst>
+                            <p:childTnLst>
                               <p:par>
-                                <p:cTn id="11" presetID="1" presetClass="entr" presetSubtype="0" fill="hold" grpId="0" nodeType="withEffect">
+                                <p:cTn id="13" presetID="1" presetClass="entr" presetSubtype="0" fill="hold" grpId="0" nodeType="clickEffect">
                                   <p:stCondLst>
                                     <p:cond delay="0"/>
                                   </p:stCondLst>
                                   <p:childTnLst>
                                     <p:set>
                                       <p:cBhvr>
-                                        <p:cTn id="12" dur="1" fill="hold">
+                                        <p:cTn id="14" dur="1" fill="hold">
                                           <p:stCondLst>
                                             <p:cond delay="0"/>
                                           </p:stCondLst>
@@ -22758,34 +22715,34 @@
                     </p:cTn>
                   </p:par>
                   <p:par>
-                    <p:cTn id="13" fill="hold">
+                    <p:cTn id="15" fill="hold">
                       <p:stCondLst>
                         <p:cond delay="indefinite"/>
                       </p:stCondLst>
                       <p:childTnLst>
                         <p:par>
-                          <p:cTn id="14" fill="hold">
+                          <p:cTn id="16" fill="hold">
                             <p:stCondLst>
                               <p:cond delay="0"/>
                             </p:stCondLst>
                             <p:childTnLst>
                               <p:par>
-                                <p:cTn id="15" presetID="1" presetClass="entr" presetSubtype="0" fill="hold" grpId="0" nodeType="clickEffect">
+                                <p:cTn id="17" presetID="1" presetClass="entr" presetSubtype="0" fill="hold" grpId="0" nodeType="clickEffect">
                                   <p:stCondLst>
                                     <p:cond delay="0"/>
                                   </p:stCondLst>
                                   <p:childTnLst>
                                     <p:set>
                                       <p:cBhvr>
-                                        <p:cTn id="16" dur="1" fill="hold">
+                                        <p:cTn id="18" dur="1" fill="hold">
                                           <p:stCondLst>
                                             <p:cond delay="0"/>
                                           </p:stCondLst>
                                         </p:cTn>
                                         <p:tgtEl>
-                                          <p:spTgt spid="256">
+                                          <p:spTgt spid="257">
                                             <p:txEl>
-                                              <p:pRg st="0" end="0"/>
+                                              <p:pRg st="4" end="4"/>
                                             </p:txEl>
                                           </p:spTgt>
                                         </p:tgtEl>
@@ -22800,23 +22757,41 @@
                                   </p:childTnLst>
                                 </p:cTn>
                               </p:par>
+                            </p:childTnLst>
+                          </p:cTn>
+                        </p:par>
+                      </p:childTnLst>
+                    </p:cTn>
+                  </p:par>
+                  <p:par>
+                    <p:cTn id="19" fill="hold">
+                      <p:stCondLst>
+                        <p:cond delay="indefinite"/>
+                      </p:stCondLst>
+                      <p:childTnLst>
+                        <p:par>
+                          <p:cTn id="20" fill="hold">
+                            <p:stCondLst>
+                              <p:cond delay="0"/>
+                            </p:stCondLst>
+                            <p:childTnLst>
                               <p:par>
-                                <p:cTn id="17" presetID="1" presetClass="entr" presetSubtype="0" fill="hold" grpId="0" nodeType="withEffect">
+                                <p:cTn id="21" presetID="1" presetClass="entr" presetSubtype="0" fill="hold" grpId="0" nodeType="clickEffect">
                                   <p:stCondLst>
                                     <p:cond delay="0"/>
                                   </p:stCondLst>
                                   <p:childTnLst>
                                     <p:set>
                                       <p:cBhvr>
-                                        <p:cTn id="18" dur="1" fill="hold">
+                                        <p:cTn id="22" dur="1" fill="hold">
                                           <p:stCondLst>
                                             <p:cond delay="0"/>
                                           </p:stCondLst>
                                         </p:cTn>
                                         <p:tgtEl>
-                                          <p:spTgt spid="256">
+                                          <p:spTgt spid="257">
                                             <p:txEl>
-                                              <p:pRg st="1" end="1"/>
+                                              <p:pRg st="5" end="5"/>
                                             </p:txEl>
                                           </p:spTgt>
                                         </p:tgtEl>
@@ -22859,7 +22834,6 @@
       </p:par>
     </p:tnLst>
     <p:bldLst>
-      <p:bldP spid="256" grpId="0" uiExpand="1" build="p"/>
       <p:bldP spid="257" grpId="0" uiExpand="1" build="p"/>
     </p:bldLst>
   </p:timing>
@@ -23042,27 +23016,25 @@
               </a:rPr>
               <a:t>You will need to pull the repo </a:t>
             </a:r>
-          </a:p>
-          <a:p>
-            <a:pPr marL="685800" marR="0" lvl="1" indent="-228600" algn="l" rtl="0">
-              <a:lnSpc>
-                <a:spcPct val="90000"/>
-              </a:lnSpc>
-              <a:spcBef>
-                <a:spcPts val="500"/>
-              </a:spcBef>
-              <a:spcAft>
-                <a:spcPts val="0"/>
-              </a:spcAft>
-              <a:buClr>
-                <a:schemeClr val="dk1"/>
-              </a:buClr>
-              <a:buSzPct val="100000"/>
-              <a:buFont typeface="Arial"/>
-              <a:buChar char="•"/>
+            <a:endParaRPr lang="en-US" sz="2800" b="0" i="0" u="none" strike="noStrike" cap="none" dirty="0" smtClean="0">
+              <a:solidFill>
+                <a:schemeClr val="dk1"/>
+              </a:solidFill>
+              <a:latin typeface="Calibri"/>
+              <a:ea typeface="Calibri"/>
+              <a:cs typeface="Calibri"/>
+              <a:sym typeface="Calibri"/>
+            </a:endParaRPr>
+          </a:p>
+          <a:p>
+            <a:pPr marL="914400" lvl="2" indent="0">
+              <a:spcBef>
+                <a:spcPts val="1000"/>
+              </a:spcBef>
+              <a:buNone/>
             </a:pPr>
             <a:r>
-              <a:rPr lang="en-US" sz="2400" b="0" i="0" u="none" strike="noStrike" cap="none" dirty="0">
+              <a:rPr lang="en-US" sz="1600" b="0" i="0" u="none" strike="noStrike" cap="none" dirty="0" smtClean="0">
                 <a:solidFill>
                   <a:schemeClr val="dk1"/>
                 </a:solidFill>
